--- a/Document/Preliminary Submissions/2. USER STORY MAP.pptx
+++ b/Document/Preliminary Submissions/2. USER STORY MAP.pptx
@@ -1,12 +1,12 @@
 
 <file path=ppt/presentation.xml><?xml version="1.0" encoding="utf-8"?>
-<p:presentation xmlns:a="http://schemas.openxmlformats.org/drawingml/2006/main" xmlns:r="http://schemas.openxmlformats.org/officeDocument/2006/relationships" xmlns:p="http://schemas.openxmlformats.org/presentationml/2006/main">
+<p:presentation xmlns:r="http://schemas.openxmlformats.org/officeDocument/2006/relationships" xmlns:c="http://schemas.openxmlformats.org/drawingml/2006/chart" xmlns:a="http://schemas.openxmlformats.org/drawingml/2006/main" xmlns:dgm="http://schemas.openxmlformats.org/drawingml/2006/diagram" xmlns:dsp="http://schemas.microsoft.com/office/drawing/2008/diagram" xmlns:p="http://schemas.openxmlformats.org/presentationml/2006/main">
   <p:sldMasterIdLst>
-    <p:sldMasterId id="2147483648" r:id="rId1"/>
+    <p:sldMasterId id="2147483666" r:id="rId1"/>
   </p:sldMasterIdLst>
   <p:sldIdLst>
-    <p:sldId id="256" r:id="rId6"/>
-    <p:sldId id="257" r:id="rId7"/>
+    <p:sldId id="256" r:id="rId2"/>
+    <p:sldId id="257" r:id="rId3"/>
   </p:sldIdLst>
   <p:sldSz cx="15113000" cy="10680700"/>
   <p:notesSz cx="15113000" cy="10680700"/>
@@ -1157,7 +1157,7 @@
 </file>
 
 <file path=ppt/slides/slide1.xml><?xml version="1.0" encoding="utf-8"?>
-<p:sld xmlns:a="http://schemas.openxmlformats.org/drawingml/2006/main" xmlns:r="http://schemas.openxmlformats.org/officeDocument/2006/relationships" xmlns:p="http://schemas.openxmlformats.org/presentationml/2006/main" showMasterSp="0">
+<p:sld xmlns:r="http://schemas.openxmlformats.org/officeDocument/2006/relationships" xmlns:c="http://schemas.openxmlformats.org/drawingml/2006/chart" xmlns:a="http://schemas.openxmlformats.org/drawingml/2006/main" xmlns:dgm="http://schemas.openxmlformats.org/drawingml/2006/diagram" xmlns:dsp="http://schemas.microsoft.com/office/drawing/2008/diagram" xmlns:p="http://schemas.openxmlformats.org/presentationml/2006/main" showMasterSp="0">
   <p:cSld>
     <p:spTree>
       <p:nvGrpSpPr>
@@ -1175,7 +1175,7 @@
       </p:grpSpPr>
       <p:sp>
         <p:nvSpPr>
-          <p:cNvPr id="2" name="object 2" descr=""/>
+          <p:cNvPr id="12" name="object 2"/>
           <p:cNvSpPr txBox="1"/>
           <p:nvPr/>
         </p:nvSpPr>
@@ -1189,10 +1189,9 @@
           </a:prstGeom>
         </p:spPr>
         <p:txBody>
-          <a:bodyPr wrap="square" lIns="0" tIns="12700" rIns="0" bIns="0" rtlCol="0" vert="horz">
+          <a:bodyPr vert="horz" wrap="square" lIns="0" tIns="12700" rIns="0" bIns="0">
             <a:spAutoFit/>
           </a:bodyPr>
-          <a:lstStyle/>
           <a:p>
             <a:pPr marL="12700">
               <a:lnSpc>
@@ -1201,43 +1200,62 @@
               <a:spcBef>
                 <a:spcPts val="100"/>
               </a:spcBef>
+              <a:defRPr/>
             </a:pPr>
             <a:r>
-              <a:rPr dirty="0" sz="1400">
+              <a:rPr sz="1400">
+                <a:solidFill>
+                  <a:srgbClr val="000000"/>
+                </a:solidFill>
                 <a:latin typeface="Arial"/>
                 <a:cs typeface="Arial"/>
               </a:rPr>
               <a:t>o</a:t>
             </a:r>
             <a:r>
-              <a:rPr dirty="0" sz="1400" spc="-5">
+              <a:rPr sz="1400" spc="-5">
+                <a:solidFill>
+                  <a:srgbClr val="000000"/>
+                </a:solidFill>
                 <a:latin typeface="Arial"/>
                 <a:cs typeface="Arial"/>
               </a:rPr>
               <a:t> </a:t>
             </a:r>
             <a:r>
-              <a:rPr dirty="0" sz="1400">
+              <a:rPr sz="1400">
+                <a:solidFill>
+                  <a:srgbClr val="000000"/>
+                </a:solidFill>
                 <a:latin typeface="Arial"/>
                 <a:cs typeface="Arial"/>
               </a:rPr>
               <a:t>o</a:t>
             </a:r>
             <a:r>
-              <a:rPr dirty="0" sz="1400" spc="-5">
+              <a:rPr sz="1400" spc="-5">
+                <a:solidFill>
+                  <a:srgbClr val="000000"/>
+                </a:solidFill>
                 <a:latin typeface="Arial"/>
                 <a:cs typeface="Arial"/>
               </a:rPr>
               <a:t> </a:t>
             </a:r>
             <a:r>
-              <a:rPr dirty="0" sz="1400" spc="-50">
+              <a:rPr sz="1400" spc="-50">
+                <a:solidFill>
+                  <a:srgbClr val="000000"/>
+                </a:solidFill>
                 <a:latin typeface="Arial"/>
                 <a:cs typeface="Arial"/>
               </a:rPr>
               <a:t>o</a:t>
             </a:r>
             <a:endParaRPr sz="1400">
+              <a:solidFill>
+                <a:srgbClr val="000000"/>
+              </a:solidFill>
               <a:latin typeface="Arial"/>
               <a:cs typeface="Arial"/>
             </a:endParaRPr>
@@ -1246,7 +1264,7 @@
       </p:sp>
       <p:sp>
         <p:nvSpPr>
-          <p:cNvPr id="3" name="object 3" descr=""/>
+          <p:cNvPr id="13" name="object 3"/>
           <p:cNvSpPr txBox="1"/>
           <p:nvPr/>
         </p:nvSpPr>
@@ -1260,10 +1278,9 @@
           </a:prstGeom>
         </p:spPr>
         <p:txBody>
-          <a:bodyPr wrap="square" lIns="0" tIns="12065" rIns="0" bIns="0" rtlCol="0" vert="horz">
+          <a:bodyPr vert="horz" wrap="square" lIns="0" tIns="12065" rIns="0" bIns="0">
             <a:spAutoFit/>
           </a:bodyPr>
-          <a:lstStyle/>
           <a:p>
             <a:pPr marL="12700">
               <a:lnSpc>
@@ -1272,43 +1289,62 @@
               <a:spcBef>
                 <a:spcPts val="95"/>
               </a:spcBef>
+              <a:defRPr/>
             </a:pPr>
             <a:r>
-              <a:rPr dirty="0" sz="1800">
+              <a:rPr sz="1800">
+                <a:solidFill>
+                  <a:srgbClr val="000000"/>
+                </a:solidFill>
                 <a:latin typeface="Arial"/>
                 <a:cs typeface="Arial"/>
               </a:rPr>
               <a:t>USER</a:t>
             </a:r>
             <a:r>
-              <a:rPr dirty="0" sz="1800" spc="-80">
+              <a:rPr sz="1800" spc="-80">
+                <a:solidFill>
+                  <a:srgbClr val="000000"/>
+                </a:solidFill>
                 <a:latin typeface="Arial"/>
                 <a:cs typeface="Arial"/>
               </a:rPr>
               <a:t> </a:t>
             </a:r>
             <a:r>
-              <a:rPr dirty="0" sz="1800">
+              <a:rPr sz="1800">
+                <a:solidFill>
+                  <a:srgbClr val="000000"/>
+                </a:solidFill>
                 <a:latin typeface="Arial"/>
                 <a:cs typeface="Arial"/>
               </a:rPr>
               <a:t>STORY</a:t>
             </a:r>
             <a:r>
-              <a:rPr dirty="0" sz="1800" spc="-80">
+              <a:rPr sz="1800" spc="-80">
+                <a:solidFill>
+                  <a:srgbClr val="000000"/>
+                </a:solidFill>
                 <a:latin typeface="Arial"/>
                 <a:cs typeface="Arial"/>
               </a:rPr>
               <a:t> </a:t>
             </a:r>
             <a:r>
-              <a:rPr dirty="0" sz="1800" spc="-25">
+              <a:rPr sz="1800" spc="-25">
+                <a:solidFill>
+                  <a:srgbClr val="000000"/>
+                </a:solidFill>
                 <a:latin typeface="Arial"/>
                 <a:cs typeface="Arial"/>
               </a:rPr>
               <a:t>MAP</a:t>
             </a:r>
             <a:endParaRPr sz="1800">
+              <a:solidFill>
+                <a:srgbClr val="000000"/>
+              </a:solidFill>
               <a:latin typeface="Arial"/>
               <a:cs typeface="Arial"/>
             </a:endParaRPr>
@@ -1317,7 +1353,7 @@
       </p:sp>
       <p:sp>
         <p:nvSpPr>
-          <p:cNvPr id="4" name="object 4" descr=""/>
+          <p:cNvPr id="14" name="object 4"/>
           <p:cNvSpPr txBox="1"/>
           <p:nvPr/>
         </p:nvSpPr>
@@ -1331,10 +1367,9 @@
           </a:prstGeom>
         </p:spPr>
         <p:txBody>
-          <a:bodyPr wrap="square" lIns="0" tIns="12700" rIns="0" bIns="0" rtlCol="0" vert="horz">
+          <a:bodyPr vert="horz" wrap="square" lIns="0" tIns="12700" rIns="0" bIns="0">
             <a:spAutoFit/>
           </a:bodyPr>
-          <a:lstStyle/>
           <a:p>
             <a:pPr>
               <a:lnSpc>
@@ -1343,29 +1378,42 @@
               <a:spcBef>
                 <a:spcPts val="100"/>
               </a:spcBef>
+              <a:defRPr/>
             </a:pPr>
             <a:r>
-              <a:rPr dirty="0" sz="1400">
+              <a:rPr sz="1400">
+                <a:solidFill>
+                  <a:srgbClr val="000000"/>
+                </a:solidFill>
                 <a:latin typeface="Arial"/>
                 <a:cs typeface="Arial"/>
               </a:rPr>
               <a:t>USER</a:t>
             </a:r>
             <a:r>
-              <a:rPr dirty="0" sz="1400" spc="-20">
+              <a:rPr sz="1400" spc="-20">
+                <a:solidFill>
+                  <a:srgbClr val="000000"/>
+                </a:solidFill>
                 <a:latin typeface="Arial"/>
                 <a:cs typeface="Arial"/>
               </a:rPr>
               <a:t> </a:t>
             </a:r>
             <a:r>
-              <a:rPr dirty="0" sz="1400" spc="-10">
+              <a:rPr sz="1400" spc="-10">
+                <a:solidFill>
+                  <a:srgbClr val="000000"/>
+                </a:solidFill>
                 <a:latin typeface="Arial"/>
                 <a:cs typeface="Arial"/>
               </a:rPr>
               <a:t>PERSONA:</a:t>
             </a:r>
             <a:endParaRPr sz="1400">
+              <a:solidFill>
+                <a:srgbClr val="000000"/>
+              </a:solidFill>
               <a:latin typeface="Arial"/>
               <a:cs typeface="Arial"/>
             </a:endParaRPr>
@@ -1374,7 +1422,7 @@
       </p:sp>
       <p:sp>
         <p:nvSpPr>
-          <p:cNvPr id="5" name="object 5" descr=""/>
+          <p:cNvPr id="15" name="object 5"/>
           <p:cNvSpPr txBox="1"/>
           <p:nvPr/>
         </p:nvSpPr>
@@ -1388,43 +1436,57 @@
           </a:prstGeom>
           <a:ln w="12192">
             <a:solidFill>
-              <a:srgbClr val="000000"/>
+              <a:srgbClr val="000000">
+                <a:alpha val="100000"/>
+              </a:srgbClr>
             </a:solidFill>
           </a:ln>
         </p:spPr>
         <p:txBody>
-          <a:bodyPr wrap="square" lIns="0" tIns="0" rIns="0" bIns="0" rtlCol="0" vert="horz">
+          <a:bodyPr vert="horz" wrap="square" lIns="0" tIns="0" rIns="0" bIns="0">
             <a:spAutoFit/>
           </a:bodyPr>
-          <a:lstStyle/>
           <a:p>
             <a:pPr marL="31750">
               <a:lnSpc>
                 <a:spcPts val="1635"/>
               </a:lnSpc>
+              <a:defRPr/>
             </a:pPr>
             <a:r>
-              <a:rPr dirty="0" sz="1400">
+              <a:rPr sz="1400">
+                <a:solidFill>
+                  <a:srgbClr val="000000"/>
+                </a:solidFill>
                 <a:latin typeface="Arial"/>
                 <a:cs typeface="Arial"/>
               </a:rPr>
               <a:t>Activity</a:t>
             </a:r>
             <a:r>
-              <a:rPr dirty="0" sz="1400" spc="-25">
+              <a:rPr sz="1400" spc="-25">
+                <a:solidFill>
+                  <a:srgbClr val="000000"/>
+                </a:solidFill>
                 <a:latin typeface="Arial"/>
                 <a:cs typeface="Arial"/>
               </a:rPr>
               <a:t> </a:t>
             </a:r>
             <a:r>
-              <a:rPr dirty="0" sz="1400" spc="-50">
+              <a:rPr sz="1400" spc="-50">
+                <a:solidFill>
+                  <a:srgbClr val="000000"/>
+                </a:solidFill>
                 <a:latin typeface="Arial"/>
                 <a:cs typeface="Arial"/>
               </a:rPr>
               <a:t>1</a:t>
             </a:r>
             <a:endParaRPr sz="1400">
+              <a:solidFill>
+                <a:srgbClr val="000000"/>
+              </a:solidFill>
               <a:latin typeface="Arial"/>
               <a:cs typeface="Arial"/>
             </a:endParaRPr>
@@ -1433,7 +1495,7 @@
       </p:sp>
       <p:sp>
         <p:nvSpPr>
-          <p:cNvPr id="6" name="object 6" descr=""/>
+          <p:cNvPr id="16" name="object 6"/>
           <p:cNvSpPr txBox="1"/>
           <p:nvPr/>
         </p:nvSpPr>
@@ -1447,43 +1509,57 @@
           </a:prstGeom>
           <a:ln w="12191">
             <a:solidFill>
-              <a:srgbClr val="000000"/>
+              <a:srgbClr val="000000">
+                <a:alpha val="100000"/>
+              </a:srgbClr>
             </a:solidFill>
           </a:ln>
         </p:spPr>
         <p:txBody>
-          <a:bodyPr wrap="square" lIns="0" tIns="0" rIns="0" bIns="0" rtlCol="0" vert="horz">
+          <a:bodyPr vert="horz" wrap="square" lIns="0" tIns="0" rIns="0" bIns="0">
             <a:spAutoFit/>
           </a:bodyPr>
-          <a:lstStyle/>
           <a:p>
             <a:pPr marL="31750">
               <a:lnSpc>
                 <a:spcPts val="1635"/>
               </a:lnSpc>
+              <a:defRPr/>
             </a:pPr>
             <a:r>
-              <a:rPr dirty="0" sz="1400">
+              <a:rPr sz="1400">
+                <a:solidFill>
+                  <a:srgbClr val="000000"/>
+                </a:solidFill>
                 <a:latin typeface="Arial"/>
                 <a:cs typeface="Arial"/>
               </a:rPr>
               <a:t>Activity</a:t>
             </a:r>
             <a:r>
-              <a:rPr dirty="0" sz="1400" spc="-25">
+              <a:rPr sz="1400" spc="-25">
+                <a:solidFill>
+                  <a:srgbClr val="000000"/>
+                </a:solidFill>
                 <a:latin typeface="Arial"/>
                 <a:cs typeface="Arial"/>
               </a:rPr>
               <a:t> </a:t>
             </a:r>
             <a:r>
-              <a:rPr dirty="0" sz="1400" spc="-50">
+              <a:rPr sz="1400" spc="-50">
+                <a:solidFill>
+                  <a:srgbClr val="000000"/>
+                </a:solidFill>
                 <a:latin typeface="Arial"/>
                 <a:cs typeface="Arial"/>
               </a:rPr>
               <a:t>2</a:t>
             </a:r>
             <a:endParaRPr sz="1400">
+              <a:solidFill>
+                <a:srgbClr val="000000"/>
+              </a:solidFill>
               <a:latin typeface="Arial"/>
               <a:cs typeface="Arial"/>
             </a:endParaRPr>
@@ -1492,7 +1568,7 @@
       </p:sp>
       <p:sp>
         <p:nvSpPr>
-          <p:cNvPr id="7" name="object 7" descr=""/>
+          <p:cNvPr id="17" name="object 7"/>
           <p:cNvSpPr txBox="1"/>
           <p:nvPr/>
         </p:nvSpPr>
@@ -1506,43 +1582,57 @@
           </a:prstGeom>
           <a:ln w="12192">
             <a:solidFill>
-              <a:srgbClr val="000000"/>
+              <a:srgbClr val="000000">
+                <a:alpha val="100000"/>
+              </a:srgbClr>
             </a:solidFill>
           </a:ln>
         </p:spPr>
         <p:txBody>
-          <a:bodyPr wrap="square" lIns="0" tIns="0" rIns="0" bIns="0" rtlCol="0" vert="horz">
+          <a:bodyPr vert="horz" wrap="square" lIns="0" tIns="0" rIns="0" bIns="0">
             <a:spAutoFit/>
           </a:bodyPr>
-          <a:lstStyle/>
           <a:p>
             <a:pPr marL="31750">
               <a:lnSpc>
                 <a:spcPts val="1635"/>
               </a:lnSpc>
+              <a:defRPr/>
             </a:pPr>
             <a:r>
-              <a:rPr dirty="0" sz="1400">
+              <a:rPr sz="1400">
+                <a:solidFill>
+                  <a:srgbClr val="000000"/>
+                </a:solidFill>
                 <a:latin typeface="Arial"/>
                 <a:cs typeface="Arial"/>
               </a:rPr>
               <a:t>Activity</a:t>
             </a:r>
             <a:r>
-              <a:rPr dirty="0" sz="1400" spc="-25">
+              <a:rPr sz="1400" spc="-25">
+                <a:solidFill>
+                  <a:srgbClr val="000000"/>
+                </a:solidFill>
                 <a:latin typeface="Arial"/>
                 <a:cs typeface="Arial"/>
               </a:rPr>
               <a:t> </a:t>
             </a:r>
             <a:r>
-              <a:rPr dirty="0" sz="1400" spc="-50">
+              <a:rPr sz="1400" spc="-50">
+                <a:solidFill>
+                  <a:srgbClr val="000000"/>
+                </a:solidFill>
                 <a:latin typeface="Arial"/>
                 <a:cs typeface="Arial"/>
               </a:rPr>
               <a:t>3</a:t>
             </a:r>
             <a:endParaRPr sz="1400">
+              <a:solidFill>
+                <a:srgbClr val="000000"/>
+              </a:solidFill>
               <a:latin typeface="Arial"/>
               <a:cs typeface="Arial"/>
             </a:endParaRPr>
@@ -1551,7 +1641,7 @@
       </p:sp>
       <p:sp>
         <p:nvSpPr>
-          <p:cNvPr id="8" name="object 8" descr=""/>
+          <p:cNvPr id="18" name="object 8"/>
           <p:cNvSpPr txBox="1"/>
           <p:nvPr/>
         </p:nvSpPr>
@@ -1565,43 +1655,57 @@
           </a:prstGeom>
           <a:ln w="12192">
             <a:solidFill>
-              <a:srgbClr val="000000"/>
+              <a:srgbClr val="000000">
+                <a:alpha val="100000"/>
+              </a:srgbClr>
             </a:solidFill>
           </a:ln>
         </p:spPr>
         <p:txBody>
-          <a:bodyPr wrap="square" lIns="0" tIns="0" rIns="0" bIns="0" rtlCol="0" vert="horz">
+          <a:bodyPr vert="horz" wrap="square" lIns="0" tIns="0" rIns="0" bIns="0">
             <a:spAutoFit/>
           </a:bodyPr>
-          <a:lstStyle/>
           <a:p>
             <a:pPr marL="31750">
               <a:lnSpc>
                 <a:spcPts val="1635"/>
               </a:lnSpc>
+              <a:defRPr/>
             </a:pPr>
             <a:r>
-              <a:rPr dirty="0" sz="1400">
+              <a:rPr sz="1400">
+                <a:solidFill>
+                  <a:srgbClr val="000000"/>
+                </a:solidFill>
                 <a:latin typeface="Arial"/>
                 <a:cs typeface="Arial"/>
               </a:rPr>
               <a:t>Activity</a:t>
             </a:r>
             <a:r>
-              <a:rPr dirty="0" sz="1400" spc="-25">
+              <a:rPr sz="1400" spc="-25">
+                <a:solidFill>
+                  <a:srgbClr val="000000"/>
+                </a:solidFill>
                 <a:latin typeface="Arial"/>
                 <a:cs typeface="Arial"/>
               </a:rPr>
               <a:t> </a:t>
             </a:r>
             <a:r>
-              <a:rPr dirty="0" sz="1400" spc="-50">
+              <a:rPr sz="1400" spc="-50">
+                <a:solidFill>
+                  <a:srgbClr val="000000"/>
+                </a:solidFill>
                 <a:latin typeface="Arial"/>
                 <a:cs typeface="Arial"/>
               </a:rPr>
               <a:t>4</a:t>
             </a:r>
             <a:endParaRPr sz="1400">
+              <a:solidFill>
+                <a:srgbClr val="000000"/>
+              </a:solidFill>
               <a:latin typeface="Arial"/>
               <a:cs typeface="Arial"/>
             </a:endParaRPr>
@@ -1610,7 +1714,7 @@
       </p:sp>
       <p:sp>
         <p:nvSpPr>
-          <p:cNvPr id="9" name="object 9" descr=""/>
+          <p:cNvPr id="19" name="object 9"/>
           <p:cNvSpPr txBox="1"/>
           <p:nvPr/>
         </p:nvSpPr>
@@ -1624,43 +1728,57 @@
           </a:prstGeom>
           <a:ln w="12192">
             <a:solidFill>
-              <a:srgbClr val="000000"/>
+              <a:srgbClr val="000000">
+                <a:alpha val="100000"/>
+              </a:srgbClr>
             </a:solidFill>
           </a:ln>
         </p:spPr>
         <p:txBody>
-          <a:bodyPr wrap="square" lIns="0" tIns="0" rIns="0" bIns="0" rtlCol="0" vert="horz">
+          <a:bodyPr vert="horz" wrap="square" lIns="0" tIns="0" rIns="0" bIns="0">
             <a:spAutoFit/>
           </a:bodyPr>
-          <a:lstStyle/>
           <a:p>
             <a:pPr marL="31750">
               <a:lnSpc>
                 <a:spcPts val="1635"/>
               </a:lnSpc>
+              <a:defRPr/>
             </a:pPr>
             <a:r>
-              <a:rPr dirty="0" sz="1400">
+              <a:rPr sz="1400">
+                <a:solidFill>
+                  <a:srgbClr val="000000"/>
+                </a:solidFill>
                 <a:latin typeface="Arial"/>
                 <a:cs typeface="Arial"/>
               </a:rPr>
               <a:t>Activity</a:t>
             </a:r>
             <a:r>
-              <a:rPr dirty="0" sz="1400" spc="-25">
+              <a:rPr sz="1400" spc="-25">
+                <a:solidFill>
+                  <a:srgbClr val="000000"/>
+                </a:solidFill>
                 <a:latin typeface="Arial"/>
                 <a:cs typeface="Arial"/>
               </a:rPr>
               <a:t> </a:t>
             </a:r>
             <a:r>
-              <a:rPr dirty="0" sz="1400" spc="-50">
+              <a:rPr sz="1400" spc="-50">
+                <a:solidFill>
+                  <a:srgbClr val="000000"/>
+                </a:solidFill>
                 <a:latin typeface="Arial"/>
                 <a:cs typeface="Arial"/>
               </a:rPr>
               <a:t>n</a:t>
             </a:r>
             <a:endParaRPr sz="1400">
+              <a:solidFill>
+                <a:srgbClr val="000000"/>
+              </a:solidFill>
               <a:latin typeface="Arial"/>
               <a:cs typeface="Arial"/>
             </a:endParaRPr>
@@ -1669,7 +1787,7 @@
       </p:sp>
       <p:sp>
         <p:nvSpPr>
-          <p:cNvPr id="10" name="object 10" descr=""/>
+          <p:cNvPr id="20" name="object 10"/>
           <p:cNvSpPr txBox="1"/>
           <p:nvPr/>
         </p:nvSpPr>
@@ -1683,10 +1801,9 @@
           </a:prstGeom>
         </p:spPr>
         <p:txBody>
-          <a:bodyPr wrap="square" lIns="0" tIns="12700" rIns="0" bIns="0" rtlCol="0" vert="horz">
+          <a:bodyPr vert="horz" wrap="square" lIns="0" tIns="12700" rIns="0" bIns="0">
             <a:spAutoFit/>
           </a:bodyPr>
-          <a:lstStyle/>
           <a:p>
             <a:pPr>
               <a:lnSpc>
@@ -1695,15 +1812,22 @@
               <a:spcBef>
                 <a:spcPts val="100"/>
               </a:spcBef>
+              <a:defRPr/>
             </a:pPr>
             <a:r>
-              <a:rPr dirty="0" sz="1400" spc="-10">
+              <a:rPr sz="1400" spc="-10">
+                <a:solidFill>
+                  <a:srgbClr val="000000"/>
+                </a:solidFill>
                 <a:latin typeface="Arial"/>
                 <a:cs typeface="Arial"/>
               </a:rPr>
               <a:t>OBJECTIVES:</a:t>
             </a:r>
             <a:endParaRPr sz="1400">
+              <a:solidFill>
+                <a:srgbClr val="000000"/>
+              </a:solidFill>
               <a:latin typeface="Arial"/>
               <a:cs typeface="Arial"/>
             </a:endParaRPr>
@@ -1712,7 +1836,7 @@
       </p:sp>
       <p:sp>
         <p:nvSpPr>
-          <p:cNvPr id="11" name="object 11" descr=""/>
+          <p:cNvPr id="21" name="object 11"/>
           <p:cNvSpPr/>
           <p:nvPr/>
         </p:nvSpPr>
@@ -1724,8 +1848,6 @@
           <a:custGeom>
             <a:avLst/>
             <a:gdLst/>
-            <a:ahLst/>
-            <a:cxnLst/>
             <a:rect l="l" t="t" r="r" b="b"/>
             <a:pathLst>
               <a:path w="13832205" h="4274820">
@@ -1809,13 +1931,305 @@
             </a:pathLst>
           </a:custGeom>
           <a:solidFill>
-            <a:srgbClr val="000000"/>
+            <a:srgbClr val="000000">
+              <a:alpha val="100000"/>
+            </a:srgbClr>
           </a:solidFill>
         </p:spPr>
         <p:txBody>
-          <a:bodyPr wrap="square" lIns="0" tIns="0" rIns="0" bIns="0" rtlCol="0"/>
-          <a:lstStyle/>
-          <a:p/>
+          <a:bodyPr wrap="square" lIns="0" tIns="0" rIns="0" bIns="0"/>
+          <a:p>
+            <a:pPr lvl="0">
+              <a:defRPr/>
+            </a:pPr>
+            <a:endParaRPr>
+              <a:solidFill>
+                <a:srgbClr val="000000"/>
+              </a:solidFill>
+            </a:endParaRPr>
+          </a:p>
+        </p:txBody>
+      </p:sp>
+      <p:sp>
+        <p:nvSpPr>
+          <p:cNvPr id="22" name="TextBox 11"/>
+          <p:cNvSpPr txBox="1"/>
+          <p:nvPr/>
+        </p:nvSpPr>
+        <p:spPr>
+          <a:xfrm>
+            <a:off x="654775" y="1405765"/>
+            <a:ext cx="13780339" cy="369332"/>
+          </a:xfrm>
+          <a:prstGeom prst="rect">
+            <a:avLst/>
+          </a:prstGeom>
+          <a:noFill/>
+        </p:spPr>
+        <p:txBody>
+          <a:bodyPr wrap="square">
+            <a:spAutoFit/>
+          </a:bodyPr>
+          <a:p>
+            <a:pPr lvl="0">
+              <a:defRPr/>
+            </a:pPr>
+            <a:r>
+              <a:rPr lang="ko-KR" altLang="en-US">
+                <a:solidFill>
+                  <a:srgbClr val="000000"/>
+                </a:solidFill>
+                <a:latin typeface="Calibri"/>
+                <a:ea typeface="맑은 고딕"/>
+              </a:rPr>
+              <a:t>쓰레기 불법 투기를 단속하고자 하는 </a:t>
+            </a:r>
+            <a:r>
+              <a:rPr lang="en-US" altLang="ko-KR">
+                <a:solidFill>
+                  <a:srgbClr val="000000"/>
+                </a:solidFill>
+                <a:latin typeface="맑은 고딕"/>
+                <a:ea typeface="맑은 고딕"/>
+              </a:rPr>
+              <a:t>CCTV </a:t>
+            </a:r>
+            <a:r>
+              <a:rPr lang="ko-KR" altLang="en-US">
+                <a:solidFill>
+                  <a:srgbClr val="000000"/>
+                </a:solidFill>
+                <a:latin typeface="Calibri"/>
+                <a:ea typeface="맑은 고딕"/>
+              </a:rPr>
+              <a:t>관제센터 등의 지방 자치 단체</a:t>
+            </a:r>
+            <a:endParaRPr lang="ko-KR" altLang="en-US">
+              <a:solidFill>
+                <a:srgbClr val="000000"/>
+              </a:solidFill>
+              <a:latin typeface="Calibri"/>
+              <a:ea typeface="맑은 고딕"/>
+            </a:endParaRPr>
+          </a:p>
+        </p:txBody>
+      </p:sp>
+      <p:sp>
+        <p:nvSpPr>
+          <p:cNvPr id="23" name="TextBox 12"/>
+          <p:cNvSpPr txBox="1"/>
+          <p:nvPr/>
+        </p:nvSpPr>
+        <p:spPr>
+          <a:xfrm>
+            <a:off x="622300" y="3544390"/>
+            <a:ext cx="13780339" cy="646331"/>
+          </a:xfrm>
+          <a:prstGeom prst="rect">
+            <a:avLst/>
+          </a:prstGeom>
+          <a:noFill/>
+        </p:spPr>
+        <p:txBody>
+          <a:bodyPr wrap="square">
+            <a:spAutoFit/>
+          </a:bodyPr>
+          <a:p>
+            <a:pPr lvl="0">
+              <a:defRPr/>
+            </a:pPr>
+            <a:r>
+              <a:rPr lang="ko-KR" altLang="en-US">
+                <a:solidFill>
+                  <a:srgbClr val="000000"/>
+                </a:solidFill>
+                <a:latin typeface="Calibri"/>
+                <a:ea typeface="맑은 고딕"/>
+              </a:rPr>
+              <a:t>쓰레기를 불법으로 투기하는 행위자들을 단속하고 과태료를 부과하기 위하여 불법 투기 단속 시스템을 구매한다</a:t>
+            </a:r>
+            <a:r>
+              <a:rPr lang="en-US" altLang="ko-KR">
+                <a:solidFill>
+                  <a:srgbClr val="000000"/>
+                </a:solidFill>
+                <a:latin typeface="맑은 고딕"/>
+                <a:ea typeface="맑은 고딕"/>
+              </a:rPr>
+              <a:t>.</a:t>
+            </a:r>
+            <a:endParaRPr lang="en-US" altLang="ko-KR">
+              <a:solidFill>
+                <a:srgbClr val="000000"/>
+              </a:solidFill>
+              <a:latin typeface="맑은 고딕"/>
+              <a:ea typeface="맑은 고딕"/>
+            </a:endParaRPr>
+          </a:p>
+          <a:p>
+            <a:pPr lvl="0">
+              <a:defRPr/>
+            </a:pPr>
+            <a:r>
+              <a:rPr lang="ko-KR" altLang="en-US">
+                <a:solidFill>
+                  <a:srgbClr val="000000"/>
+                </a:solidFill>
+                <a:latin typeface="Calibri"/>
+                <a:ea typeface="맑은 고딕"/>
+              </a:rPr>
+              <a:t>쓰레기 불법 투기자들을 더 쉽고 빠르게 단속하기 위하여 불법 투기 단속 시스템을 구매한다</a:t>
+            </a:r>
+            <a:r>
+              <a:rPr lang="en-US" altLang="ko-KR">
+                <a:solidFill>
+                  <a:srgbClr val="000000"/>
+                </a:solidFill>
+                <a:latin typeface="맑은 고딕"/>
+                <a:ea typeface="맑은 고딕"/>
+              </a:rPr>
+              <a:t>.</a:t>
+            </a:r>
+            <a:endParaRPr lang="en-US" altLang="ko-KR">
+              <a:solidFill>
+                <a:srgbClr val="000000"/>
+              </a:solidFill>
+              <a:latin typeface="맑은 고딕"/>
+              <a:ea typeface="맑은 고딕"/>
+            </a:endParaRPr>
+          </a:p>
+        </p:txBody>
+      </p:sp>
+      <p:sp>
+        <p:nvSpPr>
+          <p:cNvPr id="24" name="TextBox 13"/>
+          <p:cNvSpPr txBox="1"/>
+          <p:nvPr/>
+        </p:nvSpPr>
+        <p:spPr>
+          <a:xfrm>
+            <a:off x="646811" y="6244746"/>
+            <a:ext cx="1973935" cy="1200329"/>
+          </a:xfrm>
+          <a:prstGeom prst="rect">
+            <a:avLst/>
+          </a:prstGeom>
+          <a:noFill/>
+        </p:spPr>
+        <p:txBody>
+          <a:bodyPr wrap="square">
+            <a:spAutoFit/>
+          </a:bodyPr>
+          <a:p>
+            <a:pPr lvl="0">
+              <a:defRPr/>
+            </a:pPr>
+            <a:r>
+              <a:rPr lang="ko-KR" altLang="en-US">
+                <a:solidFill>
+                  <a:srgbClr val="000000"/>
+                </a:solidFill>
+                <a:latin typeface="Calibri"/>
+                <a:ea typeface="맑은 고딕"/>
+              </a:rPr>
+              <a:t>쓰레기 불법 투기하는 행위자가 있는지 감시</a:t>
+            </a:r>
+            <a:endParaRPr lang="en-US" altLang="ko-KR">
+              <a:solidFill>
+                <a:srgbClr val="000000"/>
+              </a:solidFill>
+              <a:latin typeface="맑은 고딕"/>
+              <a:ea typeface="맑은 고딕"/>
+            </a:endParaRPr>
+          </a:p>
+        </p:txBody>
+      </p:sp>
+      <p:sp>
+        <p:nvSpPr>
+          <p:cNvPr id="25" name="TextBox 14"/>
+          <p:cNvSpPr txBox="1"/>
+          <p:nvPr/>
+        </p:nvSpPr>
+        <p:spPr>
+          <a:xfrm>
+            <a:off x="3608171" y="6194523"/>
+            <a:ext cx="1973935" cy="646331"/>
+          </a:xfrm>
+          <a:prstGeom prst="rect">
+            <a:avLst/>
+          </a:prstGeom>
+          <a:noFill/>
+        </p:spPr>
+        <p:txBody>
+          <a:bodyPr wrap="square">
+            <a:spAutoFit/>
+          </a:bodyPr>
+          <a:p>
+            <a:pPr lvl="0">
+              <a:defRPr/>
+            </a:pPr>
+            <a:r>
+              <a:rPr lang="ko-KR" altLang="en-US">
+                <a:solidFill>
+                  <a:srgbClr val="000000"/>
+                </a:solidFill>
+                <a:latin typeface="Calibri"/>
+                <a:ea typeface="맑은 고딕"/>
+              </a:rPr>
+              <a:t>쓰레기 불법 투기자 단속</a:t>
+            </a:r>
+            <a:endParaRPr lang="en-US" altLang="ko-KR">
+              <a:solidFill>
+                <a:srgbClr val="000000"/>
+              </a:solidFill>
+              <a:latin typeface="맑은 고딕"/>
+              <a:ea typeface="맑은 고딕"/>
+            </a:endParaRPr>
+          </a:p>
+        </p:txBody>
+      </p:sp>
+      <p:sp>
+        <p:nvSpPr>
+          <p:cNvPr id="26" name="TextBox 15"/>
+          <p:cNvSpPr txBox="1"/>
+          <p:nvPr/>
+        </p:nvSpPr>
+        <p:spPr>
+          <a:xfrm>
+            <a:off x="6564986" y="6281940"/>
+            <a:ext cx="1974849" cy="923330"/>
+          </a:xfrm>
+          <a:prstGeom prst="rect">
+            <a:avLst/>
+          </a:prstGeom>
+          <a:noFill/>
+        </p:spPr>
+        <p:txBody>
+          <a:bodyPr wrap="square">
+            <a:spAutoFit/>
+          </a:bodyPr>
+          <a:p>
+            <a:pPr lvl="0">
+              <a:defRPr/>
+            </a:pPr>
+            <a:r>
+              <a:rPr lang="ko-KR" altLang="en-US">
+                <a:solidFill>
+                  <a:srgbClr val="000000"/>
+                </a:solidFill>
+                <a:latin typeface="Calibri"/>
+                <a:ea typeface="맑은 고딕"/>
+              </a:rPr>
+              <a:t>쓰레기 불법 투기자 과태료 부과</a:t>
+            </a:r>
+            <a:endParaRPr lang="en-US" altLang="ko-KR">
+              <a:solidFill>
+                <a:srgbClr val="000000"/>
+              </a:solidFill>
+              <a:latin typeface="맑은 고딕"/>
+              <a:ea typeface="맑은 고딕"/>
+            </a:endParaRPr>
+          </a:p>
         </p:txBody>
       </p:sp>
     </p:spTree>
@@ -1823,11 +2237,19 @@
   <p:clrMapOvr>
     <a:masterClrMapping/>
   </p:clrMapOvr>
+  <mc:AlternateContent xmlns:mc="http://schemas.openxmlformats.org/markup-compatibility/2006">
+    <mc:Choice xmlns:p14="http://schemas.microsoft.com/office/powerpoint/2010/main" Requires="p14">
+      <p:transition xmlns:mc="http://schemas.openxmlformats.org/markup-compatibility/2006" xmlns:p14="http://schemas.microsoft.com/office/powerpoint/2010/main" mc:Ignorable="p14" p14:dur="500"/>
+    </mc:Choice>
+    <mc:Fallback>
+      <p:transition/>
+    </mc:Fallback>
+  </mc:AlternateContent>
 </p:sld>
 </file>
 
 <file path=ppt/slides/slide2.xml><?xml version="1.0" encoding="utf-8"?>
-<p:sld xmlns:a="http://schemas.openxmlformats.org/drawingml/2006/main" xmlns:r="http://schemas.openxmlformats.org/officeDocument/2006/relationships" xmlns:p="http://schemas.openxmlformats.org/presentationml/2006/main" showMasterSp="0">
+<p:sld xmlns:r="http://schemas.openxmlformats.org/officeDocument/2006/relationships" xmlns:c="http://schemas.openxmlformats.org/drawingml/2006/chart" xmlns:a="http://schemas.openxmlformats.org/drawingml/2006/main" xmlns:dgm="http://schemas.openxmlformats.org/drawingml/2006/diagram" xmlns:dsp="http://schemas.microsoft.com/office/drawing/2008/diagram" xmlns:p="http://schemas.openxmlformats.org/presentationml/2006/main" showMasterSp="0">
   <p:cSld>
     <p:spTree>
       <p:nvGrpSpPr>
@@ -1845,15 +2267,15 @@
       </p:grpSpPr>
       <p:graphicFrame>
         <p:nvGraphicFramePr>
-          <p:cNvPr id="2" name="object 2" descr=""/>
+          <p:cNvPr id="57" name="object 14"/>
           <p:cNvGraphicFramePr>
             <a:graphicFrameLocks noGrp="1"/>
           </p:cNvGraphicFramePr>
           <p:nvPr/>
         </p:nvGraphicFramePr>
         <p:xfrm>
-          <a:off x="641108" y="2890634"/>
-          <a:ext cx="2973705" cy="887094"/>
+          <a:off x="643375" y="7412979"/>
+          <a:ext cx="2962275" cy="887094"/>
         </p:xfrm>
         <a:graphic>
           <a:graphicData uri="http://schemas.openxmlformats.org/drawingml/2006/table">
@@ -1869,8 +2291,7 @@
               <a:tr h="887094">
                 <a:tc>
                   <a:txBody>
-                    <a:bodyPr/>
-                    <a:lstStyle/>
+                    <a:bodyPr vert="horz" lIns="0" tIns="19685" rIns="0" bIns="0" anchor="t" anchorCtr="0"/>
                     <a:p>
                       <a:pPr marL="29845">
                         <a:lnSpc>
@@ -1879,228 +2300,205 @@
                         <a:spcBef>
                           <a:spcPts val="155"/>
                         </a:spcBef>
+                        <a:buNone/>
+                        <a:defRPr/>
                       </a:pPr>
                       <a:r>
-                        <a:rPr dirty="0" sz="1400">
+                        <a:rPr xmlns:mc="http://schemas.openxmlformats.org/markup-compatibility/2006" xmlns:hp="http://schemas.haansoft.com/office/presentation/8.0" kumimoji="0" sz="1400" b="0" i="0" u="none" strike="noStrike" kern="0" cap="none" normalizeH="0" baseline="0" mc:Ignorable="hp" hp:hslEmbossed="0">
                           <a:solidFill>
-                            <a:srgbClr val="3F3F75"/>
+                            <a:srgbClr val="9c5700"/>
                           </a:solidFill>
-                          <a:latin typeface="Malgun Gothic"/>
-                          <a:cs typeface="Malgun Gothic"/>
+                          <a:latin typeface="맑은 고딕"/>
+                          <a:cs typeface="맑은 고딕"/>
                         </a:rPr>
-                        <a:t>TASK</a:t>
+                        <a:t>Release</a:t>
                       </a:r>
                       <a:r>
-                        <a:rPr dirty="0" sz="1400" spc="-15">
+                        <a:rPr xmlns:mc="http://schemas.openxmlformats.org/markup-compatibility/2006" xmlns:hp="http://schemas.haansoft.com/office/presentation/8.0" kumimoji="0" sz="1400" b="0" i="0" u="none" strike="noStrike" kern="0" cap="none" spc="-5" normalizeH="0" baseline="0" mc:Ignorable="hp" hp:hslEmbossed="0">
                           <a:solidFill>
-                            <a:srgbClr val="3F3F75"/>
+                            <a:srgbClr val="9c5700"/>
                           </a:solidFill>
-                          <a:latin typeface="Malgun Gothic"/>
-                          <a:cs typeface="Malgun Gothic"/>
+                          <a:latin typeface="맑은 고딕"/>
+                          <a:cs typeface="맑은 고딕"/>
                         </a:rPr>
                         <a:t> </a:t>
                       </a:r>
                       <a:r>
-                        <a:rPr dirty="0" sz="1400" spc="-50">
+                        <a:rPr xmlns:mc="http://schemas.openxmlformats.org/markup-compatibility/2006" xmlns:hp="http://schemas.haansoft.com/office/presentation/8.0" kumimoji="0" lang="en-US" sz="1400" b="0" i="0" u="none" strike="noStrike" kern="0" cap="none" spc="-50" normalizeH="0" baseline="0" mc:Ignorable="hp" hp:hslEmbossed="0">
                           <a:solidFill>
-                            <a:srgbClr val="3F3F75"/>
+                            <a:srgbClr val="9c5700"/>
                           </a:solidFill>
-                          <a:latin typeface="Malgun Gothic"/>
-                          <a:cs typeface="Malgun Gothic"/>
+                          <a:latin typeface="맑은 고딕"/>
+                          <a:cs typeface="맑은 고딕"/>
                         </a:rPr>
-                        <a:t>1</a:t>
+                        <a:t>3</a:t>
                       </a:r>
-                      <a:endParaRPr sz="1400">
-                        <a:latin typeface="Malgun Gothic"/>
-                        <a:cs typeface="Malgun Gothic"/>
+                      <a:endParaRPr xmlns:mc="http://schemas.openxmlformats.org/markup-compatibility/2006" xmlns:hp="http://schemas.haansoft.com/office/presentation/8.0" kumimoji="0" sz="1400" b="0" i="0" u="none" strike="noStrike" kern="0" cap="none" normalizeH="0" baseline="0" mc:Ignorable="hp" hp:hslEmbossed="0">
+                        <a:solidFill>
+                          <a:srgbClr val="000000"/>
+                        </a:solidFill>
+                        <a:latin typeface="맑은 고딕"/>
+                        <a:cs typeface="맑은 고딕"/>
                       </a:endParaRPr>
                     </a:p>
                   </a:txBody>
-                  <a:tcPr marL="0" marR="0" marB="0" marT="19685">
+                  <a:tcPr marL="0" marR="0" marT="19685" marB="0">
                     <a:lnL w="12700">
                       <a:solidFill>
-                        <a:srgbClr val="7E7E7E"/>
+                        <a:srgbClr val="000000">
+                          <a:alpha val="100000"/>
+                        </a:srgbClr>
                       </a:solidFill>
                       <a:prstDash val="solid"/>
                     </a:lnL>
                     <a:lnR w="12700">
                       <a:solidFill>
-                        <a:srgbClr val="7E7E7E"/>
+                        <a:srgbClr val="000000">
+                          <a:alpha val="100000"/>
+                        </a:srgbClr>
                       </a:solidFill>
                       <a:prstDash val="solid"/>
                     </a:lnR>
                     <a:lnT w="12700">
                       <a:solidFill>
-                        <a:srgbClr val="7E7E7E"/>
+                        <a:srgbClr val="000000">
+                          <a:alpha val="100000"/>
+                        </a:srgbClr>
                       </a:solidFill>
                       <a:prstDash val="solid"/>
                     </a:lnT>
                     <a:lnB w="12700">
                       <a:solidFill>
-                        <a:srgbClr val="7E7E7E"/>
+                        <a:srgbClr val="000000">
+                          <a:alpha val="100000"/>
+                        </a:srgbClr>
                       </a:solidFill>
                       <a:prstDash val="solid"/>
                     </a:lnB>
                     <a:solidFill>
-                      <a:srgbClr val="FFCC99"/>
+                      <a:srgbClr val="ffeb9c">
+                        <a:alpha val="100000"/>
+                      </a:srgbClr>
                     </a:solidFill>
                   </a:tcPr>
                 </a:tc>
                 <a:tc>
                   <a:txBody>
-                    <a:bodyPr/>
-                    <a:lstStyle/>
+                    <a:bodyPr vert="horz" lIns="0" tIns="0" rIns="0" bIns="0" anchor="t" anchorCtr="0"/>
                     <a:p>
-                      <a:pPr marL="29845">
+                      <a:pPr marL="0">
                         <a:lnSpc>
                           <a:spcPct val="100000"/>
                         </a:lnSpc>
-                        <a:spcBef>
-                          <a:spcPts val="155"/>
-                        </a:spcBef>
+                        <a:buNone/>
+                        <a:defRPr/>
                       </a:pPr>
-                      <a:r>
-                        <a:rPr dirty="0" sz="1400">
-                          <a:solidFill>
-                            <a:srgbClr val="3F3F75"/>
-                          </a:solidFill>
-                          <a:latin typeface="Malgun Gothic"/>
-                          <a:cs typeface="Malgun Gothic"/>
-                        </a:rPr>
-                        <a:t>TASK</a:t>
-                      </a:r>
-                      <a:r>
-                        <a:rPr dirty="0" sz="1400" spc="-15">
-                          <a:solidFill>
-                            <a:srgbClr val="3F3F75"/>
-                          </a:solidFill>
-                          <a:latin typeface="Malgun Gothic"/>
-                          <a:cs typeface="Malgun Gothic"/>
-                        </a:rPr>
-                        <a:t> </a:t>
-                      </a:r>
-                      <a:r>
-                        <a:rPr dirty="0" sz="1400" spc="-50">
-                          <a:solidFill>
-                            <a:srgbClr val="3F3F75"/>
-                          </a:solidFill>
-                          <a:latin typeface="Malgun Gothic"/>
-                          <a:cs typeface="Malgun Gothic"/>
-                        </a:rPr>
-                        <a:t>2</a:t>
-                      </a:r>
-                      <a:endParaRPr sz="1400">
-                        <a:latin typeface="Malgun Gothic"/>
-                        <a:cs typeface="Malgun Gothic"/>
+                      <a:endParaRPr xmlns:mc="http://schemas.openxmlformats.org/markup-compatibility/2006" xmlns:hp="http://schemas.haansoft.com/office/presentation/8.0" kumimoji="0" sz="1400" b="0" i="0" u="none" strike="noStrike" kern="0" cap="none" normalizeH="0" baseline="0" mc:Ignorable="hp" hp:hslEmbossed="0">
+                        <a:solidFill>
+                          <a:srgbClr val="000000"/>
+                        </a:solidFill>
+                        <a:latin typeface="Times New Roman"/>
+                        <a:cs typeface="Times New Roman"/>
                       </a:endParaRPr>
                     </a:p>
                   </a:txBody>
-                  <a:tcPr marL="0" marR="0" marB="0" marT="19685">
+                  <a:tcPr marL="0" marR="0" marT="0" marB="0">
                     <a:lnL w="12700">
                       <a:solidFill>
-                        <a:srgbClr val="7E7E7E"/>
+                        <a:srgbClr val="000000">
+                          <a:alpha val="100000"/>
+                        </a:srgbClr>
                       </a:solidFill>
                       <a:prstDash val="solid"/>
                     </a:lnL>
                     <a:lnR w="12700">
                       <a:solidFill>
-                        <a:srgbClr val="7E7E7E"/>
+                        <a:srgbClr val="000000">
+                          <a:alpha val="100000"/>
+                        </a:srgbClr>
                       </a:solidFill>
                       <a:prstDash val="solid"/>
                     </a:lnR>
                     <a:lnT w="12700">
                       <a:solidFill>
-                        <a:srgbClr val="7E7E7E"/>
+                        <a:srgbClr val="000000">
+                          <a:alpha val="100000"/>
+                        </a:srgbClr>
                       </a:solidFill>
                       <a:prstDash val="solid"/>
                     </a:lnT>
                     <a:lnB w="12700">
                       <a:solidFill>
-                        <a:srgbClr val="7E7E7E"/>
+                        <a:srgbClr val="000000">
+                          <a:alpha val="100000"/>
+                        </a:srgbClr>
                       </a:solidFill>
                       <a:prstDash val="solid"/>
                     </a:lnB>
                     <a:solidFill>
-                      <a:srgbClr val="FFCC99"/>
+                      <a:srgbClr val="ffeb9c">
+                        <a:alpha val="100000"/>
+                      </a:srgbClr>
                     </a:solidFill>
                   </a:tcPr>
                 </a:tc>
                 <a:tc>
                   <a:txBody>
-                    <a:bodyPr/>
-                    <a:lstStyle/>
+                    <a:bodyPr vert="horz" lIns="0" tIns="0" rIns="0" bIns="0" anchor="t" anchorCtr="0"/>
                     <a:p>
-                      <a:pPr marL="29845">
+                      <a:pPr marL="0">
                         <a:lnSpc>
                           <a:spcPct val="100000"/>
                         </a:lnSpc>
-                        <a:spcBef>
-                          <a:spcPts val="155"/>
-                        </a:spcBef>
+                        <a:buNone/>
+                        <a:defRPr/>
                       </a:pPr>
-                      <a:r>
-                        <a:rPr dirty="0" sz="1400">
-                          <a:solidFill>
-                            <a:srgbClr val="3F3F75"/>
-                          </a:solidFill>
-                          <a:latin typeface="Malgun Gothic"/>
-                          <a:cs typeface="Malgun Gothic"/>
-                        </a:rPr>
-                        <a:t>TASK</a:t>
-                      </a:r>
-                      <a:r>
-                        <a:rPr dirty="0" sz="1400" spc="-15">
-                          <a:solidFill>
-                            <a:srgbClr val="3F3F75"/>
-                          </a:solidFill>
-                          <a:latin typeface="Malgun Gothic"/>
-                          <a:cs typeface="Malgun Gothic"/>
-                        </a:rPr>
-                        <a:t> </a:t>
-                      </a:r>
-                      <a:r>
-                        <a:rPr dirty="0" sz="1400" spc="-50">
-                          <a:solidFill>
-                            <a:srgbClr val="3F3F75"/>
-                          </a:solidFill>
-                          <a:latin typeface="Malgun Gothic"/>
-                          <a:cs typeface="Malgun Gothic"/>
-                        </a:rPr>
-                        <a:t>n</a:t>
-                      </a:r>
-                      <a:endParaRPr sz="1400">
-                        <a:latin typeface="Malgun Gothic"/>
-                        <a:cs typeface="Malgun Gothic"/>
+                      <a:endParaRPr xmlns:mc="http://schemas.openxmlformats.org/markup-compatibility/2006" xmlns:hp="http://schemas.haansoft.com/office/presentation/8.0" kumimoji="0" sz="1400" b="0" i="0" u="none" strike="noStrike" kern="0" cap="none" normalizeH="0" baseline="0" mc:Ignorable="hp" hp:hslEmbossed="0">
+                        <a:solidFill>
+                          <a:srgbClr val="000000"/>
+                        </a:solidFill>
+                        <a:latin typeface="Times New Roman"/>
+                        <a:cs typeface="Times New Roman"/>
                       </a:endParaRPr>
                     </a:p>
                   </a:txBody>
-                  <a:tcPr marL="0" marR="0" marB="0" marT="19685">
+                  <a:tcPr marL="0" marR="0" marT="0" marB="0">
                     <a:lnL w="12700">
                       <a:solidFill>
-                        <a:srgbClr val="7E7E7E"/>
+                        <a:srgbClr val="000000">
+                          <a:alpha val="100000"/>
+                        </a:srgbClr>
                       </a:solidFill>
                       <a:prstDash val="solid"/>
                     </a:lnL>
                     <a:lnR w="12700">
                       <a:solidFill>
-                        <a:srgbClr val="7E7E7E"/>
+                        <a:srgbClr val="000000">
+                          <a:alpha val="100000"/>
+                        </a:srgbClr>
                       </a:solidFill>
                       <a:prstDash val="solid"/>
                     </a:lnR>
                     <a:lnT w="12700">
                       <a:solidFill>
-                        <a:srgbClr val="7E7E7E"/>
+                        <a:srgbClr val="000000">
+                          <a:alpha val="100000"/>
+                        </a:srgbClr>
                       </a:solidFill>
                       <a:prstDash val="solid"/>
                     </a:lnT>
                     <a:lnB w="12700">
                       <a:solidFill>
-                        <a:srgbClr val="7E7E7E"/>
+                        <a:srgbClr val="000000">
+                          <a:alpha val="100000"/>
+                        </a:srgbClr>
                       </a:solidFill>
                       <a:prstDash val="solid"/>
                     </a:lnB>
                     <a:solidFill>
-                      <a:srgbClr val="FFCC99"/>
+                      <a:srgbClr val="ffeb9c">
+                        <a:alpha val="100000"/>
+                      </a:srgbClr>
                     </a:solidFill>
                   </a:tcPr>
                 </a:tc>
@@ -2111,15 +2509,15 @@
       </p:graphicFrame>
       <p:graphicFrame>
         <p:nvGraphicFramePr>
-          <p:cNvPr id="3" name="object 3" descr=""/>
+          <p:cNvPr id="58" name="object 2"/>
           <p:cNvGraphicFramePr>
             <a:graphicFrameLocks noGrp="1"/>
           </p:cNvGraphicFramePr>
           <p:nvPr/>
         </p:nvGraphicFramePr>
         <p:xfrm>
-          <a:off x="4589602" y="2890634"/>
-          <a:ext cx="2973705" cy="887094"/>
+          <a:off x="641108" y="2890634"/>
+          <a:ext cx="2962275" cy="887094"/>
         </p:xfrm>
         <a:graphic>
           <a:graphicData uri="http://schemas.openxmlformats.org/drawingml/2006/table">
@@ -2135,8 +2533,7 @@
               <a:tr h="887094">
                 <a:tc>
                   <a:txBody>
-                    <a:bodyPr/>
-                    <a:lstStyle/>
+                    <a:bodyPr vert="horz" lIns="0" tIns="19685" rIns="0" bIns="0" anchor="t" anchorCtr="0"/>
                     <a:p>
                       <a:pPr marL="29845">
                         <a:lnSpc>
@@ -2145,77 +2542,91 @@
                         <a:spcBef>
                           <a:spcPts val="155"/>
                         </a:spcBef>
+                        <a:buNone/>
+                        <a:defRPr/>
                       </a:pPr>
                       <a:r>
-                        <a:rPr dirty="0" sz="1400">
+                        <a:rPr xmlns:mc="http://schemas.openxmlformats.org/markup-compatibility/2006" xmlns:hp="http://schemas.haansoft.com/office/presentation/8.0" kumimoji="0" sz="1400" b="0" i="0" u="none" strike="noStrike" kern="0" cap="none" normalizeH="0" baseline="0" mc:Ignorable="hp" hp:hslEmbossed="0">
                           <a:solidFill>
-                            <a:srgbClr val="3F3F75"/>
+                            <a:srgbClr val="3f3f75"/>
                           </a:solidFill>
-                          <a:latin typeface="Malgun Gothic"/>
-                          <a:cs typeface="Malgun Gothic"/>
+                          <a:latin typeface="맑은 고딕"/>
+                          <a:cs typeface="맑은 고딕"/>
                         </a:rPr>
                         <a:t>TASK</a:t>
                       </a:r>
                       <a:r>
-                        <a:rPr dirty="0" sz="1400" spc="-15">
+                        <a:rPr xmlns:mc="http://schemas.openxmlformats.org/markup-compatibility/2006" xmlns:hp="http://schemas.haansoft.com/office/presentation/8.0" kumimoji="0" sz="1400" b="0" i="0" u="none" strike="noStrike" kern="0" cap="none" spc="-15" normalizeH="0" baseline="0" mc:Ignorable="hp" hp:hslEmbossed="0">
                           <a:solidFill>
-                            <a:srgbClr val="3F3F75"/>
+                            <a:srgbClr val="3f3f75"/>
                           </a:solidFill>
-                          <a:latin typeface="Malgun Gothic"/>
-                          <a:cs typeface="Malgun Gothic"/>
+                          <a:latin typeface="맑은 고딕"/>
+                          <a:cs typeface="맑은 고딕"/>
                         </a:rPr>
                         <a:t> </a:t>
                       </a:r>
                       <a:r>
-                        <a:rPr dirty="0" sz="1400" spc="-50">
+                        <a:rPr xmlns:mc="http://schemas.openxmlformats.org/markup-compatibility/2006" xmlns:hp="http://schemas.haansoft.com/office/presentation/8.0" kumimoji="0" sz="1400" b="0" i="0" u="none" strike="noStrike" kern="0" cap="none" spc="-50" normalizeH="0" baseline="0" mc:Ignorable="hp" hp:hslEmbossed="0">
                           <a:solidFill>
-                            <a:srgbClr val="3F3F75"/>
+                            <a:srgbClr val="3f3f75"/>
                           </a:solidFill>
-                          <a:latin typeface="Malgun Gothic"/>
-                          <a:cs typeface="Malgun Gothic"/>
+                          <a:latin typeface="맑은 고딕"/>
+                          <a:cs typeface="맑은 고딕"/>
                         </a:rPr>
                         <a:t>1</a:t>
                       </a:r>
-                      <a:endParaRPr sz="1400">
-                        <a:latin typeface="Malgun Gothic"/>
-                        <a:cs typeface="Malgun Gothic"/>
+                      <a:endParaRPr xmlns:mc="http://schemas.openxmlformats.org/markup-compatibility/2006" xmlns:hp="http://schemas.haansoft.com/office/presentation/8.0" kumimoji="0" sz="1400" b="0" i="0" u="none" strike="noStrike" kern="0" cap="none" normalizeH="0" baseline="0" mc:Ignorable="hp" hp:hslEmbossed="0">
+                        <a:solidFill>
+                          <a:srgbClr val="000000"/>
+                        </a:solidFill>
+                        <a:latin typeface="맑은 고딕"/>
+                        <a:cs typeface="맑은 고딕"/>
                       </a:endParaRPr>
                     </a:p>
                   </a:txBody>
-                  <a:tcPr marL="0" marR="0" marB="0" marT="19685">
+                  <a:tcPr marL="0" marR="0" marT="19685" marB="0">
                     <a:lnL w="12700">
                       <a:solidFill>
-                        <a:srgbClr val="7E7E7E"/>
+                        <a:srgbClr val="7e7e7e">
+                          <a:alpha val="100000"/>
+                        </a:srgbClr>
                       </a:solidFill>
                       <a:prstDash val="solid"/>
                     </a:lnL>
                     <a:lnR w="12700">
                       <a:solidFill>
-                        <a:srgbClr val="7E7E7E"/>
+                        <a:srgbClr val="7e7e7e">
+                          <a:alpha val="100000"/>
+                        </a:srgbClr>
                       </a:solidFill>
                       <a:prstDash val="solid"/>
                     </a:lnR>
                     <a:lnT w="12700">
                       <a:solidFill>
-                        <a:srgbClr val="7E7E7E"/>
+                        <a:srgbClr val="7e7e7e">
+                          <a:alpha val="100000"/>
+                        </a:srgbClr>
                       </a:solidFill>
                       <a:prstDash val="solid"/>
                     </a:lnT>
                     <a:lnB w="12700">
                       <a:solidFill>
-                        <a:srgbClr val="7E7E7E"/>
+                        <a:srgbClr val="7e7e7e">
+                          <a:alpha val="100000"/>
+                        </a:srgbClr>
                       </a:solidFill>
                       <a:prstDash val="solid"/>
                     </a:lnB>
                     <a:solidFill>
-                      <a:srgbClr val="FFCC99"/>
+                      <a:srgbClr val="ffcc99">
+                        <a:alpha val="100000"/>
+                      </a:srgbClr>
                     </a:solidFill>
                   </a:tcPr>
                 </a:tc>
                 <a:tc>
                   <a:txBody>
-                    <a:bodyPr/>
-                    <a:lstStyle/>
+                    <a:bodyPr vert="horz" lIns="0" tIns="19685" rIns="0" bIns="0" anchor="t" anchorCtr="0"/>
                     <a:p>
                       <a:pPr marL="29845">
                         <a:lnSpc>
@@ -2224,149 +2635,178 @@
                         <a:spcBef>
                           <a:spcPts val="155"/>
                         </a:spcBef>
+                        <a:buNone/>
+                        <a:defRPr/>
                       </a:pPr>
                       <a:r>
-                        <a:rPr dirty="0" sz="1400">
+                        <a:rPr xmlns:mc="http://schemas.openxmlformats.org/markup-compatibility/2006" xmlns:hp="http://schemas.haansoft.com/office/presentation/8.0" kumimoji="0" sz="1400" b="0" i="0" u="none" strike="noStrike" kern="0" cap="none" normalizeH="0" baseline="0" mc:Ignorable="hp" hp:hslEmbossed="0">
                           <a:solidFill>
-                            <a:srgbClr val="3F3F75"/>
+                            <a:srgbClr val="3f3f75"/>
                           </a:solidFill>
-                          <a:latin typeface="Malgun Gothic"/>
-                          <a:cs typeface="Malgun Gothic"/>
+                          <a:latin typeface="맑은 고딕"/>
+                          <a:cs typeface="맑은 고딕"/>
                         </a:rPr>
                         <a:t>TASK</a:t>
                       </a:r>
                       <a:r>
-                        <a:rPr dirty="0" sz="1400" spc="-15">
+                        <a:rPr xmlns:mc="http://schemas.openxmlformats.org/markup-compatibility/2006" xmlns:hp="http://schemas.haansoft.com/office/presentation/8.0" kumimoji="0" sz="1400" b="0" i="0" u="none" strike="noStrike" kern="0" cap="none" spc="-15" normalizeH="0" baseline="0" mc:Ignorable="hp" hp:hslEmbossed="0">
                           <a:solidFill>
-                            <a:srgbClr val="3F3F75"/>
+                            <a:srgbClr val="3f3f75"/>
                           </a:solidFill>
-                          <a:latin typeface="Malgun Gothic"/>
-                          <a:cs typeface="Malgun Gothic"/>
+                          <a:latin typeface="맑은 고딕"/>
+                          <a:cs typeface="맑은 고딕"/>
                         </a:rPr>
                         <a:t> </a:t>
                       </a:r>
                       <a:r>
-                        <a:rPr dirty="0" sz="1400" spc="-50">
+                        <a:rPr xmlns:mc="http://schemas.openxmlformats.org/markup-compatibility/2006" xmlns:hp="http://schemas.haansoft.com/office/presentation/8.0" kumimoji="0" sz="1400" b="0" i="0" u="none" strike="noStrike" kern="0" cap="none" spc="-50" normalizeH="0" baseline="0" mc:Ignorable="hp" hp:hslEmbossed="0">
                           <a:solidFill>
-                            <a:srgbClr val="3F3F75"/>
+                            <a:srgbClr val="3f3f75"/>
                           </a:solidFill>
-                          <a:latin typeface="Malgun Gothic"/>
-                          <a:cs typeface="Malgun Gothic"/>
+                          <a:latin typeface="맑은 고딕"/>
+                          <a:cs typeface="맑은 고딕"/>
                         </a:rPr>
                         <a:t>2</a:t>
                       </a:r>
-                      <a:endParaRPr sz="1400">
-                        <a:latin typeface="Malgun Gothic"/>
-                        <a:cs typeface="Malgun Gothic"/>
+                      <a:endParaRPr xmlns:mc="http://schemas.openxmlformats.org/markup-compatibility/2006" xmlns:hp="http://schemas.haansoft.com/office/presentation/8.0" kumimoji="0" sz="1400" b="0" i="0" u="none" strike="noStrike" kern="0" cap="none" normalizeH="0" baseline="0" mc:Ignorable="hp" hp:hslEmbossed="0">
+                        <a:solidFill>
+                          <a:srgbClr val="000000"/>
+                        </a:solidFill>
+                        <a:latin typeface="맑은 고딕"/>
+                        <a:cs typeface="맑은 고딕"/>
                       </a:endParaRPr>
                     </a:p>
                   </a:txBody>
-                  <a:tcPr marL="0" marR="0" marB="0" marT="19685">
+                  <a:tcPr marL="0" marR="0" marT="19685" marB="0">
                     <a:lnL w="12700">
                       <a:solidFill>
-                        <a:srgbClr val="7E7E7E"/>
+                        <a:srgbClr val="7e7e7e">
+                          <a:alpha val="100000"/>
+                        </a:srgbClr>
                       </a:solidFill>
                       <a:prstDash val="solid"/>
                     </a:lnL>
                     <a:lnR w="12700">
                       <a:solidFill>
-                        <a:srgbClr val="7E7E7E"/>
+                        <a:srgbClr val="7e7e7e">
+                          <a:alpha val="100000"/>
+                        </a:srgbClr>
                       </a:solidFill>
                       <a:prstDash val="solid"/>
                     </a:lnR>
                     <a:lnT w="12700">
                       <a:solidFill>
-                        <a:srgbClr val="7E7E7E"/>
+                        <a:srgbClr val="7e7e7e">
+                          <a:alpha val="100000"/>
+                        </a:srgbClr>
                       </a:solidFill>
                       <a:prstDash val="solid"/>
                     </a:lnT>
                     <a:lnB w="12700">
                       <a:solidFill>
-                        <a:srgbClr val="7E7E7E"/>
+                        <a:srgbClr val="7e7e7e">
+                          <a:alpha val="100000"/>
+                        </a:srgbClr>
                       </a:solidFill>
                       <a:prstDash val="solid"/>
                     </a:lnB>
                     <a:solidFill>
-                      <a:srgbClr val="FFCC99"/>
+                      <a:srgbClr val="ffcc99">
+                        <a:alpha val="100000"/>
+                      </a:srgbClr>
                     </a:solidFill>
                   </a:tcPr>
                 </a:tc>
                 <a:tc>
                   <a:txBody>
-                    <a:bodyPr/>
-                    <a:lstStyle/>
+                    <a:bodyPr vert="horz" lIns="0" tIns="19685" rIns="0" bIns="0" anchor="t" anchorCtr="0"/>
                     <a:p>
-                      <a:pPr marL="30480">
+                      <a:pPr marL="29845">
                         <a:lnSpc>
                           <a:spcPct val="100000"/>
                         </a:lnSpc>
                         <a:spcBef>
                           <a:spcPts val="155"/>
                         </a:spcBef>
+                        <a:buNone/>
+                        <a:defRPr/>
                       </a:pPr>
                       <a:r>
-                        <a:rPr dirty="0" sz="1400">
+                        <a:rPr xmlns:mc="http://schemas.openxmlformats.org/markup-compatibility/2006" xmlns:hp="http://schemas.haansoft.com/office/presentation/8.0" kumimoji="0" sz="1400" b="0" i="0" u="none" strike="noStrike" kern="0" cap="none" normalizeH="0" baseline="0" mc:Ignorable="hp" hp:hslEmbossed="0">
                           <a:solidFill>
-                            <a:srgbClr val="3F3F75"/>
+                            <a:srgbClr val="3f3f75"/>
                           </a:solidFill>
-                          <a:latin typeface="Malgun Gothic"/>
-                          <a:cs typeface="Malgun Gothic"/>
+                          <a:latin typeface="맑은 고딕"/>
+                          <a:cs typeface="맑은 고딕"/>
                         </a:rPr>
                         <a:t>TASK</a:t>
                       </a:r>
                       <a:r>
-                        <a:rPr dirty="0" sz="1400" spc="-15">
+                        <a:rPr xmlns:mc="http://schemas.openxmlformats.org/markup-compatibility/2006" xmlns:hp="http://schemas.haansoft.com/office/presentation/8.0" kumimoji="0" sz="1400" b="0" i="0" u="none" strike="noStrike" kern="0" cap="none" spc="-15" normalizeH="0" baseline="0" mc:Ignorable="hp" hp:hslEmbossed="0">
                           <a:solidFill>
-                            <a:srgbClr val="3F3F75"/>
+                            <a:srgbClr val="3f3f75"/>
                           </a:solidFill>
-                          <a:latin typeface="Malgun Gothic"/>
-                          <a:cs typeface="Malgun Gothic"/>
+                          <a:latin typeface="맑은 고딕"/>
+                          <a:cs typeface="맑은 고딕"/>
                         </a:rPr>
                         <a:t> </a:t>
                       </a:r>
                       <a:r>
-                        <a:rPr dirty="0" sz="1400" spc="-50">
+                        <a:rPr xmlns:mc="http://schemas.openxmlformats.org/markup-compatibility/2006" xmlns:hp="http://schemas.haansoft.com/office/presentation/8.0" kumimoji="0" sz="1400" b="0" i="0" u="none" strike="noStrike" kern="0" cap="none" spc="-50" normalizeH="0" baseline="0" mc:Ignorable="hp" hp:hslEmbossed="0">
                           <a:solidFill>
-                            <a:srgbClr val="3F3F75"/>
+                            <a:srgbClr val="3f3f75"/>
                           </a:solidFill>
-                          <a:latin typeface="Malgun Gothic"/>
-                          <a:cs typeface="Malgun Gothic"/>
+                          <a:latin typeface="맑은 고딕"/>
+                          <a:cs typeface="맑은 고딕"/>
                         </a:rPr>
                         <a:t>n</a:t>
                       </a:r>
-                      <a:endParaRPr sz="1400">
-                        <a:latin typeface="Malgun Gothic"/>
-                        <a:cs typeface="Malgun Gothic"/>
+                      <a:endParaRPr xmlns:mc="http://schemas.openxmlformats.org/markup-compatibility/2006" xmlns:hp="http://schemas.haansoft.com/office/presentation/8.0" kumimoji="0" sz="1400" b="0" i="0" u="none" strike="noStrike" kern="0" cap="none" normalizeH="0" baseline="0" mc:Ignorable="hp" hp:hslEmbossed="0">
+                        <a:solidFill>
+                          <a:srgbClr val="000000"/>
+                        </a:solidFill>
+                        <a:latin typeface="맑은 고딕"/>
+                        <a:cs typeface="맑은 고딕"/>
                       </a:endParaRPr>
                     </a:p>
                   </a:txBody>
-                  <a:tcPr marL="0" marR="0" marB="0" marT="19685">
+                  <a:tcPr marL="0" marR="0" marT="19685" marB="0">
                     <a:lnL w="12700">
                       <a:solidFill>
-                        <a:srgbClr val="7E7E7E"/>
+                        <a:srgbClr val="7e7e7e">
+                          <a:alpha val="100000"/>
+                        </a:srgbClr>
                       </a:solidFill>
                       <a:prstDash val="solid"/>
                     </a:lnL>
                     <a:lnR w="12700">
                       <a:solidFill>
-                        <a:srgbClr val="7E7E7E"/>
+                        <a:srgbClr val="7e7e7e">
+                          <a:alpha val="100000"/>
+                        </a:srgbClr>
                       </a:solidFill>
                       <a:prstDash val="solid"/>
                     </a:lnR>
                     <a:lnT w="12700">
                       <a:solidFill>
-                        <a:srgbClr val="7E7E7E"/>
+                        <a:srgbClr val="7e7e7e">
+                          <a:alpha val="100000"/>
+                        </a:srgbClr>
                       </a:solidFill>
                       <a:prstDash val="solid"/>
                     </a:lnT>
                     <a:lnB w="12700">
                       <a:solidFill>
-                        <a:srgbClr val="7E7E7E"/>
+                        <a:srgbClr val="7e7e7e">
+                          <a:alpha val="100000"/>
+                        </a:srgbClr>
                       </a:solidFill>
                       <a:prstDash val="solid"/>
                     </a:lnB>
                     <a:solidFill>
-                      <a:srgbClr val="FFCC99"/>
+                      <a:srgbClr val="ffcc99">
+                        <a:alpha val="100000"/>
+                      </a:srgbClr>
                     </a:solidFill>
                   </a:tcPr>
                 </a:tc>
@@ -2377,15 +2817,15 @@
       </p:graphicFrame>
       <p:graphicFrame>
         <p:nvGraphicFramePr>
-          <p:cNvPr id="4" name="object 4" descr=""/>
+          <p:cNvPr id="59" name="object 3"/>
           <p:cNvGraphicFramePr>
             <a:graphicFrameLocks noGrp="1"/>
           </p:cNvGraphicFramePr>
           <p:nvPr/>
         </p:nvGraphicFramePr>
         <p:xfrm>
-          <a:off x="8538082" y="2890634"/>
-          <a:ext cx="2973705" cy="887094"/>
+          <a:off x="4589602" y="2890634"/>
+          <a:ext cx="2962275" cy="887094"/>
         </p:xfrm>
         <a:graphic>
           <a:graphicData uri="http://schemas.openxmlformats.org/drawingml/2006/table">
@@ -2401,8 +2841,193 @@
               <a:tr h="887094">
                 <a:tc>
                   <a:txBody>
-                    <a:bodyPr/>
-                    <a:lstStyle/>
+                    <a:bodyPr vert="horz" lIns="0" tIns="19685" rIns="0" bIns="0" anchor="t" anchorCtr="0"/>
+                    <a:p>
+                      <a:pPr marL="29845">
+                        <a:lnSpc>
+                          <a:spcPct val="100000"/>
+                        </a:lnSpc>
+                        <a:spcBef>
+                          <a:spcPts val="155"/>
+                        </a:spcBef>
+                        <a:buNone/>
+                        <a:defRPr/>
+                      </a:pPr>
+                      <a:r>
+                        <a:rPr xmlns:mc="http://schemas.openxmlformats.org/markup-compatibility/2006" xmlns:hp="http://schemas.haansoft.com/office/presentation/8.0" kumimoji="0" sz="1400" b="0" i="0" u="none" strike="noStrike" kern="0" cap="none" normalizeH="0" baseline="0" mc:Ignorable="hp" hp:hslEmbossed="0">
+                          <a:solidFill>
+                            <a:srgbClr val="3f3f75"/>
+                          </a:solidFill>
+                          <a:latin typeface="맑은 고딕"/>
+                          <a:cs typeface="맑은 고딕"/>
+                        </a:rPr>
+                        <a:t>TASK</a:t>
+                      </a:r>
+                      <a:r>
+                        <a:rPr xmlns:mc="http://schemas.openxmlformats.org/markup-compatibility/2006" xmlns:hp="http://schemas.haansoft.com/office/presentation/8.0" kumimoji="0" sz="1400" b="0" i="0" u="none" strike="noStrike" kern="0" cap="none" spc="-15" normalizeH="0" baseline="0" mc:Ignorable="hp" hp:hslEmbossed="0">
+                          <a:solidFill>
+                            <a:srgbClr val="3f3f75"/>
+                          </a:solidFill>
+                          <a:latin typeface="맑은 고딕"/>
+                          <a:cs typeface="맑은 고딕"/>
+                        </a:rPr>
+                        <a:t> </a:t>
+                      </a:r>
+                      <a:r>
+                        <a:rPr xmlns:mc="http://schemas.openxmlformats.org/markup-compatibility/2006" xmlns:hp="http://schemas.haansoft.com/office/presentation/8.0" kumimoji="0" sz="1400" b="0" i="0" u="none" strike="noStrike" kern="0" cap="none" spc="-50" normalizeH="0" baseline="0" mc:Ignorable="hp" hp:hslEmbossed="0">
+                          <a:solidFill>
+                            <a:srgbClr val="3f3f75"/>
+                          </a:solidFill>
+                          <a:latin typeface="맑은 고딕"/>
+                          <a:cs typeface="맑은 고딕"/>
+                        </a:rPr>
+                        <a:t>1</a:t>
+                      </a:r>
+                      <a:endParaRPr xmlns:mc="http://schemas.openxmlformats.org/markup-compatibility/2006" xmlns:hp="http://schemas.haansoft.com/office/presentation/8.0" kumimoji="0" sz="1400" b="0" i="0" u="none" strike="noStrike" kern="0" cap="none" normalizeH="0" baseline="0" mc:Ignorable="hp" hp:hslEmbossed="0">
+                        <a:solidFill>
+                          <a:srgbClr val="000000"/>
+                        </a:solidFill>
+                        <a:latin typeface="맑은 고딕"/>
+                        <a:cs typeface="맑은 고딕"/>
+                      </a:endParaRPr>
+                    </a:p>
+                  </a:txBody>
+                  <a:tcPr marL="0" marR="0" marT="19685" marB="0">
+                    <a:lnL w="12700">
+                      <a:solidFill>
+                        <a:srgbClr val="7e7e7e">
+                          <a:alpha val="100000"/>
+                        </a:srgbClr>
+                      </a:solidFill>
+                      <a:prstDash val="solid"/>
+                    </a:lnL>
+                    <a:lnR w="12700">
+                      <a:solidFill>
+                        <a:srgbClr val="7e7e7e">
+                          <a:alpha val="100000"/>
+                        </a:srgbClr>
+                      </a:solidFill>
+                      <a:prstDash val="solid"/>
+                    </a:lnR>
+                    <a:lnT w="12700">
+                      <a:solidFill>
+                        <a:srgbClr val="7e7e7e">
+                          <a:alpha val="100000"/>
+                        </a:srgbClr>
+                      </a:solidFill>
+                      <a:prstDash val="solid"/>
+                    </a:lnT>
+                    <a:lnB w="12700">
+                      <a:solidFill>
+                        <a:srgbClr val="7e7e7e">
+                          <a:alpha val="100000"/>
+                        </a:srgbClr>
+                      </a:solidFill>
+                      <a:prstDash val="solid"/>
+                    </a:lnB>
+                    <a:solidFill>
+                      <a:srgbClr val="ffcc99">
+                        <a:alpha val="100000"/>
+                      </a:srgbClr>
+                    </a:solidFill>
+                  </a:tcPr>
+                </a:tc>
+                <a:tc>
+                  <a:txBody>
+                    <a:bodyPr vert="horz" lIns="0" tIns="19685" rIns="0" bIns="0" anchor="t" anchorCtr="0"/>
+                    <a:p>
+                      <a:pPr marL="29845">
+                        <a:lnSpc>
+                          <a:spcPct val="100000"/>
+                        </a:lnSpc>
+                        <a:spcBef>
+                          <a:spcPts val="155"/>
+                        </a:spcBef>
+                        <a:buNone/>
+                        <a:defRPr/>
+                      </a:pPr>
+                      <a:r>
+                        <a:rPr xmlns:mc="http://schemas.openxmlformats.org/markup-compatibility/2006" xmlns:hp="http://schemas.haansoft.com/office/presentation/8.0" kumimoji="0" sz="1400" b="0" i="0" u="none" strike="noStrike" kern="0" cap="none" normalizeH="0" baseline="0" mc:Ignorable="hp" hp:hslEmbossed="0">
+                          <a:solidFill>
+                            <a:srgbClr val="3f3f75"/>
+                          </a:solidFill>
+                          <a:latin typeface="맑은 고딕"/>
+                          <a:cs typeface="맑은 고딕"/>
+                        </a:rPr>
+                        <a:t>TASK</a:t>
+                      </a:r>
+                      <a:r>
+                        <a:rPr xmlns:mc="http://schemas.openxmlformats.org/markup-compatibility/2006" xmlns:hp="http://schemas.haansoft.com/office/presentation/8.0" kumimoji="0" sz="1400" b="0" i="0" u="none" strike="noStrike" kern="0" cap="none" spc="-15" normalizeH="0" baseline="0" mc:Ignorable="hp" hp:hslEmbossed="0">
+                          <a:solidFill>
+                            <a:srgbClr val="3f3f75"/>
+                          </a:solidFill>
+                          <a:latin typeface="맑은 고딕"/>
+                          <a:cs typeface="맑은 고딕"/>
+                        </a:rPr>
+                        <a:t> </a:t>
+                      </a:r>
+                      <a:r>
+                        <a:rPr xmlns:mc="http://schemas.openxmlformats.org/markup-compatibility/2006" xmlns:hp="http://schemas.haansoft.com/office/presentation/8.0" kumimoji="0" sz="1400" b="0" i="0" u="none" strike="noStrike" kern="0" cap="none" spc="-50" normalizeH="0" baseline="0" mc:Ignorable="hp" hp:hslEmbossed="0">
+                          <a:solidFill>
+                            <a:srgbClr val="3f3f75"/>
+                          </a:solidFill>
+                          <a:latin typeface="맑은 고딕"/>
+                          <a:cs typeface="맑은 고딕"/>
+                        </a:rPr>
+                        <a:t>2</a:t>
+                      </a:r>
+                      <a:endParaRPr xmlns:mc="http://schemas.openxmlformats.org/markup-compatibility/2006" xmlns:hp="http://schemas.haansoft.com/office/presentation/8.0" kumimoji="0" sz="1400" b="0" i="0" u="none" strike="noStrike" kern="0" cap="none" normalizeH="0" baseline="0" mc:Ignorable="hp" hp:hslEmbossed="0">
+                        <a:solidFill>
+                          <a:srgbClr val="000000"/>
+                        </a:solidFill>
+                        <a:latin typeface="맑은 고딕"/>
+                        <a:cs typeface="맑은 고딕"/>
+                      </a:endParaRPr>
+                    </a:p>
+                  </a:txBody>
+                  <a:tcPr marL="0" marR="0" marT="19685" marB="0">
+                    <a:lnL w="12700">
+                      <a:solidFill>
+                        <a:srgbClr val="7e7e7e">
+                          <a:alpha val="100000"/>
+                        </a:srgbClr>
+                      </a:solidFill>
+                      <a:prstDash val="solid"/>
+                    </a:lnL>
+                    <a:lnR w="12700">
+                      <a:solidFill>
+                        <a:srgbClr val="7e7e7e">
+                          <a:alpha val="100000"/>
+                        </a:srgbClr>
+                      </a:solidFill>
+                      <a:prstDash val="solid"/>
+                    </a:lnR>
+                    <a:lnT w="12700">
+                      <a:solidFill>
+                        <a:srgbClr val="7e7e7e">
+                          <a:alpha val="100000"/>
+                        </a:srgbClr>
+                      </a:solidFill>
+                      <a:prstDash val="solid"/>
+                    </a:lnT>
+                    <a:lnB w="12700">
+                      <a:solidFill>
+                        <a:srgbClr val="7e7e7e">
+                          <a:alpha val="100000"/>
+                        </a:srgbClr>
+                      </a:solidFill>
+                      <a:prstDash val="solid"/>
+                    </a:lnB>
+                    <a:solidFill>
+                      <a:srgbClr val="ffcc99">
+                        <a:alpha val="100000"/>
+                      </a:srgbClr>
+                    </a:solidFill>
+                  </a:tcPr>
+                </a:tc>
+                <a:tc>
+                  <a:txBody>
+                    <a:bodyPr vert="horz" lIns="0" tIns="19685" rIns="0" bIns="0" anchor="t" anchorCtr="0"/>
                     <a:p>
                       <a:pPr marL="30480">
                         <a:lnSpc>
@@ -2411,228 +3036,85 @@
                         <a:spcBef>
                           <a:spcPts val="155"/>
                         </a:spcBef>
+                        <a:buNone/>
+                        <a:defRPr/>
                       </a:pPr>
                       <a:r>
-                        <a:rPr dirty="0" sz="1400">
+                        <a:rPr xmlns:mc="http://schemas.openxmlformats.org/markup-compatibility/2006" xmlns:hp="http://schemas.haansoft.com/office/presentation/8.0" kumimoji="0" sz="1400" b="0" i="0" u="none" strike="noStrike" kern="0" cap="none" normalizeH="0" baseline="0" mc:Ignorable="hp" hp:hslEmbossed="0">
                           <a:solidFill>
-                            <a:srgbClr val="3F3F75"/>
+                            <a:srgbClr val="3f3f75"/>
                           </a:solidFill>
-                          <a:latin typeface="Malgun Gothic"/>
-                          <a:cs typeface="Malgun Gothic"/>
+                          <a:latin typeface="맑은 고딕"/>
+                          <a:cs typeface="맑은 고딕"/>
                         </a:rPr>
                         <a:t>TASK</a:t>
                       </a:r>
                       <a:r>
-                        <a:rPr dirty="0" sz="1400" spc="-15">
+                        <a:rPr xmlns:mc="http://schemas.openxmlformats.org/markup-compatibility/2006" xmlns:hp="http://schemas.haansoft.com/office/presentation/8.0" kumimoji="0" sz="1400" b="0" i="0" u="none" strike="noStrike" kern="0" cap="none" spc="-15" normalizeH="0" baseline="0" mc:Ignorable="hp" hp:hslEmbossed="0">
                           <a:solidFill>
-                            <a:srgbClr val="3F3F75"/>
+                            <a:srgbClr val="3f3f75"/>
                           </a:solidFill>
-                          <a:latin typeface="Malgun Gothic"/>
-                          <a:cs typeface="Malgun Gothic"/>
+                          <a:latin typeface="맑은 고딕"/>
+                          <a:cs typeface="맑은 고딕"/>
                         </a:rPr>
                         <a:t> </a:t>
                       </a:r>
                       <a:r>
-                        <a:rPr dirty="0" sz="1400" spc="-50">
+                        <a:rPr xmlns:mc="http://schemas.openxmlformats.org/markup-compatibility/2006" xmlns:hp="http://schemas.haansoft.com/office/presentation/8.0" kumimoji="0" sz="1400" b="0" i="0" u="none" strike="noStrike" kern="0" cap="none" spc="-50" normalizeH="0" baseline="0" mc:Ignorable="hp" hp:hslEmbossed="0">
                           <a:solidFill>
-                            <a:srgbClr val="3F3F75"/>
+                            <a:srgbClr val="3f3f75"/>
                           </a:solidFill>
-                          <a:latin typeface="Malgun Gothic"/>
-                          <a:cs typeface="Malgun Gothic"/>
+                          <a:latin typeface="맑은 고딕"/>
+                          <a:cs typeface="맑은 고딕"/>
                         </a:rPr>
-                        <a:t>1</a:t>
+                        <a:t>n</a:t>
                       </a:r>
-                      <a:endParaRPr sz="1400">
-                        <a:latin typeface="Malgun Gothic"/>
-                        <a:cs typeface="Malgun Gothic"/>
+                      <a:endParaRPr xmlns:mc="http://schemas.openxmlformats.org/markup-compatibility/2006" xmlns:hp="http://schemas.haansoft.com/office/presentation/8.0" kumimoji="0" sz="1400" b="0" i="0" u="none" strike="noStrike" kern="0" cap="none" normalizeH="0" baseline="0" mc:Ignorable="hp" hp:hslEmbossed="0">
+                        <a:solidFill>
+                          <a:srgbClr val="000000"/>
+                        </a:solidFill>
+                        <a:latin typeface="맑은 고딕"/>
+                        <a:cs typeface="맑은 고딕"/>
                       </a:endParaRPr>
                     </a:p>
                   </a:txBody>
-                  <a:tcPr marL="0" marR="0" marB="0" marT="19685">
+                  <a:tcPr marL="0" marR="0" marT="19685" marB="0">
                     <a:lnL w="12700">
                       <a:solidFill>
-                        <a:srgbClr val="7E7E7E"/>
+                        <a:srgbClr val="7e7e7e">
+                          <a:alpha val="100000"/>
+                        </a:srgbClr>
                       </a:solidFill>
                       <a:prstDash val="solid"/>
                     </a:lnL>
                     <a:lnR w="12700">
                       <a:solidFill>
-                        <a:srgbClr val="7E7E7E"/>
+                        <a:srgbClr val="7e7e7e">
+                          <a:alpha val="100000"/>
+                        </a:srgbClr>
                       </a:solidFill>
                       <a:prstDash val="solid"/>
                     </a:lnR>
                     <a:lnT w="12700">
                       <a:solidFill>
-                        <a:srgbClr val="7E7E7E"/>
+                        <a:srgbClr val="7e7e7e">
+                          <a:alpha val="100000"/>
+                        </a:srgbClr>
                       </a:solidFill>
                       <a:prstDash val="solid"/>
                     </a:lnT>
                     <a:lnB w="12700">
                       <a:solidFill>
-                        <a:srgbClr val="7E7E7E"/>
+                        <a:srgbClr val="7e7e7e">
+                          <a:alpha val="100000"/>
+                        </a:srgbClr>
                       </a:solidFill>
                       <a:prstDash val="solid"/>
                     </a:lnB>
                     <a:solidFill>
-                      <a:srgbClr val="FFCC99"/>
-                    </a:solidFill>
-                  </a:tcPr>
-                </a:tc>
-                <a:tc>
-                  <a:txBody>
-                    <a:bodyPr/>
-                    <a:lstStyle/>
-                    <a:p>
-                      <a:pPr marL="30480">
-                        <a:lnSpc>
-                          <a:spcPct val="100000"/>
-                        </a:lnSpc>
-                        <a:spcBef>
-                          <a:spcPts val="155"/>
-                        </a:spcBef>
-                      </a:pPr>
-                      <a:r>
-                        <a:rPr dirty="0" sz="1400">
-                          <a:solidFill>
-                            <a:srgbClr val="3F3F75"/>
-                          </a:solidFill>
-                          <a:latin typeface="Malgun Gothic"/>
-                          <a:cs typeface="Malgun Gothic"/>
-                        </a:rPr>
-                        <a:t>TASK</a:t>
-                      </a:r>
-                      <a:r>
-                        <a:rPr dirty="0" sz="1400" spc="-15">
-                          <a:solidFill>
-                            <a:srgbClr val="3F3F75"/>
-                          </a:solidFill>
-                          <a:latin typeface="Malgun Gothic"/>
-                          <a:cs typeface="Malgun Gothic"/>
-                        </a:rPr>
-                        <a:t> </a:t>
-                      </a:r>
-                      <a:r>
-                        <a:rPr dirty="0" sz="1400" spc="-50">
-                          <a:solidFill>
-                            <a:srgbClr val="3F3F75"/>
-                          </a:solidFill>
-                          <a:latin typeface="Malgun Gothic"/>
-                          <a:cs typeface="Malgun Gothic"/>
-                        </a:rPr>
-                        <a:t>2</a:t>
-                      </a:r>
-                      <a:endParaRPr sz="1400">
-                        <a:latin typeface="Malgun Gothic"/>
-                        <a:cs typeface="Malgun Gothic"/>
-                      </a:endParaRPr>
-                    </a:p>
-                  </a:txBody>
-                  <a:tcPr marL="0" marR="0" marB="0" marT="19685">
-                    <a:lnL w="12700">
-                      <a:solidFill>
-                        <a:srgbClr val="7E7E7E"/>
-                      </a:solidFill>
-                      <a:prstDash val="solid"/>
-                    </a:lnL>
-                    <a:lnR w="12700">
-                      <a:solidFill>
-                        <a:srgbClr val="7E7E7E"/>
-                      </a:solidFill>
-                      <a:prstDash val="solid"/>
-                    </a:lnR>
-                    <a:lnT w="12700">
-                      <a:solidFill>
-                        <a:srgbClr val="7E7E7E"/>
-                      </a:solidFill>
-                      <a:prstDash val="solid"/>
-                    </a:lnT>
-                    <a:lnB w="12700">
-                      <a:solidFill>
-                        <a:srgbClr val="7E7E7E"/>
-                      </a:solidFill>
-                      <a:prstDash val="solid"/>
-                    </a:lnB>
-                    <a:solidFill>
-                      <a:srgbClr val="FFCC99"/>
-                    </a:solidFill>
-                  </a:tcPr>
-                </a:tc>
-                <a:tc>
-                  <a:txBody>
-                    <a:bodyPr/>
-                    <a:lstStyle/>
-                    <a:p>
-                      <a:pPr marL="30480">
-                        <a:lnSpc>
-                          <a:spcPct val="100000"/>
-                        </a:lnSpc>
-                        <a:spcBef>
-                          <a:spcPts val="155"/>
-                        </a:spcBef>
-                      </a:pPr>
-                      <a:r>
-                        <a:rPr dirty="0" sz="1400">
-                          <a:solidFill>
-                            <a:srgbClr val="3F3F75"/>
-                          </a:solidFill>
-                          <a:latin typeface="Malgun Gothic"/>
-                          <a:cs typeface="Malgun Gothic"/>
-                        </a:rPr>
-                        <a:t>TASK</a:t>
-                      </a:r>
-                      <a:r>
-                        <a:rPr dirty="0" sz="1400" spc="-15">
-                          <a:solidFill>
-                            <a:srgbClr val="3F3F75"/>
-                          </a:solidFill>
-                          <a:latin typeface="Malgun Gothic"/>
-                          <a:cs typeface="Malgun Gothic"/>
-                        </a:rPr>
-                        <a:t> </a:t>
-                      </a:r>
-                      <a:r>
-                        <a:rPr dirty="0" sz="1400" spc="-50">
-                          <a:solidFill>
-                            <a:srgbClr val="3F3F75"/>
-                          </a:solidFill>
-                          <a:latin typeface="Malgun Gothic"/>
-                          <a:cs typeface="Malgun Gothic"/>
-                        </a:rPr>
-                        <a:t>n</a:t>
-                      </a:r>
-                      <a:endParaRPr sz="1400">
-                        <a:latin typeface="Malgun Gothic"/>
-                        <a:cs typeface="Malgun Gothic"/>
-                      </a:endParaRPr>
-                    </a:p>
-                  </a:txBody>
-                  <a:tcPr marL="0" marR="0" marB="0" marT="19685">
-                    <a:lnL w="12700">
-                      <a:solidFill>
-                        <a:srgbClr val="7E7E7E"/>
-                      </a:solidFill>
-                      <a:prstDash val="solid"/>
-                    </a:lnL>
-                    <a:lnR w="12700">
-                      <a:solidFill>
-                        <a:srgbClr val="7E7E7E"/>
-                      </a:solidFill>
-                      <a:prstDash val="solid"/>
-                    </a:lnR>
-                    <a:lnT w="12700">
-                      <a:solidFill>
-                        <a:srgbClr val="7E7E7E"/>
-                      </a:solidFill>
-                      <a:prstDash val="solid"/>
-                    </a:lnT>
-                    <a:lnB w="12700">
-                      <a:solidFill>
-                        <a:srgbClr val="7E7E7E"/>
-                      </a:solidFill>
-                      <a:prstDash val="solid"/>
-                    </a:lnB>
-                    <a:solidFill>
-                      <a:srgbClr val="FFCC99"/>
+                      <a:srgbClr val="ffcc99">
+                        <a:alpha val="100000"/>
+                      </a:srgbClr>
                     </a:solidFill>
                   </a:tcPr>
                 </a:tc>
@@ -2641,65 +3123,17 @@
           </a:graphicData>
         </a:graphic>
       </p:graphicFrame>
-      <p:sp>
-        <p:nvSpPr>
-          <p:cNvPr id="5" name="object 5" descr=""/>
-          <p:cNvSpPr/>
-          <p:nvPr/>
-        </p:nvSpPr>
-        <p:spPr>
-          <a:xfrm>
-            <a:off x="12492659" y="2896730"/>
-            <a:ext cx="1976120" cy="889635"/>
-          </a:xfrm>
-          <a:custGeom>
-            <a:avLst/>
-            <a:gdLst/>
-            <a:ahLst/>
-            <a:cxnLst/>
-            <a:rect l="l" t="t" r="r" b="b"/>
-            <a:pathLst>
-              <a:path w="1976119" h="889635">
-                <a:moveTo>
-                  <a:pt x="1975764" y="0"/>
-                </a:moveTo>
-                <a:lnTo>
-                  <a:pt x="0" y="0"/>
-                </a:lnTo>
-                <a:lnTo>
-                  <a:pt x="0" y="889038"/>
-                </a:lnTo>
-                <a:lnTo>
-                  <a:pt x="1975764" y="889038"/>
-                </a:lnTo>
-                <a:lnTo>
-                  <a:pt x="1975764" y="0"/>
-                </a:lnTo>
-                <a:close/>
-              </a:path>
-            </a:pathLst>
-          </a:custGeom>
-          <a:solidFill>
-            <a:srgbClr val="FFCC99"/>
-          </a:solidFill>
-        </p:spPr>
-        <p:txBody>
-          <a:bodyPr wrap="square" lIns="0" tIns="0" rIns="0" bIns="0" rtlCol="0"/>
-          <a:lstStyle/>
-          <a:p/>
-        </p:txBody>
-      </p:sp>
       <p:graphicFrame>
         <p:nvGraphicFramePr>
-          <p:cNvPr id="6" name="object 6" descr=""/>
+          <p:cNvPr id="60" name="object 4"/>
           <p:cNvGraphicFramePr>
             <a:graphicFrameLocks noGrp="1"/>
           </p:cNvGraphicFramePr>
           <p:nvPr/>
         </p:nvGraphicFramePr>
         <p:xfrm>
-          <a:off x="641108" y="3934955"/>
-          <a:ext cx="2973705" cy="887094"/>
+          <a:off x="8538082" y="2890634"/>
+          <a:ext cx="2962275" cy="887094"/>
         </p:xfrm>
         <a:graphic>
           <a:graphicData uri="http://schemas.openxmlformats.org/drawingml/2006/table">
@@ -2715,149 +3149,280 @@
               <a:tr h="887094">
                 <a:tc>
                   <a:txBody>
-                    <a:bodyPr/>
-                    <a:lstStyle/>
+                    <a:bodyPr vert="horz" lIns="0" tIns="19685" rIns="0" bIns="0" anchor="t" anchorCtr="0"/>
                     <a:p>
-                      <a:pPr marL="29845">
+                      <a:pPr marL="30480">
                         <a:lnSpc>
                           <a:spcPct val="100000"/>
                         </a:lnSpc>
                         <a:spcBef>
                           <a:spcPts val="155"/>
                         </a:spcBef>
+                        <a:buNone/>
+                        <a:defRPr/>
                       </a:pPr>
                       <a:r>
-                        <a:rPr dirty="0" sz="1400" spc="-10">
-                          <a:latin typeface="Malgun Gothic"/>
-                          <a:cs typeface="Malgun Gothic"/>
+                        <a:rPr xmlns:mc="http://schemas.openxmlformats.org/markup-compatibility/2006" xmlns:hp="http://schemas.haansoft.com/office/presentation/8.0" kumimoji="0" sz="1400" b="0" i="0" u="none" strike="noStrike" kern="0" cap="none" normalizeH="0" baseline="0" mc:Ignorable="hp" hp:hslEmbossed="0">
+                          <a:solidFill>
+                            <a:srgbClr val="3f3f75"/>
+                          </a:solidFill>
+                          <a:latin typeface="맑은 고딕"/>
+                          <a:cs typeface="맑은 고딕"/>
                         </a:rPr>
-                        <a:t>Detail</a:t>
+                        <a:t>TASK</a:t>
                       </a:r>
-                      <a:endParaRPr sz="1400">
-                        <a:latin typeface="Malgun Gothic"/>
-                        <a:cs typeface="Malgun Gothic"/>
+                      <a:r>
+                        <a:rPr xmlns:mc="http://schemas.openxmlformats.org/markup-compatibility/2006" xmlns:hp="http://schemas.haansoft.com/office/presentation/8.0" kumimoji="0" sz="1400" b="0" i="0" u="none" strike="noStrike" kern="0" cap="none" spc="-15" normalizeH="0" baseline="0" mc:Ignorable="hp" hp:hslEmbossed="0">
+                          <a:solidFill>
+                            <a:srgbClr val="3f3f75"/>
+                          </a:solidFill>
+                          <a:latin typeface="맑은 고딕"/>
+                          <a:cs typeface="맑은 고딕"/>
+                        </a:rPr>
+                        <a:t> </a:t>
+                      </a:r>
+                      <a:r>
+                        <a:rPr xmlns:mc="http://schemas.openxmlformats.org/markup-compatibility/2006" xmlns:hp="http://schemas.haansoft.com/office/presentation/8.0" kumimoji="0" sz="1400" b="0" i="0" u="none" strike="noStrike" kern="0" cap="none" spc="-50" normalizeH="0" baseline="0" mc:Ignorable="hp" hp:hslEmbossed="0">
+                          <a:solidFill>
+                            <a:srgbClr val="3f3f75"/>
+                          </a:solidFill>
+                          <a:latin typeface="맑은 고딕"/>
+                          <a:cs typeface="맑은 고딕"/>
+                        </a:rPr>
+                        <a:t>1</a:t>
+                      </a:r>
+                      <a:endParaRPr xmlns:mc="http://schemas.openxmlformats.org/markup-compatibility/2006" xmlns:hp="http://schemas.haansoft.com/office/presentation/8.0" kumimoji="0" sz="1400" b="0" i="0" u="none" strike="noStrike" kern="0" cap="none" normalizeH="0" baseline="0" mc:Ignorable="hp" hp:hslEmbossed="0">
+                        <a:solidFill>
+                          <a:srgbClr val="000000"/>
+                        </a:solidFill>
+                        <a:latin typeface="맑은 고딕"/>
+                        <a:cs typeface="맑은 고딕"/>
                       </a:endParaRPr>
                     </a:p>
                   </a:txBody>
-                  <a:tcPr marL="0" marR="0" marB="0" marT="19685">
+                  <a:tcPr marL="0" marR="0" marT="19685" marB="0">
                     <a:lnL w="12700">
                       <a:solidFill>
-                        <a:srgbClr val="000000"/>
+                        <a:srgbClr val="7e7e7e">
+                          <a:alpha val="100000"/>
+                        </a:srgbClr>
                       </a:solidFill>
                       <a:prstDash val="solid"/>
                     </a:lnL>
                     <a:lnR w="12700">
                       <a:solidFill>
-                        <a:srgbClr val="000000"/>
+                        <a:srgbClr val="7e7e7e">
+                          <a:alpha val="100000"/>
+                        </a:srgbClr>
                       </a:solidFill>
                       <a:prstDash val="solid"/>
                     </a:lnR>
                     <a:lnT w="12700">
                       <a:solidFill>
-                        <a:srgbClr val="000000"/>
+                        <a:srgbClr val="7e7e7e">
+                          <a:alpha val="100000"/>
+                        </a:srgbClr>
                       </a:solidFill>
                       <a:prstDash val="solid"/>
                     </a:lnT>
                     <a:lnB w="12700">
                       <a:solidFill>
-                        <a:srgbClr val="000000"/>
+                        <a:srgbClr val="7e7e7e">
+                          <a:alpha val="100000"/>
+                        </a:srgbClr>
                       </a:solidFill>
                       <a:prstDash val="solid"/>
                     </a:lnB>
                     <a:solidFill>
-                      <a:srgbClr val="FBE3D5"/>
+                      <a:srgbClr val="ffcc99">
+                        <a:alpha val="100000"/>
+                      </a:srgbClr>
                     </a:solidFill>
                   </a:tcPr>
                 </a:tc>
                 <a:tc>
                   <a:txBody>
-                    <a:bodyPr/>
-                    <a:lstStyle/>
+                    <a:bodyPr vert="horz" lIns="0" tIns="19685" rIns="0" bIns="0" anchor="t" anchorCtr="0"/>
                     <a:p>
-                      <a:pPr>
+                      <a:pPr marL="30480">
                         <a:lnSpc>
                           <a:spcPct val="100000"/>
                         </a:lnSpc>
+                        <a:spcBef>
+                          <a:spcPts val="155"/>
+                        </a:spcBef>
+                        <a:buNone/>
+                        <a:defRPr/>
                       </a:pPr>
-                      <a:endParaRPr sz="1400">
-                        <a:latin typeface="Times New Roman"/>
-                        <a:cs typeface="Times New Roman"/>
+                      <a:r>
+                        <a:rPr xmlns:mc="http://schemas.openxmlformats.org/markup-compatibility/2006" xmlns:hp="http://schemas.haansoft.com/office/presentation/8.0" kumimoji="0" sz="1400" b="0" i="0" u="none" strike="noStrike" kern="0" cap="none" normalizeH="0" baseline="0" mc:Ignorable="hp" hp:hslEmbossed="0">
+                          <a:solidFill>
+                            <a:srgbClr val="3f3f75"/>
+                          </a:solidFill>
+                          <a:latin typeface="맑은 고딕"/>
+                          <a:cs typeface="맑은 고딕"/>
+                        </a:rPr>
+                        <a:t>TASK</a:t>
+                      </a:r>
+                      <a:r>
+                        <a:rPr xmlns:mc="http://schemas.openxmlformats.org/markup-compatibility/2006" xmlns:hp="http://schemas.haansoft.com/office/presentation/8.0" kumimoji="0" sz="1400" b="0" i="0" u="none" strike="noStrike" kern="0" cap="none" spc="-15" normalizeH="0" baseline="0" mc:Ignorable="hp" hp:hslEmbossed="0">
+                          <a:solidFill>
+                            <a:srgbClr val="3f3f75"/>
+                          </a:solidFill>
+                          <a:latin typeface="맑은 고딕"/>
+                          <a:cs typeface="맑은 고딕"/>
+                        </a:rPr>
+                        <a:t> </a:t>
+                      </a:r>
+                      <a:r>
+                        <a:rPr xmlns:mc="http://schemas.openxmlformats.org/markup-compatibility/2006" xmlns:hp="http://schemas.haansoft.com/office/presentation/8.0" kumimoji="0" sz="1400" b="0" i="0" u="none" strike="noStrike" kern="0" cap="none" spc="-50" normalizeH="0" baseline="0" mc:Ignorable="hp" hp:hslEmbossed="0">
+                          <a:solidFill>
+                            <a:srgbClr val="3f3f75"/>
+                          </a:solidFill>
+                          <a:latin typeface="맑은 고딕"/>
+                          <a:cs typeface="맑은 고딕"/>
+                        </a:rPr>
+                        <a:t>2</a:t>
+                      </a:r>
+                      <a:endParaRPr xmlns:mc="http://schemas.openxmlformats.org/markup-compatibility/2006" xmlns:hp="http://schemas.haansoft.com/office/presentation/8.0" kumimoji="0" sz="1400" b="0" i="0" u="none" strike="noStrike" kern="0" cap="none" normalizeH="0" baseline="0" mc:Ignorable="hp" hp:hslEmbossed="0">
+                        <a:solidFill>
+                          <a:srgbClr val="000000"/>
+                        </a:solidFill>
+                        <a:latin typeface="맑은 고딕"/>
+                        <a:cs typeface="맑은 고딕"/>
                       </a:endParaRPr>
                     </a:p>
                   </a:txBody>
-                  <a:tcPr marL="0" marR="0" marB="0" marT="0">
+                  <a:tcPr marL="0" marR="0" marT="19685" marB="0">
                     <a:lnL w="12700">
                       <a:solidFill>
-                        <a:srgbClr val="000000"/>
+                        <a:srgbClr val="7e7e7e">
+                          <a:alpha val="100000"/>
+                        </a:srgbClr>
                       </a:solidFill>
                       <a:prstDash val="solid"/>
                     </a:lnL>
                     <a:lnR w="12700">
                       <a:solidFill>
-                        <a:srgbClr val="000000"/>
+                        <a:srgbClr val="7e7e7e">
+                          <a:alpha val="100000"/>
+                        </a:srgbClr>
                       </a:solidFill>
                       <a:prstDash val="solid"/>
                     </a:lnR>
                     <a:lnT w="12700">
                       <a:solidFill>
-                        <a:srgbClr val="000000"/>
+                        <a:srgbClr val="7e7e7e">
+                          <a:alpha val="100000"/>
+                        </a:srgbClr>
                       </a:solidFill>
                       <a:prstDash val="solid"/>
                     </a:lnT>
                     <a:lnB w="12700">
                       <a:solidFill>
-                        <a:srgbClr val="000000"/>
+                        <a:srgbClr val="7e7e7e">
+                          <a:alpha val="100000"/>
+                        </a:srgbClr>
                       </a:solidFill>
                       <a:prstDash val="solid"/>
                     </a:lnB>
                     <a:solidFill>
-                      <a:srgbClr val="FBE3D5"/>
+                      <a:srgbClr val="ffcc99">
+                        <a:alpha val="100000"/>
+                      </a:srgbClr>
                     </a:solidFill>
                   </a:tcPr>
                 </a:tc>
                 <a:tc>
                   <a:txBody>
-                    <a:bodyPr/>
-                    <a:lstStyle/>
+                    <a:bodyPr vert="horz" lIns="0" tIns="19685" rIns="0" bIns="0" anchor="t" anchorCtr="0"/>
                     <a:p>
-                      <a:pPr>
+                      <a:pPr marL="30480">
                         <a:lnSpc>
                           <a:spcPct val="100000"/>
                         </a:lnSpc>
+                        <a:spcBef>
+                          <a:spcPts val="155"/>
+                        </a:spcBef>
+                        <a:buNone/>
+                        <a:defRPr/>
                       </a:pPr>
-                      <a:endParaRPr sz="1400">
-                        <a:latin typeface="Times New Roman"/>
-                        <a:cs typeface="Times New Roman"/>
+                      <a:r>
+                        <a:rPr xmlns:mc="http://schemas.openxmlformats.org/markup-compatibility/2006" xmlns:hp="http://schemas.haansoft.com/office/presentation/8.0" kumimoji="0" sz="1400" b="0" i="0" u="none" strike="noStrike" kern="0" cap="none" normalizeH="0" baseline="0" mc:Ignorable="hp" hp:hslEmbossed="0">
+                          <a:solidFill>
+                            <a:srgbClr val="3f3f75"/>
+                          </a:solidFill>
+                          <a:latin typeface="맑은 고딕"/>
+                          <a:cs typeface="맑은 고딕"/>
+                        </a:rPr>
+                        <a:t>TASK</a:t>
+                      </a:r>
+                      <a:r>
+                        <a:rPr xmlns:mc="http://schemas.openxmlformats.org/markup-compatibility/2006" xmlns:hp="http://schemas.haansoft.com/office/presentation/8.0" kumimoji="0" sz="1400" b="0" i="0" u="none" strike="noStrike" kern="0" cap="none" spc="-15" normalizeH="0" baseline="0" mc:Ignorable="hp" hp:hslEmbossed="0">
+                          <a:solidFill>
+                            <a:srgbClr val="3f3f75"/>
+                          </a:solidFill>
+                          <a:latin typeface="맑은 고딕"/>
+                          <a:cs typeface="맑은 고딕"/>
+                        </a:rPr>
+                        <a:t> </a:t>
+                      </a:r>
+                      <a:r>
+                        <a:rPr xmlns:mc="http://schemas.openxmlformats.org/markup-compatibility/2006" xmlns:hp="http://schemas.haansoft.com/office/presentation/8.0" kumimoji="0" sz="1400" b="0" i="0" u="none" strike="noStrike" kern="0" cap="none" spc="-50" normalizeH="0" baseline="0" mc:Ignorable="hp" hp:hslEmbossed="0">
+                          <a:solidFill>
+                            <a:srgbClr val="3f3f75"/>
+                          </a:solidFill>
+                          <a:latin typeface="맑은 고딕"/>
+                          <a:cs typeface="맑은 고딕"/>
+                        </a:rPr>
+                        <a:t>n</a:t>
+                      </a:r>
+                      <a:endParaRPr xmlns:mc="http://schemas.openxmlformats.org/markup-compatibility/2006" xmlns:hp="http://schemas.haansoft.com/office/presentation/8.0" kumimoji="0" sz="1400" b="0" i="0" u="none" strike="noStrike" kern="0" cap="none" normalizeH="0" baseline="0" mc:Ignorable="hp" hp:hslEmbossed="0">
+                        <a:solidFill>
+                          <a:srgbClr val="000000"/>
+                        </a:solidFill>
+                        <a:latin typeface="맑은 고딕"/>
+                        <a:cs typeface="맑은 고딕"/>
                       </a:endParaRPr>
                     </a:p>
                   </a:txBody>
-                  <a:tcPr marL="0" marR="0" marB="0" marT="0">
+                  <a:tcPr marL="0" marR="0" marT="19685" marB="0">
                     <a:lnL w="12700">
                       <a:solidFill>
-                        <a:srgbClr val="000000"/>
+                        <a:srgbClr val="7e7e7e">
+                          <a:alpha val="100000"/>
+                        </a:srgbClr>
                       </a:solidFill>
                       <a:prstDash val="solid"/>
                     </a:lnL>
                     <a:lnR w="12700">
                       <a:solidFill>
-                        <a:srgbClr val="000000"/>
+                        <a:srgbClr val="7e7e7e">
+                          <a:alpha val="100000"/>
+                        </a:srgbClr>
                       </a:solidFill>
                       <a:prstDash val="solid"/>
                     </a:lnR>
                     <a:lnT w="12700">
                       <a:solidFill>
-                        <a:srgbClr val="000000"/>
+                        <a:srgbClr val="7e7e7e">
+                          <a:alpha val="100000"/>
+                        </a:srgbClr>
                       </a:solidFill>
                       <a:prstDash val="solid"/>
                     </a:lnT>
                     <a:lnB w="12700">
                       <a:solidFill>
-                        <a:srgbClr val="000000"/>
+                        <a:srgbClr val="7e7e7e">
+                          <a:alpha val="100000"/>
+                        </a:srgbClr>
                       </a:solidFill>
                       <a:prstDash val="solid"/>
                     </a:lnB>
                     <a:solidFill>
-                      <a:srgbClr val="FBE3D5"/>
+                      <a:srgbClr val="ffcc99">
+                        <a:alpha val="100000"/>
+                      </a:srgbClr>
                     </a:solidFill>
                   </a:tcPr>
                 </a:tc>
@@ -2866,17 +3431,73 @@
           </a:graphicData>
         </a:graphic>
       </p:graphicFrame>
+      <p:sp>
+        <p:nvSpPr>
+          <p:cNvPr id="61" name="object 5"/>
+          <p:cNvSpPr/>
+          <p:nvPr/>
+        </p:nvSpPr>
+        <p:spPr>
+          <a:xfrm>
+            <a:off x="12492659" y="2896730"/>
+            <a:ext cx="1976120" cy="889635"/>
+          </a:xfrm>
+          <a:custGeom>
+            <a:avLst/>
+            <a:gdLst/>
+            <a:rect l="l" t="t" r="r" b="b"/>
+            <a:pathLst>
+              <a:path w="1976119" h="889635">
+                <a:moveTo>
+                  <a:pt x="1975764" y="0"/>
+                </a:moveTo>
+                <a:lnTo>
+                  <a:pt x="0" y="0"/>
+                </a:lnTo>
+                <a:lnTo>
+                  <a:pt x="0" y="889038"/>
+                </a:lnTo>
+                <a:lnTo>
+                  <a:pt x="1975764" y="889038"/>
+                </a:lnTo>
+                <a:lnTo>
+                  <a:pt x="1975764" y="0"/>
+                </a:lnTo>
+                <a:close/>
+              </a:path>
+            </a:pathLst>
+          </a:custGeom>
+          <a:solidFill>
+            <a:srgbClr val="ffcc99">
+              <a:alpha val="100000"/>
+            </a:srgbClr>
+          </a:solidFill>
+        </p:spPr>
+        <p:txBody>
+          <a:bodyPr wrap="square" lIns="0" tIns="0" rIns="0" bIns="0"/>
+          <a:p>
+            <a:pPr lvl="0">
+              <a:defRPr/>
+            </a:pPr>
+            <a:endParaRPr>
+              <a:solidFill>
+                <a:srgbClr val="000000"/>
+              </a:solidFill>
+            </a:endParaRPr>
+          </a:p>
+        </p:txBody>
+      </p:sp>
       <p:graphicFrame>
         <p:nvGraphicFramePr>
-          <p:cNvPr id="7" name="object 7" descr=""/>
+          <p:cNvPr id="62" name="object 6"/>
           <p:cNvGraphicFramePr>
             <a:graphicFrameLocks noGrp="1"/>
           </p:cNvGraphicFramePr>
           <p:nvPr/>
         </p:nvGraphicFramePr>
         <p:xfrm>
-          <a:off x="4589602" y="3934955"/>
-          <a:ext cx="2973705" cy="887094"/>
+          <a:off x="641108" y="3934955"/>
+          <a:ext cx="2962275" cy="887094"/>
         </p:xfrm>
         <a:graphic>
           <a:graphicData uri="http://schemas.openxmlformats.org/drawingml/2006/table">
@@ -2892,139 +3513,194 @@
               <a:tr h="887094">
                 <a:tc>
                   <a:txBody>
-                    <a:bodyPr/>
-                    <a:lstStyle/>
+                    <a:bodyPr vert="horz" lIns="0" tIns="19685" rIns="0" bIns="0" anchor="t" anchorCtr="0"/>
                     <a:p>
-                      <a:pPr>
+                      <a:pPr marL="29845">
                         <a:lnSpc>
                           <a:spcPct val="100000"/>
                         </a:lnSpc>
+                        <a:spcBef>
+                          <a:spcPts val="155"/>
+                        </a:spcBef>
+                        <a:buNone/>
+                        <a:defRPr/>
                       </a:pPr>
-                      <a:endParaRPr sz="1400">
+                      <a:r>
+                        <a:rPr xmlns:mc="http://schemas.openxmlformats.org/markup-compatibility/2006" xmlns:hp="http://schemas.haansoft.com/office/presentation/8.0" kumimoji="0" sz="1400" b="0" i="0" u="none" strike="noStrike" kern="0" cap="none" spc="-10" normalizeH="0" baseline="0" mc:Ignorable="hp" hp:hslEmbossed="0">
+                          <a:solidFill>
+                            <a:srgbClr val="000000"/>
+                          </a:solidFill>
+                          <a:latin typeface="맑은 고딕"/>
+                          <a:cs typeface="맑은 고딕"/>
+                        </a:rPr>
+                        <a:t>Detail</a:t>
+                      </a:r>
+                      <a:endParaRPr xmlns:mc="http://schemas.openxmlformats.org/markup-compatibility/2006" xmlns:hp="http://schemas.haansoft.com/office/presentation/8.0" kumimoji="0" sz="1400" b="0" i="0" u="none" strike="noStrike" kern="0" cap="none" normalizeH="0" baseline="0" mc:Ignorable="hp" hp:hslEmbossed="0">
+                        <a:solidFill>
+                          <a:srgbClr val="000000"/>
+                        </a:solidFill>
+                        <a:latin typeface="맑은 고딕"/>
+                        <a:cs typeface="맑은 고딕"/>
+                      </a:endParaRPr>
+                    </a:p>
+                  </a:txBody>
+                  <a:tcPr marL="0" marR="0" marT="19685" marB="0">
+                    <a:lnL w="12700">
+                      <a:solidFill>
+                        <a:srgbClr val="000000">
+                          <a:alpha val="100000"/>
+                        </a:srgbClr>
+                      </a:solidFill>
+                      <a:prstDash val="solid"/>
+                    </a:lnL>
+                    <a:lnR w="12700">
+                      <a:solidFill>
+                        <a:srgbClr val="000000">
+                          <a:alpha val="100000"/>
+                        </a:srgbClr>
+                      </a:solidFill>
+                      <a:prstDash val="solid"/>
+                    </a:lnR>
+                    <a:lnT w="12700">
+                      <a:solidFill>
+                        <a:srgbClr val="000000">
+                          <a:alpha val="100000"/>
+                        </a:srgbClr>
+                      </a:solidFill>
+                      <a:prstDash val="solid"/>
+                    </a:lnT>
+                    <a:lnB w="12700">
+                      <a:solidFill>
+                        <a:srgbClr val="000000">
+                          <a:alpha val="100000"/>
+                        </a:srgbClr>
+                      </a:solidFill>
+                      <a:prstDash val="solid"/>
+                    </a:lnB>
+                    <a:solidFill>
+                      <a:srgbClr val="fbe3d5">
+                        <a:alpha val="100000"/>
+                      </a:srgbClr>
+                    </a:solidFill>
+                  </a:tcPr>
+                </a:tc>
+                <a:tc>
+                  <a:txBody>
+                    <a:bodyPr vert="horz" lIns="0" tIns="0" rIns="0" bIns="0" anchor="t" anchorCtr="0"/>
+                    <a:p>
+                      <a:pPr marL="0">
+                        <a:lnSpc>
+                          <a:spcPct val="100000"/>
+                        </a:lnSpc>
+                        <a:buNone/>
+                        <a:defRPr/>
+                      </a:pPr>
+                      <a:endParaRPr xmlns:mc="http://schemas.openxmlformats.org/markup-compatibility/2006" xmlns:hp="http://schemas.haansoft.com/office/presentation/8.0" kumimoji="0" sz="1400" b="0" i="0" u="none" strike="noStrike" kern="0" cap="none" normalizeH="0" baseline="0" mc:Ignorable="hp" hp:hslEmbossed="0">
+                        <a:solidFill>
+                          <a:srgbClr val="000000"/>
+                        </a:solidFill>
                         <a:latin typeface="Times New Roman"/>
                         <a:cs typeface="Times New Roman"/>
                       </a:endParaRPr>
                     </a:p>
                   </a:txBody>
-                  <a:tcPr marL="0" marR="0" marB="0" marT="0">
+                  <a:tcPr marL="0" marR="0" marT="0" marB="0">
                     <a:lnL w="12700">
                       <a:solidFill>
-                        <a:srgbClr val="000000"/>
+                        <a:srgbClr val="000000">
+                          <a:alpha val="100000"/>
+                        </a:srgbClr>
                       </a:solidFill>
                       <a:prstDash val="solid"/>
                     </a:lnL>
                     <a:lnR w="12700">
                       <a:solidFill>
-                        <a:srgbClr val="000000"/>
+                        <a:srgbClr val="000000">
+                          <a:alpha val="100000"/>
+                        </a:srgbClr>
                       </a:solidFill>
                       <a:prstDash val="solid"/>
                     </a:lnR>
                     <a:lnT w="12700">
                       <a:solidFill>
-                        <a:srgbClr val="000000"/>
+                        <a:srgbClr val="000000">
+                          <a:alpha val="100000"/>
+                        </a:srgbClr>
                       </a:solidFill>
                       <a:prstDash val="solid"/>
                     </a:lnT>
                     <a:lnB w="12700">
                       <a:solidFill>
-                        <a:srgbClr val="000000"/>
+                        <a:srgbClr val="000000">
+                          <a:alpha val="100000"/>
+                        </a:srgbClr>
                       </a:solidFill>
                       <a:prstDash val="solid"/>
                     </a:lnB>
                     <a:solidFill>
-                      <a:srgbClr val="FBE3D5"/>
+                      <a:srgbClr val="fbe3d5">
+                        <a:alpha val="100000"/>
+                      </a:srgbClr>
                     </a:solidFill>
                   </a:tcPr>
                 </a:tc>
                 <a:tc>
                   <a:txBody>
-                    <a:bodyPr/>
-                    <a:lstStyle/>
+                    <a:bodyPr vert="horz" lIns="0" tIns="0" rIns="0" bIns="0" anchor="t" anchorCtr="0"/>
                     <a:p>
-                      <a:pPr>
+                      <a:pPr marL="0">
                         <a:lnSpc>
                           <a:spcPct val="100000"/>
                         </a:lnSpc>
+                        <a:buNone/>
+                        <a:defRPr/>
                       </a:pPr>
-                      <a:endParaRPr sz="1400">
+                      <a:endParaRPr xmlns:mc="http://schemas.openxmlformats.org/markup-compatibility/2006" xmlns:hp="http://schemas.haansoft.com/office/presentation/8.0" kumimoji="0" sz="1400" b="0" i="0" u="none" strike="noStrike" kern="0" cap="none" normalizeH="0" baseline="0" mc:Ignorable="hp" hp:hslEmbossed="0">
+                        <a:solidFill>
+                          <a:srgbClr val="000000"/>
+                        </a:solidFill>
                         <a:latin typeface="Times New Roman"/>
                         <a:cs typeface="Times New Roman"/>
                       </a:endParaRPr>
                     </a:p>
                   </a:txBody>
-                  <a:tcPr marL="0" marR="0" marB="0" marT="0">
+                  <a:tcPr marL="0" marR="0" marT="0" marB="0">
                     <a:lnL w="12700">
                       <a:solidFill>
-                        <a:srgbClr val="000000"/>
+                        <a:srgbClr val="000000">
+                          <a:alpha val="100000"/>
+                        </a:srgbClr>
                       </a:solidFill>
                       <a:prstDash val="solid"/>
                     </a:lnL>
                     <a:lnR w="12700">
                       <a:solidFill>
-                        <a:srgbClr val="000000"/>
+                        <a:srgbClr val="000000">
+                          <a:alpha val="100000"/>
+                        </a:srgbClr>
                       </a:solidFill>
                       <a:prstDash val="solid"/>
                     </a:lnR>
                     <a:lnT w="12700">
                       <a:solidFill>
-                        <a:srgbClr val="000000"/>
+                        <a:srgbClr val="000000">
+                          <a:alpha val="100000"/>
+                        </a:srgbClr>
                       </a:solidFill>
                       <a:prstDash val="solid"/>
                     </a:lnT>
                     <a:lnB w="12700">
                       <a:solidFill>
-                        <a:srgbClr val="000000"/>
+                        <a:srgbClr val="000000">
+                          <a:alpha val="100000"/>
+                        </a:srgbClr>
                       </a:solidFill>
                       <a:prstDash val="solid"/>
                     </a:lnB>
                     <a:solidFill>
-                      <a:srgbClr val="FBE3D5"/>
-                    </a:solidFill>
-                  </a:tcPr>
-                </a:tc>
-                <a:tc>
-                  <a:txBody>
-                    <a:bodyPr/>
-                    <a:lstStyle/>
-                    <a:p>
-                      <a:pPr>
-                        <a:lnSpc>
-                          <a:spcPct val="100000"/>
-                        </a:lnSpc>
-                      </a:pPr>
-                      <a:endParaRPr sz="1400">
-                        <a:latin typeface="Times New Roman"/>
-                        <a:cs typeface="Times New Roman"/>
-                      </a:endParaRPr>
-                    </a:p>
-                  </a:txBody>
-                  <a:tcPr marL="0" marR="0" marB="0" marT="0">
-                    <a:lnL w="12700">
-                      <a:solidFill>
-                        <a:srgbClr val="000000"/>
-                      </a:solidFill>
-                      <a:prstDash val="solid"/>
-                    </a:lnL>
-                    <a:lnR w="12700">
-                      <a:solidFill>
-                        <a:srgbClr val="000000"/>
-                      </a:solidFill>
-                      <a:prstDash val="solid"/>
-                    </a:lnR>
-                    <a:lnT w="12700">
-                      <a:solidFill>
-                        <a:srgbClr val="000000"/>
-                      </a:solidFill>
-                      <a:prstDash val="solid"/>
-                    </a:lnT>
-                    <a:lnB w="12700">
-                      <a:solidFill>
-                        <a:srgbClr val="000000"/>
-                      </a:solidFill>
-                      <a:prstDash val="solid"/>
-                    </a:lnB>
-                    <a:solidFill>
-                      <a:srgbClr val="FBE3D5"/>
+                      <a:srgbClr val="fbe3d5">
+                        <a:alpha val="100000"/>
+                      </a:srgbClr>
                     </a:solidFill>
                   </a:tcPr>
                 </a:tc>
@@ -3035,15 +3711,15 @@
       </p:graphicFrame>
       <p:graphicFrame>
         <p:nvGraphicFramePr>
-          <p:cNvPr id="8" name="object 8" descr=""/>
+          <p:cNvPr id="63" name="object 7"/>
           <p:cNvGraphicFramePr>
             <a:graphicFrameLocks noGrp="1"/>
           </p:cNvGraphicFramePr>
           <p:nvPr/>
         </p:nvGraphicFramePr>
         <p:xfrm>
-          <a:off x="8538082" y="3934955"/>
-          <a:ext cx="2973705" cy="887094"/>
+          <a:off x="4589602" y="3934955"/>
+          <a:ext cx="2962275" cy="887094"/>
         </p:xfrm>
         <a:graphic>
           <a:graphicData uri="http://schemas.openxmlformats.org/drawingml/2006/table">
@@ -3059,139 +3735,181 @@
               <a:tr h="887094">
                 <a:tc>
                   <a:txBody>
-                    <a:bodyPr/>
-                    <a:lstStyle/>
+                    <a:bodyPr vert="horz" lIns="0" tIns="0" rIns="0" bIns="0" anchor="t" anchorCtr="0"/>
                     <a:p>
-                      <a:pPr>
+                      <a:pPr marL="0">
                         <a:lnSpc>
                           <a:spcPct val="100000"/>
                         </a:lnSpc>
+                        <a:buNone/>
+                        <a:defRPr/>
                       </a:pPr>
-                      <a:endParaRPr sz="1400">
+                      <a:endParaRPr xmlns:mc="http://schemas.openxmlformats.org/markup-compatibility/2006" xmlns:hp="http://schemas.haansoft.com/office/presentation/8.0" kumimoji="0" sz="1400" b="0" i="0" u="none" strike="noStrike" kern="0" cap="none" normalizeH="0" baseline="0" mc:Ignorable="hp" hp:hslEmbossed="0">
+                        <a:solidFill>
+                          <a:srgbClr val="000000"/>
+                        </a:solidFill>
                         <a:latin typeface="Times New Roman"/>
                         <a:cs typeface="Times New Roman"/>
                       </a:endParaRPr>
                     </a:p>
                   </a:txBody>
-                  <a:tcPr marL="0" marR="0" marB="0" marT="0">
+                  <a:tcPr marL="0" marR="0" marT="0" marB="0">
                     <a:lnL w="12700">
                       <a:solidFill>
-                        <a:srgbClr val="000000"/>
+                        <a:srgbClr val="000000">
+                          <a:alpha val="100000"/>
+                        </a:srgbClr>
                       </a:solidFill>
                       <a:prstDash val="solid"/>
                     </a:lnL>
                     <a:lnR w="12700">
                       <a:solidFill>
-                        <a:srgbClr val="000000"/>
+                        <a:srgbClr val="000000">
+                          <a:alpha val="100000"/>
+                        </a:srgbClr>
                       </a:solidFill>
                       <a:prstDash val="solid"/>
                     </a:lnR>
                     <a:lnT w="12700">
                       <a:solidFill>
-                        <a:srgbClr val="000000"/>
+                        <a:srgbClr val="000000">
+                          <a:alpha val="100000"/>
+                        </a:srgbClr>
                       </a:solidFill>
                       <a:prstDash val="solid"/>
                     </a:lnT>
                     <a:lnB w="12700">
                       <a:solidFill>
-                        <a:srgbClr val="000000"/>
+                        <a:srgbClr val="000000">
+                          <a:alpha val="100000"/>
+                        </a:srgbClr>
                       </a:solidFill>
                       <a:prstDash val="solid"/>
                     </a:lnB>
                     <a:solidFill>
-                      <a:srgbClr val="FBE3D5"/>
+                      <a:srgbClr val="fbe3d5">
+                        <a:alpha val="100000"/>
+                      </a:srgbClr>
                     </a:solidFill>
                   </a:tcPr>
                 </a:tc>
                 <a:tc>
                   <a:txBody>
-                    <a:bodyPr/>
-                    <a:lstStyle/>
+                    <a:bodyPr vert="horz" lIns="0" tIns="0" rIns="0" bIns="0" anchor="t" anchorCtr="0"/>
                     <a:p>
-                      <a:pPr>
+                      <a:pPr marL="0">
                         <a:lnSpc>
                           <a:spcPct val="100000"/>
                         </a:lnSpc>
+                        <a:buNone/>
+                        <a:defRPr/>
                       </a:pPr>
-                      <a:endParaRPr sz="1400">
+                      <a:endParaRPr xmlns:mc="http://schemas.openxmlformats.org/markup-compatibility/2006" xmlns:hp="http://schemas.haansoft.com/office/presentation/8.0" kumimoji="0" sz="1400" b="0" i="0" u="none" strike="noStrike" kern="0" cap="none" normalizeH="0" baseline="0" mc:Ignorable="hp" hp:hslEmbossed="0">
+                        <a:solidFill>
+                          <a:srgbClr val="000000"/>
+                        </a:solidFill>
                         <a:latin typeface="Times New Roman"/>
                         <a:cs typeface="Times New Roman"/>
                       </a:endParaRPr>
                     </a:p>
                   </a:txBody>
-                  <a:tcPr marL="0" marR="0" marB="0" marT="0">
+                  <a:tcPr marL="0" marR="0" marT="0" marB="0">
                     <a:lnL w="12700">
                       <a:solidFill>
-                        <a:srgbClr val="000000"/>
+                        <a:srgbClr val="000000">
+                          <a:alpha val="100000"/>
+                        </a:srgbClr>
                       </a:solidFill>
                       <a:prstDash val="solid"/>
                     </a:lnL>
                     <a:lnR w="12700">
                       <a:solidFill>
-                        <a:srgbClr val="000000"/>
+                        <a:srgbClr val="000000">
+                          <a:alpha val="100000"/>
+                        </a:srgbClr>
                       </a:solidFill>
                       <a:prstDash val="solid"/>
                     </a:lnR>
                     <a:lnT w="12700">
                       <a:solidFill>
-                        <a:srgbClr val="000000"/>
+                        <a:srgbClr val="000000">
+                          <a:alpha val="100000"/>
+                        </a:srgbClr>
                       </a:solidFill>
                       <a:prstDash val="solid"/>
                     </a:lnT>
                     <a:lnB w="12700">
                       <a:solidFill>
-                        <a:srgbClr val="000000"/>
+                        <a:srgbClr val="000000">
+                          <a:alpha val="100000"/>
+                        </a:srgbClr>
                       </a:solidFill>
                       <a:prstDash val="solid"/>
                     </a:lnB>
                     <a:solidFill>
-                      <a:srgbClr val="FBE3D5"/>
+                      <a:srgbClr val="fbe3d5">
+                        <a:alpha val="100000"/>
+                      </a:srgbClr>
                     </a:solidFill>
                   </a:tcPr>
                 </a:tc>
                 <a:tc>
                   <a:txBody>
-                    <a:bodyPr/>
-                    <a:lstStyle/>
+                    <a:bodyPr vert="horz" lIns="0" tIns="0" rIns="0" bIns="0" anchor="t" anchorCtr="0"/>
                     <a:p>
-                      <a:pPr>
+                      <a:pPr marL="0">
                         <a:lnSpc>
                           <a:spcPct val="100000"/>
                         </a:lnSpc>
+                        <a:buNone/>
+                        <a:defRPr/>
                       </a:pPr>
-                      <a:endParaRPr sz="1400">
+                      <a:endParaRPr xmlns:mc="http://schemas.openxmlformats.org/markup-compatibility/2006" xmlns:hp="http://schemas.haansoft.com/office/presentation/8.0" kumimoji="0" sz="1400" b="0" i="0" u="none" strike="noStrike" kern="0" cap="none" normalizeH="0" baseline="0" mc:Ignorable="hp" hp:hslEmbossed="0">
+                        <a:solidFill>
+                          <a:srgbClr val="000000"/>
+                        </a:solidFill>
                         <a:latin typeface="Times New Roman"/>
                         <a:cs typeface="Times New Roman"/>
                       </a:endParaRPr>
                     </a:p>
                   </a:txBody>
-                  <a:tcPr marL="0" marR="0" marB="0" marT="0">
+                  <a:tcPr marL="0" marR="0" marT="0" marB="0">
                     <a:lnL w="12700">
                       <a:solidFill>
-                        <a:srgbClr val="000000"/>
+                        <a:srgbClr val="000000">
+                          <a:alpha val="100000"/>
+                        </a:srgbClr>
                       </a:solidFill>
                       <a:prstDash val="solid"/>
                     </a:lnL>
                     <a:lnR w="12700">
                       <a:solidFill>
-                        <a:srgbClr val="000000"/>
+                        <a:srgbClr val="000000">
+                          <a:alpha val="100000"/>
+                        </a:srgbClr>
                       </a:solidFill>
                       <a:prstDash val="solid"/>
                     </a:lnR>
                     <a:lnT w="12700">
                       <a:solidFill>
-                        <a:srgbClr val="000000"/>
+                        <a:srgbClr val="000000">
+                          <a:alpha val="100000"/>
+                        </a:srgbClr>
                       </a:solidFill>
                       <a:prstDash val="solid"/>
                     </a:lnT>
                     <a:lnB w="12700">
                       <a:solidFill>
-                        <a:srgbClr val="000000"/>
+                        <a:srgbClr val="000000">
+                          <a:alpha val="100000"/>
+                        </a:srgbClr>
                       </a:solidFill>
                       <a:prstDash val="solid"/>
                     </a:lnB>
                     <a:solidFill>
-                      <a:srgbClr val="FBE3D5"/>
+                      <a:srgbClr val="fbe3d5">
+                        <a:alpha val="100000"/>
+                      </a:srgbClr>
                     </a:solidFill>
                   </a:tcPr>
                 </a:tc>
@@ -3200,65 +3918,17 @@
           </a:graphicData>
         </a:graphic>
       </p:graphicFrame>
-      <p:sp>
-        <p:nvSpPr>
-          <p:cNvPr id="9" name="object 9" descr=""/>
-          <p:cNvSpPr/>
-          <p:nvPr/>
-        </p:nvSpPr>
-        <p:spPr>
-          <a:xfrm>
-            <a:off x="12492659" y="3941051"/>
-            <a:ext cx="1976120" cy="889635"/>
-          </a:xfrm>
-          <a:custGeom>
-            <a:avLst/>
-            <a:gdLst/>
-            <a:ahLst/>
-            <a:cxnLst/>
-            <a:rect l="l" t="t" r="r" b="b"/>
-            <a:pathLst>
-              <a:path w="1976119" h="889635">
-                <a:moveTo>
-                  <a:pt x="1975764" y="0"/>
-                </a:moveTo>
-                <a:lnTo>
-                  <a:pt x="0" y="0"/>
-                </a:lnTo>
-                <a:lnTo>
-                  <a:pt x="0" y="889038"/>
-                </a:lnTo>
-                <a:lnTo>
-                  <a:pt x="1975764" y="889038"/>
-                </a:lnTo>
-                <a:lnTo>
-                  <a:pt x="1975764" y="0"/>
-                </a:lnTo>
-                <a:close/>
-              </a:path>
-            </a:pathLst>
-          </a:custGeom>
-          <a:solidFill>
-            <a:srgbClr val="FBE3D5"/>
-          </a:solidFill>
-        </p:spPr>
-        <p:txBody>
-          <a:bodyPr wrap="square" lIns="0" tIns="0" rIns="0" bIns="0" rtlCol="0"/>
-          <a:lstStyle/>
-          <a:p/>
-        </p:txBody>
-      </p:sp>
       <p:graphicFrame>
         <p:nvGraphicFramePr>
-          <p:cNvPr id="10" name="object 10" descr=""/>
+          <p:cNvPr id="64" name="object 8"/>
           <p:cNvGraphicFramePr>
             <a:graphicFrameLocks noGrp="1"/>
           </p:cNvGraphicFramePr>
           <p:nvPr/>
         </p:nvGraphicFramePr>
         <p:xfrm>
-          <a:off x="635019" y="5172602"/>
-          <a:ext cx="2985770" cy="887094"/>
+          <a:off x="8538082" y="3934955"/>
+          <a:ext cx="2962275" cy="887094"/>
         </p:xfrm>
         <a:graphic>
           <a:graphicData uri="http://schemas.openxmlformats.org/drawingml/2006/table">
@@ -3274,172 +3944,181 @@
               <a:tr h="887094">
                 <a:tc>
                   <a:txBody>
-                    <a:bodyPr/>
-                    <a:lstStyle/>
+                    <a:bodyPr vert="horz" lIns="0" tIns="0" rIns="0" bIns="0" anchor="t" anchorCtr="0"/>
                     <a:p>
-                      <a:pPr marL="29845">
+                      <a:pPr marL="0">
                         <a:lnSpc>
                           <a:spcPct val="100000"/>
                         </a:lnSpc>
-                        <a:spcBef>
-                          <a:spcPts val="155"/>
-                        </a:spcBef>
+                        <a:buNone/>
+                        <a:defRPr/>
                       </a:pPr>
-                      <a:r>
-                        <a:rPr dirty="0" sz="1400">
-                          <a:solidFill>
-                            <a:srgbClr val="9C5700"/>
-                          </a:solidFill>
-                          <a:latin typeface="Malgun Gothic"/>
-                          <a:cs typeface="Malgun Gothic"/>
-                        </a:rPr>
-                        <a:t>Release</a:t>
-                      </a:r>
-                      <a:r>
-                        <a:rPr dirty="0" sz="1400" spc="-5">
-                          <a:solidFill>
-                            <a:srgbClr val="9C5700"/>
-                          </a:solidFill>
-                          <a:latin typeface="Malgun Gothic"/>
-                          <a:cs typeface="Malgun Gothic"/>
-                        </a:rPr>
-                        <a:t> </a:t>
-                      </a:r>
-                      <a:r>
-                        <a:rPr dirty="0" sz="1400" spc="-50">
-                          <a:solidFill>
-                            <a:srgbClr val="9C5700"/>
-                          </a:solidFill>
-                          <a:latin typeface="Malgun Gothic"/>
-                          <a:cs typeface="Malgun Gothic"/>
-                        </a:rPr>
-                        <a:t>1</a:t>
-                      </a:r>
-                      <a:endParaRPr sz="1400">
-                        <a:latin typeface="Malgun Gothic"/>
-                        <a:cs typeface="Malgun Gothic"/>
+                      <a:endParaRPr xmlns:mc="http://schemas.openxmlformats.org/markup-compatibility/2006" xmlns:hp="http://schemas.haansoft.com/office/presentation/8.0" kumimoji="0" sz="1400" b="0" i="0" u="none" strike="noStrike" kern="0" cap="none" normalizeH="0" baseline="0" mc:Ignorable="hp" hp:hslEmbossed="0">
+                        <a:solidFill>
+                          <a:srgbClr val="000000"/>
+                        </a:solidFill>
+                        <a:latin typeface="Times New Roman"/>
+                        <a:cs typeface="Times New Roman"/>
                       </a:endParaRPr>
                     </a:p>
                   </a:txBody>
-                  <a:tcPr marL="0" marR="0" marB="0" marT="19685">
+                  <a:tcPr marL="0" marR="0" marT="0" marB="0">
                     <a:lnL w="12700">
                       <a:solidFill>
-                        <a:srgbClr val="000000"/>
+                        <a:srgbClr val="000000">
+                          <a:alpha val="100000"/>
+                        </a:srgbClr>
                       </a:solidFill>
                       <a:prstDash val="solid"/>
                     </a:lnL>
                     <a:lnR w="12700">
                       <a:solidFill>
-                        <a:srgbClr val="000000"/>
+                        <a:srgbClr val="000000">
+                          <a:alpha val="100000"/>
+                        </a:srgbClr>
                       </a:solidFill>
                       <a:prstDash val="solid"/>
                     </a:lnR>
                     <a:lnT w="12700">
                       <a:solidFill>
-                        <a:srgbClr val="000000"/>
+                        <a:srgbClr val="000000">
+                          <a:alpha val="100000"/>
+                        </a:srgbClr>
                       </a:solidFill>
                       <a:prstDash val="solid"/>
                     </a:lnT>
                     <a:lnB w="12700">
                       <a:solidFill>
-                        <a:srgbClr val="000000"/>
+                        <a:srgbClr val="000000">
+                          <a:alpha val="100000"/>
+                        </a:srgbClr>
                       </a:solidFill>
                       <a:prstDash val="solid"/>
                     </a:lnB>
                     <a:solidFill>
-                      <a:srgbClr val="FFEB9C"/>
+                      <a:srgbClr val="fbe3d5">
+                        <a:alpha val="100000"/>
+                      </a:srgbClr>
                     </a:solidFill>
                   </a:tcPr>
                 </a:tc>
                 <a:tc>
                   <a:txBody>
-                    <a:bodyPr/>
-                    <a:lstStyle/>
+                    <a:bodyPr vert="horz" lIns="0" tIns="0" rIns="0" bIns="0" anchor="t" anchorCtr="0"/>
                     <a:p>
-                      <a:pPr>
+                      <a:pPr marL="0">
                         <a:lnSpc>
                           <a:spcPct val="100000"/>
                         </a:lnSpc>
+                        <a:buNone/>
+                        <a:defRPr/>
                       </a:pPr>
-                      <a:endParaRPr sz="1400">
+                      <a:endParaRPr xmlns:mc="http://schemas.openxmlformats.org/markup-compatibility/2006" xmlns:hp="http://schemas.haansoft.com/office/presentation/8.0" kumimoji="0" sz="1400" b="0" i="0" u="none" strike="noStrike" kern="0" cap="none" normalizeH="0" baseline="0" mc:Ignorable="hp" hp:hslEmbossed="0">
+                        <a:solidFill>
+                          <a:srgbClr val="000000"/>
+                        </a:solidFill>
                         <a:latin typeface="Times New Roman"/>
                         <a:cs typeface="Times New Roman"/>
                       </a:endParaRPr>
                     </a:p>
                   </a:txBody>
-                  <a:tcPr marL="0" marR="0" marB="0" marT="0">
+                  <a:tcPr marL="0" marR="0" marT="0" marB="0">
                     <a:lnL w="12700">
                       <a:solidFill>
-                        <a:srgbClr val="000000"/>
+                        <a:srgbClr val="000000">
+                          <a:alpha val="100000"/>
+                        </a:srgbClr>
                       </a:solidFill>
                       <a:prstDash val="solid"/>
                     </a:lnL>
-                    <a:lnR w="28575">
-                      <a:solidFill>
-                        <a:srgbClr val="000000"/>
+                    <a:lnR w="12700">
+                      <a:solidFill>
+                        <a:srgbClr val="000000">
+                          <a:alpha val="100000"/>
+                        </a:srgbClr>
                       </a:solidFill>
                       <a:prstDash val="solid"/>
                     </a:lnR>
                     <a:lnT w="12700">
                       <a:solidFill>
-                        <a:srgbClr val="000000"/>
+                        <a:srgbClr val="000000">
+                          <a:alpha val="100000"/>
+                        </a:srgbClr>
                       </a:solidFill>
                       <a:prstDash val="solid"/>
                     </a:lnT>
                     <a:lnB w="12700">
                       <a:solidFill>
-                        <a:srgbClr val="000000"/>
+                        <a:srgbClr val="000000">
+                          <a:alpha val="100000"/>
+                        </a:srgbClr>
                       </a:solidFill>
                       <a:prstDash val="solid"/>
                     </a:lnB>
                     <a:solidFill>
-                      <a:srgbClr val="FFEB9C"/>
+                      <a:srgbClr val="fbe3d5">
+                        <a:alpha val="100000"/>
+                      </a:srgbClr>
                     </a:solidFill>
                   </a:tcPr>
                 </a:tc>
                 <a:tc>
                   <a:txBody>
-                    <a:bodyPr/>
-                    <a:lstStyle/>
+                    <a:bodyPr vert="horz" lIns="0" tIns="0" rIns="0" bIns="0" anchor="t" anchorCtr="0"/>
                     <a:p>
-                      <a:pPr>
+                      <a:pPr marL="0">
                         <a:lnSpc>
                           <a:spcPct val="100000"/>
                         </a:lnSpc>
+                        <a:buNone/>
+                        <a:defRPr/>
                       </a:pPr>
-                      <a:endParaRPr sz="1400">
+                      <a:endParaRPr xmlns:mc="http://schemas.openxmlformats.org/markup-compatibility/2006" xmlns:hp="http://schemas.haansoft.com/office/presentation/8.0" kumimoji="0" sz="1400" b="0" i="0" u="none" strike="noStrike" kern="0" cap="none" normalizeH="0" baseline="0" mc:Ignorable="hp" hp:hslEmbossed="0">
+                        <a:solidFill>
+                          <a:srgbClr val="000000"/>
+                        </a:solidFill>
                         <a:latin typeface="Times New Roman"/>
                         <a:cs typeface="Times New Roman"/>
                       </a:endParaRPr>
                     </a:p>
                   </a:txBody>
-                  <a:tcPr marL="0" marR="0" marB="0" marT="0">
-                    <a:lnL w="28575">
-                      <a:solidFill>
-                        <a:srgbClr val="000000"/>
+                  <a:tcPr marL="0" marR="0" marT="0" marB="0">
+                    <a:lnL w="12700">
+                      <a:solidFill>
+                        <a:srgbClr val="000000">
+                          <a:alpha val="100000"/>
+                        </a:srgbClr>
                       </a:solidFill>
                       <a:prstDash val="solid"/>
                     </a:lnL>
-                    <a:lnR w="28575">
-                      <a:solidFill>
-                        <a:srgbClr val="000000"/>
+                    <a:lnR w="12700">
+                      <a:solidFill>
+                        <a:srgbClr val="000000">
+                          <a:alpha val="100000"/>
+                        </a:srgbClr>
                       </a:solidFill>
                       <a:prstDash val="solid"/>
                     </a:lnR>
-                    <a:lnT w="28575">
-                      <a:solidFill>
-                        <a:srgbClr val="000000"/>
+                    <a:lnT w="12700">
+                      <a:solidFill>
+                        <a:srgbClr val="000000">
+                          <a:alpha val="100000"/>
+                        </a:srgbClr>
                       </a:solidFill>
                       <a:prstDash val="solid"/>
                     </a:lnT>
-                    <a:lnB w="28575">
-                      <a:solidFill>
-                        <a:srgbClr val="000000"/>
+                    <a:lnB w="12700">
+                      <a:solidFill>
+                        <a:srgbClr val="000000">
+                          <a:alpha val="100000"/>
+                        </a:srgbClr>
                       </a:solidFill>
                       <a:prstDash val="solid"/>
                     </a:lnB>
                     <a:solidFill>
-                      <a:srgbClr val="FFEB9C"/>
+                      <a:srgbClr val="fbe3d5">
+                        <a:alpha val="100000"/>
+                      </a:srgbClr>
                     </a:solidFill>
                   </a:tcPr>
                 </a:tc>
@@ -3450,116 +4129,18 @@
       </p:graphicFrame>
       <p:sp>
         <p:nvSpPr>
-          <p:cNvPr id="11" name="object 11" descr=""/>
+          <p:cNvPr id="65" name="object 9"/>
           <p:cNvSpPr/>
           <p:nvPr/>
         </p:nvSpPr>
         <p:spPr>
           <a:xfrm>
-            <a:off x="4595685" y="5184787"/>
-            <a:ext cx="2962910" cy="889635"/>
-          </a:xfrm>
-          <a:custGeom>
-            <a:avLst/>
-            <a:gdLst/>
-            <a:ahLst/>
-            <a:cxnLst/>
-            <a:rect l="l" t="t" r="r" b="b"/>
-            <a:pathLst>
-              <a:path w="2962909" h="889635">
-                <a:moveTo>
-                  <a:pt x="2962884" y="0"/>
-                </a:moveTo>
-                <a:lnTo>
-                  <a:pt x="0" y="0"/>
-                </a:lnTo>
-                <a:lnTo>
-                  <a:pt x="0" y="889038"/>
-                </a:lnTo>
-                <a:lnTo>
-                  <a:pt x="2962884" y="889038"/>
-                </a:lnTo>
-                <a:lnTo>
-                  <a:pt x="2962884" y="0"/>
-                </a:lnTo>
-                <a:close/>
-              </a:path>
-            </a:pathLst>
-          </a:custGeom>
-          <a:solidFill>
-            <a:srgbClr val="FFEB9C"/>
-          </a:solidFill>
-        </p:spPr>
-        <p:txBody>
-          <a:bodyPr wrap="square" lIns="0" tIns="0" rIns="0" bIns="0" rtlCol="0"/>
-          <a:lstStyle/>
-          <a:p/>
-        </p:txBody>
-      </p:sp>
-      <p:sp>
-        <p:nvSpPr>
-          <p:cNvPr id="12" name="object 12" descr=""/>
-          <p:cNvSpPr/>
-          <p:nvPr/>
-        </p:nvSpPr>
-        <p:spPr>
-          <a:xfrm>
-            <a:off x="8544179" y="5184787"/>
-            <a:ext cx="2962910" cy="889635"/>
-          </a:xfrm>
-          <a:custGeom>
-            <a:avLst/>
-            <a:gdLst/>
-            <a:ahLst/>
-            <a:cxnLst/>
-            <a:rect l="l" t="t" r="r" b="b"/>
-            <a:pathLst>
-              <a:path w="2962909" h="889635">
-                <a:moveTo>
-                  <a:pt x="2962884" y="0"/>
-                </a:moveTo>
-                <a:lnTo>
-                  <a:pt x="0" y="0"/>
-                </a:lnTo>
-                <a:lnTo>
-                  <a:pt x="0" y="889038"/>
-                </a:lnTo>
-                <a:lnTo>
-                  <a:pt x="2962884" y="889038"/>
-                </a:lnTo>
-                <a:lnTo>
-                  <a:pt x="2962884" y="0"/>
-                </a:lnTo>
-                <a:close/>
-              </a:path>
-            </a:pathLst>
-          </a:custGeom>
-          <a:solidFill>
-            <a:srgbClr val="FFEB9C"/>
-          </a:solidFill>
-        </p:spPr>
-        <p:txBody>
-          <a:bodyPr wrap="square" lIns="0" tIns="0" rIns="0" bIns="0" rtlCol="0"/>
-          <a:lstStyle/>
-          <a:p/>
-        </p:txBody>
-      </p:sp>
-      <p:sp>
-        <p:nvSpPr>
-          <p:cNvPr id="13" name="object 13" descr=""/>
-          <p:cNvSpPr/>
-          <p:nvPr/>
-        </p:nvSpPr>
-        <p:spPr>
-          <a:xfrm>
-            <a:off x="12492659" y="5184787"/>
+            <a:off x="12492659" y="3941051"/>
             <a:ext cx="1976120" cy="889635"/>
           </a:xfrm>
           <a:custGeom>
             <a:avLst/>
             <a:gdLst/>
-            <a:ahLst/>
-            <a:cxnLst/>
             <a:rect l="l" t="t" r="r" b="b"/>
             <a:pathLst>
               <a:path w="1976119" h="889635">
@@ -3583,26 +4164,36 @@
             </a:pathLst>
           </a:custGeom>
           <a:solidFill>
-            <a:srgbClr val="FFEB9C"/>
+            <a:srgbClr val="fbe3d5">
+              <a:alpha val="100000"/>
+            </a:srgbClr>
           </a:solidFill>
         </p:spPr>
         <p:txBody>
-          <a:bodyPr wrap="square" lIns="0" tIns="0" rIns="0" bIns="0" rtlCol="0"/>
-          <a:lstStyle/>
-          <a:p/>
+          <a:bodyPr wrap="square" lIns="0" tIns="0" rIns="0" bIns="0"/>
+          <a:p>
+            <a:pPr lvl="0">
+              <a:defRPr/>
+            </a:pPr>
+            <a:endParaRPr>
+              <a:solidFill>
+                <a:srgbClr val="000000"/>
+              </a:solidFill>
+            </a:endParaRPr>
+          </a:p>
         </p:txBody>
       </p:sp>
       <p:graphicFrame>
         <p:nvGraphicFramePr>
-          <p:cNvPr id="14" name="object 14" descr=""/>
+          <p:cNvPr id="66" name="object 10"/>
           <p:cNvGraphicFramePr>
             <a:graphicFrameLocks noGrp="1"/>
           </p:cNvGraphicFramePr>
           <p:nvPr/>
         </p:nvGraphicFramePr>
         <p:xfrm>
-          <a:off x="641108" y="6291529"/>
-          <a:ext cx="2973705" cy="887094"/>
+          <a:off x="635019" y="5172602"/>
+          <a:ext cx="2962275" cy="887094"/>
         </p:xfrm>
         <a:graphic>
           <a:graphicData uri="http://schemas.openxmlformats.org/drawingml/2006/table">
@@ -3618,8 +4209,7 @@
               <a:tr h="887094">
                 <a:tc>
                   <a:txBody>
-                    <a:bodyPr/>
-                    <a:lstStyle/>
+                    <a:bodyPr vert="horz" lIns="0" tIns="19685" rIns="0" bIns="0" anchor="t" anchorCtr="0"/>
                     <a:p>
                       <a:pPr marL="29845">
                         <a:lnSpc>
@@ -3628,162 +4218,205 @@
                         <a:spcBef>
                           <a:spcPts val="155"/>
                         </a:spcBef>
+                        <a:buNone/>
+                        <a:defRPr/>
                       </a:pPr>
                       <a:r>
-                        <a:rPr dirty="0" sz="1400">
+                        <a:rPr xmlns:mc="http://schemas.openxmlformats.org/markup-compatibility/2006" xmlns:hp="http://schemas.haansoft.com/office/presentation/8.0" kumimoji="0" sz="1400" b="0" i="0" u="none" strike="noStrike" kern="0" cap="none" normalizeH="0" baseline="0" mc:Ignorable="hp" hp:hslEmbossed="0">
                           <a:solidFill>
-                            <a:srgbClr val="9C5700"/>
+                            <a:srgbClr val="9c5700"/>
                           </a:solidFill>
-                          <a:latin typeface="Malgun Gothic"/>
-                          <a:cs typeface="Malgun Gothic"/>
+                          <a:latin typeface="맑은 고딕"/>
+                          <a:cs typeface="맑은 고딕"/>
                         </a:rPr>
                         <a:t>Release</a:t>
                       </a:r>
                       <a:r>
-                        <a:rPr dirty="0" sz="1400" spc="-5">
+                        <a:rPr xmlns:mc="http://schemas.openxmlformats.org/markup-compatibility/2006" xmlns:hp="http://schemas.haansoft.com/office/presentation/8.0" kumimoji="0" sz="1400" b="0" i="0" u="none" strike="noStrike" kern="0" cap="none" spc="-5" normalizeH="0" baseline="0" mc:Ignorable="hp" hp:hslEmbossed="0">
                           <a:solidFill>
-                            <a:srgbClr val="9C5700"/>
+                            <a:srgbClr val="9c5700"/>
                           </a:solidFill>
-                          <a:latin typeface="Malgun Gothic"/>
-                          <a:cs typeface="Malgun Gothic"/>
+                          <a:latin typeface="맑은 고딕"/>
+                          <a:cs typeface="맑은 고딕"/>
                         </a:rPr>
                         <a:t> </a:t>
                       </a:r>
                       <a:r>
-                        <a:rPr dirty="0" sz="1400" spc="-50">
+                        <a:rPr xmlns:mc="http://schemas.openxmlformats.org/markup-compatibility/2006" xmlns:hp="http://schemas.haansoft.com/office/presentation/8.0" kumimoji="0" sz="1400" b="0" i="0" u="none" strike="noStrike" kern="0" cap="none" spc="-50" normalizeH="0" baseline="0" mc:Ignorable="hp" hp:hslEmbossed="0">
                           <a:solidFill>
-                            <a:srgbClr val="9C5700"/>
+                            <a:srgbClr val="9c5700"/>
                           </a:solidFill>
-                          <a:latin typeface="Malgun Gothic"/>
-                          <a:cs typeface="Malgun Gothic"/>
+                          <a:latin typeface="맑은 고딕"/>
+                          <a:cs typeface="맑은 고딕"/>
                         </a:rPr>
-                        <a:t>2</a:t>
+                        <a:t>1</a:t>
                       </a:r>
-                      <a:endParaRPr sz="1400">
-                        <a:latin typeface="Malgun Gothic"/>
-                        <a:cs typeface="Malgun Gothic"/>
+                      <a:endParaRPr xmlns:mc="http://schemas.openxmlformats.org/markup-compatibility/2006" xmlns:hp="http://schemas.haansoft.com/office/presentation/8.0" kumimoji="0" sz="1400" b="0" i="0" u="none" strike="noStrike" kern="0" cap="none" normalizeH="0" baseline="0" mc:Ignorable="hp" hp:hslEmbossed="0">
+                        <a:solidFill>
+                          <a:srgbClr val="000000"/>
+                        </a:solidFill>
+                        <a:latin typeface="맑은 고딕"/>
+                        <a:cs typeface="맑은 고딕"/>
                       </a:endParaRPr>
                     </a:p>
                   </a:txBody>
-                  <a:tcPr marL="0" marR="0" marB="0" marT="19685">
+                  <a:tcPr marL="0" marR="0" marT="19685" marB="0">
                     <a:lnL w="12700">
                       <a:solidFill>
-                        <a:srgbClr val="000000"/>
+                        <a:srgbClr val="000000">
+                          <a:alpha val="100000"/>
+                        </a:srgbClr>
                       </a:solidFill>
                       <a:prstDash val="solid"/>
                     </a:lnL>
                     <a:lnR w="12700">
                       <a:solidFill>
-                        <a:srgbClr val="000000"/>
+                        <a:srgbClr val="000000">
+                          <a:alpha val="100000"/>
+                        </a:srgbClr>
                       </a:solidFill>
                       <a:prstDash val="solid"/>
                     </a:lnR>
                     <a:lnT w="12700">
                       <a:solidFill>
-                        <a:srgbClr val="000000"/>
+                        <a:srgbClr val="000000">
+                          <a:alpha val="100000"/>
+                        </a:srgbClr>
                       </a:solidFill>
                       <a:prstDash val="solid"/>
                     </a:lnT>
                     <a:lnB w="12700">
                       <a:solidFill>
-                        <a:srgbClr val="000000"/>
+                        <a:srgbClr val="000000">
+                          <a:alpha val="100000"/>
+                        </a:srgbClr>
                       </a:solidFill>
                       <a:prstDash val="solid"/>
                     </a:lnB>
                     <a:solidFill>
-                      <a:srgbClr val="FFEB9C"/>
+                      <a:srgbClr val="ffeb9c">
+                        <a:alpha val="100000"/>
+                      </a:srgbClr>
                     </a:solidFill>
                   </a:tcPr>
                 </a:tc>
                 <a:tc>
                   <a:txBody>
-                    <a:bodyPr/>
-                    <a:lstStyle/>
+                    <a:bodyPr vert="horz" lIns="0" tIns="0" rIns="0" bIns="0" anchor="t" anchorCtr="0"/>
                     <a:p>
-                      <a:pPr>
+                      <a:pPr marL="0">
                         <a:lnSpc>
                           <a:spcPct val="100000"/>
                         </a:lnSpc>
+                        <a:buNone/>
+                        <a:defRPr/>
                       </a:pPr>
-                      <a:endParaRPr sz="1400">
+                      <a:endParaRPr xmlns:mc="http://schemas.openxmlformats.org/markup-compatibility/2006" xmlns:hp="http://schemas.haansoft.com/office/presentation/8.0" kumimoji="0" sz="1400" b="0" i="0" u="none" strike="noStrike" kern="0" cap="none" normalizeH="0" baseline="0" mc:Ignorable="hp" hp:hslEmbossed="0">
+                        <a:solidFill>
+                          <a:srgbClr val="000000"/>
+                        </a:solidFill>
                         <a:latin typeface="Times New Roman"/>
                         <a:cs typeface="Times New Roman"/>
                       </a:endParaRPr>
                     </a:p>
                   </a:txBody>
-                  <a:tcPr marL="0" marR="0" marB="0" marT="0">
+                  <a:tcPr marL="0" marR="0" marT="0" marB="0">
                     <a:lnL w="12700">
                       <a:solidFill>
-                        <a:srgbClr val="000000"/>
+                        <a:srgbClr val="000000">
+                          <a:alpha val="100000"/>
+                        </a:srgbClr>
                       </a:solidFill>
                       <a:prstDash val="solid"/>
                     </a:lnL>
-                    <a:lnR w="12700">
-                      <a:solidFill>
-                        <a:srgbClr val="000000"/>
+                    <a:lnR w="28575">
+                      <a:solidFill>
+                        <a:srgbClr val="000000">
+                          <a:alpha val="100000"/>
+                        </a:srgbClr>
                       </a:solidFill>
                       <a:prstDash val="solid"/>
                     </a:lnR>
                     <a:lnT w="12700">
                       <a:solidFill>
-                        <a:srgbClr val="000000"/>
+                        <a:srgbClr val="000000">
+                          <a:alpha val="100000"/>
+                        </a:srgbClr>
                       </a:solidFill>
                       <a:prstDash val="solid"/>
                     </a:lnT>
                     <a:lnB w="12700">
                       <a:solidFill>
-                        <a:srgbClr val="000000"/>
+                        <a:srgbClr val="000000">
+                          <a:alpha val="100000"/>
+                        </a:srgbClr>
                       </a:solidFill>
                       <a:prstDash val="solid"/>
                     </a:lnB>
                     <a:solidFill>
-                      <a:srgbClr val="FFEB9C"/>
+                      <a:srgbClr val="ffeb9c">
+                        <a:alpha val="100000"/>
+                      </a:srgbClr>
                     </a:solidFill>
                   </a:tcPr>
                 </a:tc>
                 <a:tc>
                   <a:txBody>
-                    <a:bodyPr/>
-                    <a:lstStyle/>
+                    <a:bodyPr vert="horz" lIns="0" tIns="0" rIns="0" bIns="0" anchor="t" anchorCtr="0"/>
                     <a:p>
-                      <a:pPr>
+                      <a:pPr marL="0">
                         <a:lnSpc>
                           <a:spcPct val="100000"/>
                         </a:lnSpc>
+                        <a:buNone/>
+                        <a:defRPr/>
                       </a:pPr>
-                      <a:endParaRPr sz="1400">
+                      <a:endParaRPr xmlns:mc="http://schemas.openxmlformats.org/markup-compatibility/2006" xmlns:hp="http://schemas.haansoft.com/office/presentation/8.0" kumimoji="0" sz="1400" b="0" i="0" u="none" strike="noStrike" kern="0" cap="none" normalizeH="0" baseline="0" mc:Ignorable="hp" hp:hslEmbossed="0">
+                        <a:solidFill>
+                          <a:srgbClr val="000000"/>
+                        </a:solidFill>
                         <a:latin typeface="Times New Roman"/>
                         <a:cs typeface="Times New Roman"/>
                       </a:endParaRPr>
                     </a:p>
                   </a:txBody>
-                  <a:tcPr marL="0" marR="0" marB="0" marT="0">
-                    <a:lnL w="12700">
-                      <a:solidFill>
-                        <a:srgbClr val="000000"/>
+                  <a:tcPr marL="0" marR="0" marT="0" marB="0">
+                    <a:lnL w="28575">
+                      <a:solidFill>
+                        <a:srgbClr val="000000">
+                          <a:alpha val="100000"/>
+                        </a:srgbClr>
                       </a:solidFill>
                       <a:prstDash val="solid"/>
                     </a:lnL>
-                    <a:lnR w="12700">
-                      <a:solidFill>
-                        <a:srgbClr val="000000"/>
+                    <a:lnR w="28575">
+                      <a:solidFill>
+                        <a:srgbClr val="000000">
+                          <a:alpha val="100000"/>
+                        </a:srgbClr>
                       </a:solidFill>
                       <a:prstDash val="solid"/>
                     </a:lnR>
-                    <a:lnT w="12700">
-                      <a:solidFill>
-                        <a:srgbClr val="000000"/>
+                    <a:lnT w="28575">
+                      <a:solidFill>
+                        <a:srgbClr val="000000">
+                          <a:alpha val="100000"/>
+                        </a:srgbClr>
                       </a:solidFill>
                       <a:prstDash val="solid"/>
                     </a:lnT>
-                    <a:lnB w="12700">
-                      <a:solidFill>
-                        <a:srgbClr val="000000"/>
+                    <a:lnB w="28575">
+                      <a:solidFill>
+                        <a:srgbClr val="000000">
+                          <a:alpha val="100000"/>
+                        </a:srgbClr>
                       </a:solidFill>
                       <a:prstDash val="solid"/>
                     </a:lnB>
                     <a:solidFill>
-                      <a:srgbClr val="FFEB9C"/>
+                      <a:srgbClr val="ffeb9c">
+                        <a:alpha val="100000"/>
+                      </a:srgbClr>
                     </a:solidFill>
                   </a:tcPr>
                 </a:tc>
@@ -3794,23 +4427,133 @@
       </p:graphicFrame>
       <p:sp>
         <p:nvSpPr>
-          <p:cNvPr id="15" name="object 15" descr=""/>
+          <p:cNvPr id="67" name="object 11"/>
           <p:cNvSpPr/>
           <p:nvPr/>
         </p:nvSpPr>
         <p:spPr>
           <a:xfrm>
-            <a:off x="4595685" y="6297625"/>
+            <a:off x="4595685" y="5184787"/>
+            <a:ext cx="2962910" cy="889635"/>
+          </a:xfrm>
+          <a:custGeom>
+            <a:avLst/>
+            <a:gdLst/>
+            <a:rect l="l" t="t" r="r" b="b"/>
+            <a:pathLst>
+              <a:path w="2962909" h="889635">
+                <a:moveTo>
+                  <a:pt x="2962884" y="0"/>
+                </a:moveTo>
+                <a:lnTo>
+                  <a:pt x="0" y="0"/>
+                </a:lnTo>
+                <a:lnTo>
+                  <a:pt x="0" y="889038"/>
+                </a:lnTo>
+                <a:lnTo>
+                  <a:pt x="2962884" y="889038"/>
+                </a:lnTo>
+                <a:lnTo>
+                  <a:pt x="2962884" y="0"/>
+                </a:lnTo>
+                <a:close/>
+              </a:path>
+            </a:pathLst>
+          </a:custGeom>
+          <a:solidFill>
+            <a:srgbClr val="ffeb9c">
+              <a:alpha val="100000"/>
+            </a:srgbClr>
+          </a:solidFill>
+        </p:spPr>
+        <p:txBody>
+          <a:bodyPr wrap="square" lIns="0" tIns="0" rIns="0" bIns="0"/>
+          <a:p>
+            <a:pPr lvl="0">
+              <a:defRPr/>
+            </a:pPr>
+            <a:endParaRPr>
+              <a:solidFill>
+                <a:srgbClr val="000000"/>
+              </a:solidFill>
+            </a:endParaRPr>
+          </a:p>
+        </p:txBody>
+      </p:sp>
+      <p:sp>
+        <p:nvSpPr>
+          <p:cNvPr id="68" name="object 12"/>
+          <p:cNvSpPr/>
+          <p:nvPr/>
+        </p:nvSpPr>
+        <p:spPr>
+          <a:xfrm>
+            <a:off x="8544179" y="5184787"/>
+            <a:ext cx="2962910" cy="889635"/>
+          </a:xfrm>
+          <a:custGeom>
+            <a:avLst/>
+            <a:gdLst/>
+            <a:rect l="l" t="t" r="r" b="b"/>
+            <a:pathLst>
+              <a:path w="2962909" h="889635">
+                <a:moveTo>
+                  <a:pt x="2962884" y="0"/>
+                </a:moveTo>
+                <a:lnTo>
+                  <a:pt x="0" y="0"/>
+                </a:lnTo>
+                <a:lnTo>
+                  <a:pt x="0" y="889038"/>
+                </a:lnTo>
+                <a:lnTo>
+                  <a:pt x="2962884" y="889038"/>
+                </a:lnTo>
+                <a:lnTo>
+                  <a:pt x="2962884" y="0"/>
+                </a:lnTo>
+                <a:close/>
+              </a:path>
+            </a:pathLst>
+          </a:custGeom>
+          <a:solidFill>
+            <a:srgbClr val="ffeb9c">
+              <a:alpha val="100000"/>
+            </a:srgbClr>
+          </a:solidFill>
+        </p:spPr>
+        <p:txBody>
+          <a:bodyPr wrap="square" lIns="0" tIns="0" rIns="0" bIns="0"/>
+          <a:p>
+            <a:pPr lvl="0">
+              <a:defRPr/>
+            </a:pPr>
+            <a:endParaRPr>
+              <a:solidFill>
+                <a:srgbClr val="000000"/>
+              </a:solidFill>
+            </a:endParaRPr>
+          </a:p>
+        </p:txBody>
+      </p:sp>
+      <p:sp>
+        <p:nvSpPr>
+          <p:cNvPr id="69" name="object 13"/>
+          <p:cNvSpPr/>
+          <p:nvPr/>
+        </p:nvSpPr>
+        <p:spPr>
+          <a:xfrm>
+            <a:off x="12492659" y="5184787"/>
             <a:ext cx="1976120" cy="889635"/>
           </a:xfrm>
           <a:custGeom>
             <a:avLst/>
             <a:gdLst/>
-            <a:ahLst/>
-            <a:cxnLst/>
             <a:rect l="l" t="t" r="r" b="b"/>
             <a:pathLst>
-              <a:path w="1976120" h="889634">
+              <a:path w="1976119" h="889635">
                 <a:moveTo>
                   <a:pt x="1975764" y="0"/>
                 </a:moveTo>
@@ -3831,26 +4574,36 @@
             </a:pathLst>
           </a:custGeom>
           <a:solidFill>
-            <a:srgbClr val="FFEB9C"/>
+            <a:srgbClr val="ffeb9c">
+              <a:alpha val="100000"/>
+            </a:srgbClr>
           </a:solidFill>
         </p:spPr>
         <p:txBody>
-          <a:bodyPr wrap="square" lIns="0" tIns="0" rIns="0" bIns="0" rtlCol="0"/>
-          <a:lstStyle/>
-          <a:p/>
+          <a:bodyPr wrap="square" lIns="0" tIns="0" rIns="0" bIns="0"/>
+          <a:p>
+            <a:pPr lvl="0">
+              <a:defRPr/>
+            </a:pPr>
+            <a:endParaRPr>
+              <a:solidFill>
+                <a:srgbClr val="000000"/>
+              </a:solidFill>
+            </a:endParaRPr>
+          </a:p>
         </p:txBody>
       </p:sp>
       <p:graphicFrame>
         <p:nvGraphicFramePr>
-          <p:cNvPr id="16" name="object 16" descr=""/>
+          <p:cNvPr id="70" name="object 14"/>
           <p:cNvGraphicFramePr>
             <a:graphicFrameLocks noGrp="1"/>
           </p:cNvGraphicFramePr>
           <p:nvPr/>
         </p:nvGraphicFramePr>
         <p:xfrm>
-          <a:off x="8538082" y="6291529"/>
-          <a:ext cx="2973705" cy="887094"/>
+          <a:off x="641108" y="6291529"/>
+          <a:ext cx="2962275" cy="887094"/>
         </p:xfrm>
         <a:graphic>
           <a:graphicData uri="http://schemas.openxmlformats.org/drawingml/2006/table">
@@ -3866,139 +4619,214 @@
               <a:tr h="887094">
                 <a:tc>
                   <a:txBody>
-                    <a:bodyPr/>
-                    <a:lstStyle/>
+                    <a:bodyPr vert="horz" lIns="0" tIns="19685" rIns="0" bIns="0" anchor="t" anchorCtr="0"/>
                     <a:p>
-                      <a:pPr>
+                      <a:pPr marL="29845">
                         <a:lnSpc>
                           <a:spcPct val="100000"/>
                         </a:lnSpc>
+                        <a:spcBef>
+                          <a:spcPts val="155"/>
+                        </a:spcBef>
+                        <a:buNone/>
+                        <a:defRPr/>
                       </a:pPr>
-                      <a:endParaRPr sz="1400">
+                      <a:r>
+                        <a:rPr xmlns:mc="http://schemas.openxmlformats.org/markup-compatibility/2006" xmlns:hp="http://schemas.haansoft.com/office/presentation/8.0" kumimoji="0" sz="1400" b="0" i="0" u="none" strike="noStrike" kern="0" cap="none" normalizeH="0" baseline="0" mc:Ignorable="hp" hp:hslEmbossed="0">
+                          <a:solidFill>
+                            <a:srgbClr val="9c5700"/>
+                          </a:solidFill>
+                          <a:latin typeface="맑은 고딕"/>
+                          <a:cs typeface="맑은 고딕"/>
+                        </a:rPr>
+                        <a:t>Release</a:t>
+                      </a:r>
+                      <a:r>
+                        <a:rPr xmlns:mc="http://schemas.openxmlformats.org/markup-compatibility/2006" xmlns:hp="http://schemas.haansoft.com/office/presentation/8.0" kumimoji="0" sz="1400" b="0" i="0" u="none" strike="noStrike" kern="0" cap="none" spc="-5" normalizeH="0" baseline="0" mc:Ignorable="hp" hp:hslEmbossed="0">
+                          <a:solidFill>
+                            <a:srgbClr val="9c5700"/>
+                          </a:solidFill>
+                          <a:latin typeface="맑은 고딕"/>
+                          <a:cs typeface="맑은 고딕"/>
+                        </a:rPr>
+                        <a:t> </a:t>
+                      </a:r>
+                      <a:r>
+                        <a:rPr xmlns:mc="http://schemas.openxmlformats.org/markup-compatibility/2006" xmlns:hp="http://schemas.haansoft.com/office/presentation/8.0" kumimoji="0" sz="1400" b="0" i="0" u="none" strike="noStrike" kern="0" cap="none" spc="-50" normalizeH="0" baseline="0" mc:Ignorable="hp" hp:hslEmbossed="0">
+                          <a:solidFill>
+                            <a:srgbClr val="9c5700"/>
+                          </a:solidFill>
+                          <a:latin typeface="맑은 고딕"/>
+                          <a:cs typeface="맑은 고딕"/>
+                        </a:rPr>
+                        <a:t>2</a:t>
+                      </a:r>
+                      <a:endParaRPr xmlns:mc="http://schemas.openxmlformats.org/markup-compatibility/2006" xmlns:hp="http://schemas.haansoft.com/office/presentation/8.0" kumimoji="0" sz="1400" b="0" i="0" u="none" strike="noStrike" kern="0" cap="none" normalizeH="0" baseline="0" mc:Ignorable="hp" hp:hslEmbossed="0">
+                        <a:solidFill>
+                          <a:srgbClr val="000000"/>
+                        </a:solidFill>
+                        <a:latin typeface="맑은 고딕"/>
+                        <a:cs typeface="맑은 고딕"/>
+                      </a:endParaRPr>
+                    </a:p>
+                  </a:txBody>
+                  <a:tcPr marL="0" marR="0" marT="19685" marB="0">
+                    <a:lnL w="12700">
+                      <a:solidFill>
+                        <a:srgbClr val="000000">
+                          <a:alpha val="100000"/>
+                        </a:srgbClr>
+                      </a:solidFill>
+                      <a:prstDash val="solid"/>
+                    </a:lnL>
+                    <a:lnR w="12700">
+                      <a:solidFill>
+                        <a:srgbClr val="000000">
+                          <a:alpha val="100000"/>
+                        </a:srgbClr>
+                      </a:solidFill>
+                      <a:prstDash val="solid"/>
+                    </a:lnR>
+                    <a:lnT w="12700">
+                      <a:solidFill>
+                        <a:srgbClr val="000000">
+                          <a:alpha val="100000"/>
+                        </a:srgbClr>
+                      </a:solidFill>
+                      <a:prstDash val="solid"/>
+                    </a:lnT>
+                    <a:lnB w="12700">
+                      <a:solidFill>
+                        <a:srgbClr val="000000">
+                          <a:alpha val="100000"/>
+                        </a:srgbClr>
+                      </a:solidFill>
+                      <a:prstDash val="solid"/>
+                    </a:lnB>
+                    <a:solidFill>
+                      <a:srgbClr val="ffeb9c">
+                        <a:alpha val="100000"/>
+                      </a:srgbClr>
+                    </a:solidFill>
+                  </a:tcPr>
+                </a:tc>
+                <a:tc>
+                  <a:txBody>
+                    <a:bodyPr vert="horz" lIns="0" tIns="0" rIns="0" bIns="0" anchor="t" anchorCtr="0"/>
+                    <a:p>
+                      <a:pPr marL="0">
+                        <a:lnSpc>
+                          <a:spcPct val="100000"/>
+                        </a:lnSpc>
+                        <a:buNone/>
+                        <a:defRPr/>
+                      </a:pPr>
+                      <a:endParaRPr xmlns:mc="http://schemas.openxmlformats.org/markup-compatibility/2006" xmlns:hp="http://schemas.haansoft.com/office/presentation/8.0" kumimoji="0" sz="1400" b="0" i="0" u="none" strike="noStrike" kern="0" cap="none" normalizeH="0" baseline="0" mc:Ignorable="hp" hp:hslEmbossed="0">
+                        <a:solidFill>
+                          <a:srgbClr val="000000"/>
+                        </a:solidFill>
                         <a:latin typeface="Times New Roman"/>
                         <a:cs typeface="Times New Roman"/>
                       </a:endParaRPr>
                     </a:p>
                   </a:txBody>
-                  <a:tcPr marL="0" marR="0" marB="0" marT="0">
+                  <a:tcPr marL="0" marR="0" marT="0" marB="0">
                     <a:lnL w="12700">
                       <a:solidFill>
-                        <a:srgbClr val="000000"/>
+                        <a:srgbClr val="000000">
+                          <a:alpha val="100000"/>
+                        </a:srgbClr>
                       </a:solidFill>
                       <a:prstDash val="solid"/>
                     </a:lnL>
                     <a:lnR w="12700">
                       <a:solidFill>
-                        <a:srgbClr val="000000"/>
+                        <a:srgbClr val="000000">
+                          <a:alpha val="100000"/>
+                        </a:srgbClr>
                       </a:solidFill>
                       <a:prstDash val="solid"/>
                     </a:lnR>
                     <a:lnT w="12700">
                       <a:solidFill>
-                        <a:srgbClr val="000000"/>
+                        <a:srgbClr val="000000">
+                          <a:alpha val="100000"/>
+                        </a:srgbClr>
                       </a:solidFill>
                       <a:prstDash val="solid"/>
                     </a:lnT>
                     <a:lnB w="12700">
                       <a:solidFill>
-                        <a:srgbClr val="000000"/>
+                        <a:srgbClr val="000000">
+                          <a:alpha val="100000"/>
+                        </a:srgbClr>
                       </a:solidFill>
                       <a:prstDash val="solid"/>
                     </a:lnB>
                     <a:solidFill>
-                      <a:srgbClr val="FFEB9C"/>
+                      <a:srgbClr val="ffeb9c">
+                        <a:alpha val="100000"/>
+                      </a:srgbClr>
                     </a:solidFill>
                   </a:tcPr>
                 </a:tc>
                 <a:tc>
                   <a:txBody>
-                    <a:bodyPr/>
-                    <a:lstStyle/>
+                    <a:bodyPr vert="horz" lIns="0" tIns="0" rIns="0" bIns="0" anchor="t" anchorCtr="0"/>
                     <a:p>
-                      <a:pPr>
+                      <a:pPr marL="0">
                         <a:lnSpc>
                           <a:spcPct val="100000"/>
                         </a:lnSpc>
+                        <a:buNone/>
+                        <a:defRPr/>
                       </a:pPr>
-                      <a:endParaRPr sz="1400">
+                      <a:endParaRPr xmlns:mc="http://schemas.openxmlformats.org/markup-compatibility/2006" xmlns:hp="http://schemas.haansoft.com/office/presentation/8.0" kumimoji="0" sz="1400" b="0" i="0" u="none" strike="noStrike" kern="0" cap="none" normalizeH="0" baseline="0" mc:Ignorable="hp" hp:hslEmbossed="0">
+                        <a:solidFill>
+                          <a:srgbClr val="000000"/>
+                        </a:solidFill>
                         <a:latin typeface="Times New Roman"/>
                         <a:cs typeface="Times New Roman"/>
                       </a:endParaRPr>
                     </a:p>
                   </a:txBody>
-                  <a:tcPr marL="0" marR="0" marB="0" marT="0">
+                  <a:tcPr marL="0" marR="0" marT="0" marB="0">
                     <a:lnL w="12700">
                       <a:solidFill>
-                        <a:srgbClr val="000000"/>
+                        <a:srgbClr val="000000">
+                          <a:alpha val="100000"/>
+                        </a:srgbClr>
                       </a:solidFill>
                       <a:prstDash val="solid"/>
                     </a:lnL>
                     <a:lnR w="12700">
                       <a:solidFill>
-                        <a:srgbClr val="000000"/>
+                        <a:srgbClr val="000000">
+                          <a:alpha val="100000"/>
+                        </a:srgbClr>
                       </a:solidFill>
                       <a:prstDash val="solid"/>
                     </a:lnR>
                     <a:lnT w="12700">
                       <a:solidFill>
-                        <a:srgbClr val="000000"/>
+                        <a:srgbClr val="000000">
+                          <a:alpha val="100000"/>
+                        </a:srgbClr>
                       </a:solidFill>
                       <a:prstDash val="solid"/>
                     </a:lnT>
                     <a:lnB w="12700">
                       <a:solidFill>
-                        <a:srgbClr val="000000"/>
+                        <a:srgbClr val="000000">
+                          <a:alpha val="100000"/>
+                        </a:srgbClr>
                       </a:solidFill>
                       <a:prstDash val="solid"/>
                     </a:lnB>
                     <a:solidFill>
-                      <a:srgbClr val="FFEB9C"/>
-                    </a:solidFill>
-                  </a:tcPr>
-                </a:tc>
-                <a:tc>
-                  <a:txBody>
-                    <a:bodyPr/>
-                    <a:lstStyle/>
-                    <a:p>
-                      <a:pPr>
-                        <a:lnSpc>
-                          <a:spcPct val="100000"/>
-                        </a:lnSpc>
-                      </a:pPr>
-                      <a:endParaRPr sz="1400">
-                        <a:latin typeface="Times New Roman"/>
-                        <a:cs typeface="Times New Roman"/>
-                      </a:endParaRPr>
-                    </a:p>
-                  </a:txBody>
-                  <a:tcPr marL="0" marR="0" marB="0" marT="0">
-                    <a:lnL w="12700">
-                      <a:solidFill>
-                        <a:srgbClr val="000000"/>
-                      </a:solidFill>
-                      <a:prstDash val="solid"/>
-                    </a:lnL>
-                    <a:lnR w="12700">
-                      <a:solidFill>
-                        <a:srgbClr val="000000"/>
-                      </a:solidFill>
-                      <a:prstDash val="solid"/>
-                    </a:lnR>
-                    <a:lnT w="12700">
-                      <a:solidFill>
-                        <a:srgbClr val="000000"/>
-                      </a:solidFill>
-                      <a:prstDash val="solid"/>
-                    </a:lnT>
-                    <a:lnB w="12700">
-                      <a:solidFill>
-                        <a:srgbClr val="000000"/>
-                      </a:solidFill>
-                      <a:prstDash val="solid"/>
-                    </a:lnB>
-                    <a:solidFill>
-                      <a:srgbClr val="FFEB9C"/>
+                      <a:srgbClr val="ffeb9c">
+                        <a:alpha val="100000"/>
+                      </a:srgbClr>
                     </a:solidFill>
                   </a:tcPr>
                 </a:tc>
@@ -4009,7 +4837,272 @@
       </p:graphicFrame>
       <p:sp>
         <p:nvSpPr>
-          <p:cNvPr id="17" name="object 17" descr=""/>
+          <p:cNvPr id="71" name="object 15"/>
+          <p:cNvSpPr/>
+          <p:nvPr/>
+        </p:nvSpPr>
+        <p:spPr>
+          <a:xfrm>
+            <a:off x="4595685" y="6297625"/>
+            <a:ext cx="1976120" cy="889635"/>
+          </a:xfrm>
+          <a:custGeom>
+            <a:avLst/>
+            <a:gdLst/>
+            <a:rect l="l" t="t" r="r" b="b"/>
+            <a:pathLst>
+              <a:path w="1976120" h="889634">
+                <a:moveTo>
+                  <a:pt x="1975764" y="0"/>
+                </a:moveTo>
+                <a:lnTo>
+                  <a:pt x="0" y="0"/>
+                </a:lnTo>
+                <a:lnTo>
+                  <a:pt x="0" y="889038"/>
+                </a:lnTo>
+                <a:lnTo>
+                  <a:pt x="1975764" y="889038"/>
+                </a:lnTo>
+                <a:lnTo>
+                  <a:pt x="1975764" y="0"/>
+                </a:lnTo>
+                <a:close/>
+              </a:path>
+            </a:pathLst>
+          </a:custGeom>
+          <a:solidFill>
+            <a:srgbClr val="ffeb9c">
+              <a:alpha val="100000"/>
+            </a:srgbClr>
+          </a:solidFill>
+        </p:spPr>
+        <p:txBody>
+          <a:bodyPr wrap="square" lIns="0" tIns="0" rIns="0" bIns="0"/>
+          <a:p>
+            <a:pPr lvl="0">
+              <a:defRPr/>
+            </a:pPr>
+            <a:endParaRPr>
+              <a:solidFill>
+                <a:srgbClr val="000000"/>
+              </a:solidFill>
+            </a:endParaRPr>
+          </a:p>
+        </p:txBody>
+      </p:sp>
+      <p:graphicFrame>
+        <p:nvGraphicFramePr>
+          <p:cNvPr id="72" name="object 16"/>
+          <p:cNvGraphicFramePr>
+            <a:graphicFrameLocks noGrp="1"/>
+          </p:cNvGraphicFramePr>
+          <p:nvPr/>
+        </p:nvGraphicFramePr>
+        <p:xfrm>
+          <a:off x="8538082" y="6291529"/>
+          <a:ext cx="2962275" cy="887094"/>
+        </p:xfrm>
+        <a:graphic>
+          <a:graphicData uri="http://schemas.openxmlformats.org/drawingml/2006/table">
+            <a:tbl>
+              <a:tblPr firstRow="1" bandRow="1">
+                <a:tableStyleId>{2D5ABB26-0587-4C30-8999-92F81FD0307C}</a:tableStyleId>
+              </a:tblPr>
+              <a:tblGrid>
+                <a:gridCol w="987425"/>
+                <a:gridCol w="987425"/>
+                <a:gridCol w="987425"/>
+              </a:tblGrid>
+              <a:tr h="887094">
+                <a:tc>
+                  <a:txBody>
+                    <a:bodyPr vert="horz" lIns="0" tIns="0" rIns="0" bIns="0" anchor="t" anchorCtr="0"/>
+                    <a:p>
+                      <a:pPr marL="0">
+                        <a:lnSpc>
+                          <a:spcPct val="100000"/>
+                        </a:lnSpc>
+                        <a:buNone/>
+                        <a:defRPr/>
+                      </a:pPr>
+                      <a:endParaRPr xmlns:mc="http://schemas.openxmlformats.org/markup-compatibility/2006" xmlns:hp="http://schemas.haansoft.com/office/presentation/8.0" kumimoji="0" sz="1400" b="0" i="0" u="none" strike="noStrike" kern="0" cap="none" normalizeH="0" baseline="0" mc:Ignorable="hp" hp:hslEmbossed="0">
+                        <a:solidFill>
+                          <a:srgbClr val="000000"/>
+                        </a:solidFill>
+                        <a:latin typeface="Times New Roman"/>
+                        <a:cs typeface="Times New Roman"/>
+                      </a:endParaRPr>
+                    </a:p>
+                  </a:txBody>
+                  <a:tcPr marL="0" marR="0" marT="0" marB="0">
+                    <a:lnL w="12700">
+                      <a:solidFill>
+                        <a:srgbClr val="000000">
+                          <a:alpha val="100000"/>
+                        </a:srgbClr>
+                      </a:solidFill>
+                      <a:prstDash val="solid"/>
+                    </a:lnL>
+                    <a:lnR w="12700">
+                      <a:solidFill>
+                        <a:srgbClr val="000000">
+                          <a:alpha val="100000"/>
+                        </a:srgbClr>
+                      </a:solidFill>
+                      <a:prstDash val="solid"/>
+                    </a:lnR>
+                    <a:lnT w="12700">
+                      <a:solidFill>
+                        <a:srgbClr val="000000">
+                          <a:alpha val="100000"/>
+                        </a:srgbClr>
+                      </a:solidFill>
+                      <a:prstDash val="solid"/>
+                    </a:lnT>
+                    <a:lnB w="12700">
+                      <a:solidFill>
+                        <a:srgbClr val="000000">
+                          <a:alpha val="100000"/>
+                        </a:srgbClr>
+                      </a:solidFill>
+                      <a:prstDash val="solid"/>
+                    </a:lnB>
+                    <a:solidFill>
+                      <a:srgbClr val="ffeb9c">
+                        <a:alpha val="100000"/>
+                      </a:srgbClr>
+                    </a:solidFill>
+                  </a:tcPr>
+                </a:tc>
+                <a:tc>
+                  <a:txBody>
+                    <a:bodyPr vert="horz" lIns="0" tIns="0" rIns="0" bIns="0" anchor="t" anchorCtr="0"/>
+                    <a:p>
+                      <a:pPr marL="0">
+                        <a:lnSpc>
+                          <a:spcPct val="100000"/>
+                        </a:lnSpc>
+                        <a:buNone/>
+                        <a:defRPr/>
+                      </a:pPr>
+                      <a:endParaRPr xmlns:mc="http://schemas.openxmlformats.org/markup-compatibility/2006" xmlns:hp="http://schemas.haansoft.com/office/presentation/8.0" kumimoji="0" sz="1400" b="0" i="0" u="none" strike="noStrike" kern="0" cap="none" normalizeH="0" baseline="0" mc:Ignorable="hp" hp:hslEmbossed="0">
+                        <a:solidFill>
+                          <a:srgbClr val="000000"/>
+                        </a:solidFill>
+                        <a:latin typeface="Times New Roman"/>
+                        <a:cs typeface="Times New Roman"/>
+                      </a:endParaRPr>
+                    </a:p>
+                  </a:txBody>
+                  <a:tcPr marL="0" marR="0" marT="0" marB="0">
+                    <a:lnL w="12700">
+                      <a:solidFill>
+                        <a:srgbClr val="000000">
+                          <a:alpha val="100000"/>
+                        </a:srgbClr>
+                      </a:solidFill>
+                      <a:prstDash val="solid"/>
+                    </a:lnL>
+                    <a:lnR w="12700">
+                      <a:solidFill>
+                        <a:srgbClr val="000000">
+                          <a:alpha val="100000"/>
+                        </a:srgbClr>
+                      </a:solidFill>
+                      <a:prstDash val="solid"/>
+                    </a:lnR>
+                    <a:lnT w="12700">
+                      <a:solidFill>
+                        <a:srgbClr val="000000">
+                          <a:alpha val="100000"/>
+                        </a:srgbClr>
+                      </a:solidFill>
+                      <a:prstDash val="solid"/>
+                    </a:lnT>
+                    <a:lnB w="12700">
+                      <a:solidFill>
+                        <a:srgbClr val="000000">
+                          <a:alpha val="100000"/>
+                        </a:srgbClr>
+                      </a:solidFill>
+                      <a:prstDash val="solid"/>
+                    </a:lnB>
+                    <a:solidFill>
+                      <a:srgbClr val="ffeb9c">
+                        <a:alpha val="100000"/>
+                      </a:srgbClr>
+                    </a:solidFill>
+                  </a:tcPr>
+                </a:tc>
+                <a:tc>
+                  <a:txBody>
+                    <a:bodyPr vert="horz" lIns="0" tIns="0" rIns="0" bIns="0" anchor="t" anchorCtr="0"/>
+                    <a:p>
+                      <a:pPr marL="0">
+                        <a:lnSpc>
+                          <a:spcPct val="100000"/>
+                        </a:lnSpc>
+                        <a:buNone/>
+                        <a:defRPr/>
+                      </a:pPr>
+                      <a:endParaRPr xmlns:mc="http://schemas.openxmlformats.org/markup-compatibility/2006" xmlns:hp="http://schemas.haansoft.com/office/presentation/8.0" kumimoji="0" sz="1400" b="0" i="0" u="none" strike="noStrike" kern="0" cap="none" normalizeH="0" baseline="0" mc:Ignorable="hp" hp:hslEmbossed="0">
+                        <a:solidFill>
+                          <a:srgbClr val="000000"/>
+                        </a:solidFill>
+                        <a:latin typeface="Times New Roman"/>
+                        <a:cs typeface="Times New Roman"/>
+                      </a:endParaRPr>
+                    </a:p>
+                  </a:txBody>
+                  <a:tcPr marL="0" marR="0" marT="0" marB="0">
+                    <a:lnL w="12700">
+                      <a:solidFill>
+                        <a:srgbClr val="000000">
+                          <a:alpha val="100000"/>
+                        </a:srgbClr>
+                      </a:solidFill>
+                      <a:prstDash val="solid"/>
+                    </a:lnL>
+                    <a:lnR w="12700">
+                      <a:solidFill>
+                        <a:srgbClr val="000000">
+                          <a:alpha val="100000"/>
+                        </a:srgbClr>
+                      </a:solidFill>
+                      <a:prstDash val="solid"/>
+                    </a:lnR>
+                    <a:lnT w="12700">
+                      <a:solidFill>
+                        <a:srgbClr val="000000">
+                          <a:alpha val="100000"/>
+                        </a:srgbClr>
+                      </a:solidFill>
+                      <a:prstDash val="solid"/>
+                    </a:lnT>
+                    <a:lnB w="12700">
+                      <a:solidFill>
+                        <a:srgbClr val="000000">
+                          <a:alpha val="100000"/>
+                        </a:srgbClr>
+                      </a:solidFill>
+                      <a:prstDash val="solid"/>
+                    </a:lnB>
+                    <a:solidFill>
+                      <a:srgbClr val="ffeb9c">
+                        <a:alpha val="100000"/>
+                      </a:srgbClr>
+                    </a:solidFill>
+                  </a:tcPr>
+                </a:tc>
+              </a:tr>
+            </a:tbl>
+          </a:graphicData>
+        </a:graphic>
+      </p:graphicFrame>
+      <p:sp>
+        <p:nvSpPr>
+          <p:cNvPr id="73" name="object 17"/>
           <p:cNvSpPr/>
           <p:nvPr/>
         </p:nvSpPr>
@@ -4021,8 +5114,6 @@
           <a:custGeom>
             <a:avLst/>
             <a:gdLst/>
-            <a:ahLst/>
-            <a:cxnLst/>
             <a:rect l="l" t="t" r="r" b="b"/>
             <a:pathLst>
               <a:path w="1976119" h="889634">
@@ -4046,18 +5137,28 @@
             </a:pathLst>
           </a:custGeom>
           <a:solidFill>
-            <a:srgbClr val="FFEB9C"/>
+            <a:srgbClr val="ffeb9c">
+              <a:alpha val="100000"/>
+            </a:srgbClr>
           </a:solidFill>
         </p:spPr>
         <p:txBody>
-          <a:bodyPr wrap="square" lIns="0" tIns="0" rIns="0" bIns="0" rtlCol="0"/>
-          <a:lstStyle/>
-          <a:p/>
-        </p:txBody>
-      </p:sp>
-      <p:sp>
-        <p:nvSpPr>
-          <p:cNvPr id="18" name="object 18" descr=""/>
+          <a:bodyPr wrap="square" lIns="0" tIns="0" rIns="0" bIns="0"/>
+          <a:p>
+            <a:pPr lvl="0">
+              <a:defRPr/>
+            </a:pPr>
+            <a:endParaRPr>
+              <a:solidFill>
+                <a:srgbClr val="000000"/>
+              </a:solidFill>
+            </a:endParaRPr>
+          </a:p>
+        </p:txBody>
+      </p:sp>
+      <p:sp>
+        <p:nvSpPr>
+          <p:cNvPr id="74" name="object 18"/>
           <p:cNvSpPr/>
           <p:nvPr/>
         </p:nvSpPr>
@@ -4069,8 +5170,6 @@
           <a:custGeom>
             <a:avLst/>
             <a:gdLst/>
-            <a:ahLst/>
-            <a:cxnLst/>
             <a:rect l="l" t="t" r="r" b="b"/>
             <a:pathLst>
               <a:path w="988695" h="889634">
@@ -4094,18 +5193,28 @@
             </a:pathLst>
           </a:custGeom>
           <a:solidFill>
-            <a:srgbClr val="FFEB9C"/>
+            <a:srgbClr val="ffeb9c">
+              <a:alpha val="100000"/>
+            </a:srgbClr>
           </a:solidFill>
         </p:spPr>
         <p:txBody>
-          <a:bodyPr wrap="square" lIns="0" tIns="0" rIns="0" bIns="0" rtlCol="0"/>
-          <a:lstStyle/>
-          <a:p/>
-        </p:txBody>
-      </p:sp>
-      <p:sp>
-        <p:nvSpPr>
-          <p:cNvPr id="19" name="object 19" descr=""/>
+          <a:bodyPr wrap="square" lIns="0" tIns="0" rIns="0" bIns="0"/>
+          <a:p>
+            <a:pPr lvl="0">
+              <a:defRPr/>
+            </a:pPr>
+            <a:endParaRPr>
+              <a:solidFill>
+                <a:srgbClr val="000000"/>
+              </a:solidFill>
+            </a:endParaRPr>
+          </a:p>
+        </p:txBody>
+      </p:sp>
+      <p:sp>
+        <p:nvSpPr>
+          <p:cNvPr id="75" name="object 19"/>
           <p:cNvSpPr/>
           <p:nvPr/>
         </p:nvSpPr>
@@ -4117,8 +5226,6 @@
           <a:custGeom>
             <a:avLst/>
             <a:gdLst/>
-            <a:ahLst/>
-            <a:cxnLst/>
             <a:rect l="l" t="t" r="r" b="b"/>
             <a:pathLst>
               <a:path w="1976120" h="889634">
@@ -4142,18 +5249,28 @@
             </a:pathLst>
           </a:custGeom>
           <a:solidFill>
-            <a:srgbClr val="FFEB9C"/>
+            <a:srgbClr val="ffeb9c">
+              <a:alpha val="100000"/>
+            </a:srgbClr>
           </a:solidFill>
         </p:spPr>
         <p:txBody>
-          <a:bodyPr wrap="square" lIns="0" tIns="0" rIns="0" bIns="0" rtlCol="0"/>
-          <a:lstStyle/>
-          <a:p/>
-        </p:txBody>
-      </p:sp>
-      <p:sp>
-        <p:nvSpPr>
-          <p:cNvPr id="20" name="object 20" descr=""/>
+          <a:bodyPr wrap="square" lIns="0" tIns="0" rIns="0" bIns="0"/>
+          <a:p>
+            <a:pPr lvl="0">
+              <a:defRPr/>
+            </a:pPr>
+            <a:endParaRPr>
+              <a:solidFill>
+                <a:srgbClr val="000000"/>
+              </a:solidFill>
+            </a:endParaRPr>
+          </a:p>
+        </p:txBody>
+      </p:sp>
+      <p:sp>
+        <p:nvSpPr>
+          <p:cNvPr id="76" name="object 20"/>
           <p:cNvSpPr/>
           <p:nvPr/>
         </p:nvSpPr>
@@ -4165,8 +5282,6 @@
           <a:custGeom>
             <a:avLst/>
             <a:gdLst/>
-            <a:ahLst/>
-            <a:cxnLst/>
             <a:rect l="l" t="t" r="r" b="b"/>
             <a:pathLst>
               <a:path w="988695" h="889634">
@@ -4190,18 +5305,28 @@
             </a:pathLst>
           </a:custGeom>
           <a:solidFill>
-            <a:srgbClr val="FFEB9C"/>
+            <a:srgbClr val="ffeb9c">
+              <a:alpha val="100000"/>
+            </a:srgbClr>
           </a:solidFill>
         </p:spPr>
         <p:txBody>
-          <a:bodyPr wrap="square" lIns="0" tIns="0" rIns="0" bIns="0" rtlCol="0"/>
-          <a:lstStyle/>
-          <a:p/>
-        </p:txBody>
-      </p:sp>
-      <p:sp>
-        <p:nvSpPr>
-          <p:cNvPr id="21" name="object 21" descr=""/>
+          <a:bodyPr wrap="square" lIns="0" tIns="0" rIns="0" bIns="0"/>
+          <a:p>
+            <a:pPr lvl="0">
+              <a:defRPr/>
+            </a:pPr>
+            <a:endParaRPr>
+              <a:solidFill>
+                <a:srgbClr val="000000"/>
+              </a:solidFill>
+            </a:endParaRPr>
+          </a:p>
+        </p:txBody>
+      </p:sp>
+      <p:sp>
+        <p:nvSpPr>
+          <p:cNvPr id="77" name="object 21"/>
           <p:cNvSpPr/>
           <p:nvPr/>
         </p:nvSpPr>
@@ -4213,8 +5338,6 @@
           <a:custGeom>
             <a:avLst/>
             <a:gdLst/>
-            <a:ahLst/>
-            <a:cxnLst/>
             <a:rect l="l" t="t" r="r" b="b"/>
             <a:pathLst>
               <a:path w="1976119" h="889634">
@@ -4238,18 +5361,28 @@
             </a:pathLst>
           </a:custGeom>
           <a:solidFill>
-            <a:srgbClr val="FFEB9C"/>
+            <a:srgbClr val="ffeb9c">
+              <a:alpha val="100000"/>
+            </a:srgbClr>
           </a:solidFill>
         </p:spPr>
         <p:txBody>
-          <a:bodyPr wrap="square" lIns="0" tIns="0" rIns="0" bIns="0" rtlCol="0"/>
-          <a:lstStyle/>
-          <a:p/>
+          <a:bodyPr wrap="square" lIns="0" tIns="0" rIns="0" bIns="0"/>
+          <a:p>
+            <a:pPr lvl="0">
+              <a:defRPr/>
+            </a:pPr>
+            <a:endParaRPr>
+              <a:solidFill>
+                <a:srgbClr val="000000"/>
+              </a:solidFill>
+            </a:endParaRPr>
+          </a:p>
         </p:txBody>
       </p:sp>
       <p:graphicFrame>
         <p:nvGraphicFramePr>
-          <p:cNvPr id="22" name="object 22" descr=""/>
+          <p:cNvPr id="78" name="object 22"/>
           <p:cNvGraphicFramePr>
             <a:graphicFrameLocks noGrp="1"/>
           </p:cNvGraphicFramePr>
@@ -4257,7 +5390,7 @@
         </p:nvGraphicFramePr>
         <p:xfrm>
           <a:off x="641108" y="8642007"/>
-          <a:ext cx="2973705" cy="1065530"/>
+          <a:ext cx="2962275" cy="1065530"/>
         </p:xfrm>
         <a:graphic>
           <a:graphicData uri="http://schemas.openxmlformats.org/drawingml/2006/table">
@@ -4273,8 +5406,7 @@
               <a:tr h="1065530">
                 <a:tc>
                   <a:txBody>
-                    <a:bodyPr/>
-                    <a:lstStyle/>
+                    <a:bodyPr vert="horz" lIns="0" tIns="19685" rIns="0" bIns="0" anchor="t" anchorCtr="0"/>
                     <a:p>
                       <a:pPr marL="29845">
                         <a:lnSpc>
@@ -4283,142 +5415,229 @@
                         <a:spcBef>
                           <a:spcPts val="155"/>
                         </a:spcBef>
+                        <a:buNone/>
+                        <a:defRPr/>
                       </a:pPr>
                       <a:r>
-                        <a:rPr dirty="0" sz="1400" spc="-10">
+                        <a:rPr xmlns:mc="http://schemas.openxmlformats.org/markup-compatibility/2006" xmlns:hp="http://schemas.haansoft.com/office/presentation/8.0" kumimoji="0" sz="1400" b="0" i="0" u="none" strike="noStrike" kern="0" cap="none" spc="-10" normalizeH="0" baseline="0" mc:Ignorable="hp" hp:hslEmbossed="0">
                           <a:solidFill>
                             <a:srgbClr val="006100"/>
                           </a:solidFill>
-                          <a:latin typeface="Malgun Gothic"/>
-                          <a:cs typeface="Malgun Gothic"/>
+                          <a:latin typeface="맑은 고딕"/>
+                          <a:cs typeface="맑은 고딕"/>
                         </a:rPr>
                         <a:t>Benefit</a:t>
                       </a:r>
-                      <a:endParaRPr sz="1400">
-                        <a:latin typeface="Malgun Gothic"/>
-                        <a:cs typeface="Malgun Gothic"/>
+                      <a:endParaRPr xmlns:mc="http://schemas.openxmlformats.org/markup-compatibility/2006" xmlns:hp="http://schemas.haansoft.com/office/presentation/8.0" kumimoji="0" sz="1400" b="0" i="0" u="none" strike="noStrike" kern="0" cap="none" spc="-10" normalizeH="0" baseline="0" mc:Ignorable="hp" hp:hslEmbossed="0">
+                        <a:solidFill>
+                          <a:srgbClr val="006100"/>
+                        </a:solidFill>
+                        <a:latin typeface="맑은 고딕"/>
+                        <a:cs typeface="맑은 고딕"/>
+                      </a:endParaRPr>
+                    </a:p>
+                    <a:p>
+                      <a:pPr marL="29845" marR="0" lvl="0" indent="0" defTabSz="914400" eaLnBrk="1" latinLnBrk="0" hangingPunct="1">
+                        <a:lnSpc>
+                          <a:spcPct val="100000"/>
+                        </a:lnSpc>
+                        <a:spcBef>
+                          <a:spcPts val="155"/>
+                        </a:spcBef>
+                        <a:spcAft>
+                          <a:spcPts val="0"/>
+                        </a:spcAft>
+                        <a:buClrTx/>
+                        <a:buFontTx/>
+                        <a:buNone/>
+                        <a:defRPr/>
+                      </a:pPr>
+                      <a:r>
+                        <a:rPr xmlns:mc="http://schemas.openxmlformats.org/markup-compatibility/2006" xmlns:hp="http://schemas.haansoft.com/office/presentation/8.0" kumimoji="0" lang="ko-KR" altLang="en-US" sz="1100" b="0" i="0" u="none" strike="noStrike" kern="0" cap="none" normalizeH="0" baseline="0" mc:Ignorable="hp" hp:hslEmbossed="0">
+                          <a:solidFill>
+                            <a:srgbClr val="000000"/>
+                          </a:solidFill>
+                          <a:latin typeface="Calibri"/>
+                          <a:ea typeface="맑은 고딕"/>
+                        </a:rPr>
+                        <a:t>불법투기행위를 포착하여 경고하여 실효성 증가</a:t>
+                      </a:r>
+                      <a:endParaRPr xmlns:mc="http://schemas.openxmlformats.org/markup-compatibility/2006" xmlns:hp="http://schemas.haansoft.com/office/presentation/8.0" kumimoji="0" lang="ko-KR" altLang="en-US" sz="1100" b="0" i="0" u="none" strike="noStrike" kern="0" cap="none" normalizeH="0" baseline="0" mc:Ignorable="hp" hp:hslEmbossed="0">
+                        <a:solidFill>
+                          <a:srgbClr val="000000"/>
+                        </a:solidFill>
+                        <a:latin typeface="맑은 고딕"/>
+                        <a:ea typeface="맑은 고딕"/>
                       </a:endParaRPr>
                     </a:p>
                   </a:txBody>
-                  <a:tcPr marL="0" marR="0" marB="0" marT="19685">
+                  <a:tcPr marL="0" marR="0" marT="19685" marB="0">
                     <a:lnL w="12700">
                       <a:solidFill>
-                        <a:srgbClr val="000000"/>
+                        <a:srgbClr val="000000">
+                          <a:alpha val="100000"/>
+                        </a:srgbClr>
                       </a:solidFill>
                       <a:prstDash val="solid"/>
                     </a:lnL>
                     <a:lnR w="12700">
                       <a:solidFill>
-                        <a:srgbClr val="000000"/>
+                        <a:srgbClr val="000000">
+                          <a:alpha val="100000"/>
+                        </a:srgbClr>
                       </a:solidFill>
                       <a:prstDash val="solid"/>
                     </a:lnR>
                     <a:lnT w="12700">
                       <a:solidFill>
-                        <a:srgbClr val="000000"/>
+                        <a:srgbClr val="000000">
+                          <a:alpha val="100000"/>
+                        </a:srgbClr>
                       </a:solidFill>
                       <a:prstDash val="solid"/>
                     </a:lnT>
                     <a:lnB w="12700">
                       <a:solidFill>
-                        <a:srgbClr val="000000"/>
+                        <a:srgbClr val="000000">
+                          <a:alpha val="100000"/>
+                        </a:srgbClr>
                       </a:solidFill>
                       <a:prstDash val="solid"/>
                     </a:lnB>
                     <a:solidFill>
-                      <a:srgbClr val="C6EFCD"/>
+                      <a:srgbClr val="c6efcd">
+                        <a:alpha val="100000"/>
+                      </a:srgbClr>
                     </a:solidFill>
                   </a:tcPr>
                 </a:tc>
                 <a:tc>
                   <a:txBody>
-                    <a:bodyPr/>
-                    <a:lstStyle/>
+                    <a:bodyPr vert="horz" lIns="0" tIns="0" rIns="0" bIns="0" anchor="t" anchorCtr="0"/>
                     <a:p>
-                      <a:pPr>
+                      <a:pPr marL="0">
                         <a:lnSpc>
                           <a:spcPct val="100000"/>
                         </a:lnSpc>
+                        <a:buNone/>
+                        <a:defRPr/>
                       </a:pPr>
-                      <a:endParaRPr sz="1400">
+                      <a:r>
+                        <a:rPr xmlns:mc="http://schemas.openxmlformats.org/markup-compatibility/2006" xmlns:hp="http://schemas.haansoft.com/office/presentation/8.0" kumimoji="0" lang="ko-KR" altLang="en-US" sz="1100" b="0" i="0" u="none" strike="noStrike" kern="0" cap="none" normalizeH="0" baseline="0" mc:Ignorable="hp" hp:hslEmbossed="0">
+                          <a:solidFill>
+                            <a:srgbClr val="000000"/>
+                          </a:solidFill>
+                          <a:latin typeface="Calibri"/>
+                          <a:ea typeface="맑은 고딕"/>
+                        </a:rPr>
+                        <a:t>자동 단속시스템으로 단속 인력을  효율적으로 운용할 수 있다</a:t>
+                      </a:r>
+                      <a:endParaRPr xmlns:mc="http://schemas.openxmlformats.org/markup-compatibility/2006" xmlns:hp="http://schemas.haansoft.com/office/presentation/8.0" kumimoji="0" sz="1100" b="0" i="0" u="none" strike="noStrike" kern="0" cap="none" normalizeH="0" baseline="0" mc:Ignorable="hp" hp:hslEmbossed="0">
+                        <a:solidFill>
+                          <a:srgbClr val="000000"/>
+                        </a:solidFill>
                         <a:latin typeface="Times New Roman"/>
                         <a:cs typeface="Times New Roman"/>
                       </a:endParaRPr>
                     </a:p>
                   </a:txBody>
-                  <a:tcPr marL="0" marR="0" marB="0" marT="0">
+                  <a:tcPr marL="0" marR="0" marT="0" marB="0">
                     <a:lnL w="12700">
                       <a:solidFill>
-                        <a:srgbClr val="000000"/>
+                        <a:srgbClr val="000000">
+                          <a:alpha val="100000"/>
+                        </a:srgbClr>
                       </a:solidFill>
                       <a:prstDash val="solid"/>
                     </a:lnL>
                     <a:lnR w="12700">
                       <a:solidFill>
-                        <a:srgbClr val="000000"/>
+                        <a:srgbClr val="000000">
+                          <a:alpha val="100000"/>
+                        </a:srgbClr>
                       </a:solidFill>
                       <a:prstDash val="solid"/>
                     </a:lnR>
                     <a:lnT w="12700">
                       <a:solidFill>
-                        <a:srgbClr val="000000"/>
+                        <a:srgbClr val="000000">
+                          <a:alpha val="100000"/>
+                        </a:srgbClr>
                       </a:solidFill>
                       <a:prstDash val="solid"/>
                     </a:lnT>
                     <a:lnB w="12700">
                       <a:solidFill>
-                        <a:srgbClr val="000000"/>
+                        <a:srgbClr val="000000">
+                          <a:alpha val="100000"/>
+                        </a:srgbClr>
                       </a:solidFill>
                       <a:prstDash val="solid"/>
                     </a:lnB>
                     <a:solidFill>
-                      <a:srgbClr val="C6EFCD"/>
+                      <a:srgbClr val="c6efcd">
+                        <a:alpha val="100000"/>
+                      </a:srgbClr>
                     </a:solidFill>
                   </a:tcPr>
                 </a:tc>
                 <a:tc>
                   <a:txBody>
-                    <a:bodyPr/>
-                    <a:lstStyle/>
+                    <a:bodyPr vert="horz" lIns="0" tIns="0" rIns="0" bIns="0" anchor="t" anchorCtr="0"/>
                     <a:p>
-                      <a:pPr>
+                      <a:pPr marL="0">
                         <a:lnSpc>
                           <a:spcPct val="100000"/>
                         </a:lnSpc>
+                        <a:buNone/>
+                        <a:defRPr/>
                       </a:pPr>
-                      <a:endParaRPr sz="1400">
+                      <a:endParaRPr xmlns:mc="http://schemas.openxmlformats.org/markup-compatibility/2006" xmlns:hp="http://schemas.haansoft.com/office/presentation/8.0" kumimoji="0" sz="1400" b="0" i="0" u="none" strike="noStrike" kern="0" cap="none" normalizeH="0" baseline="0" mc:Ignorable="hp" hp:hslEmbossed="0">
+                        <a:solidFill>
+                          <a:srgbClr val="000000"/>
+                        </a:solidFill>
                         <a:latin typeface="Times New Roman"/>
                         <a:cs typeface="Times New Roman"/>
                       </a:endParaRPr>
                     </a:p>
                   </a:txBody>
-                  <a:tcPr marL="0" marR="0" marB="0" marT="0">
+                  <a:tcPr marL="0" marR="0" marT="0" marB="0">
                     <a:lnL w="12700">
                       <a:solidFill>
-                        <a:srgbClr val="000000"/>
+                        <a:srgbClr val="000000">
+                          <a:alpha val="100000"/>
+                        </a:srgbClr>
                       </a:solidFill>
                       <a:prstDash val="solid"/>
                     </a:lnL>
                     <a:lnR w="12700">
                       <a:solidFill>
-                        <a:srgbClr val="000000"/>
+                        <a:srgbClr val="000000">
+                          <a:alpha val="100000"/>
+                        </a:srgbClr>
                       </a:solidFill>
                       <a:prstDash val="solid"/>
                     </a:lnR>
                     <a:lnT w="12700">
                       <a:solidFill>
-                        <a:srgbClr val="000000"/>
+                        <a:srgbClr val="000000">
+                          <a:alpha val="100000"/>
+                        </a:srgbClr>
                       </a:solidFill>
                       <a:prstDash val="solid"/>
                     </a:lnT>
                     <a:lnB w="12700">
                       <a:solidFill>
-                        <a:srgbClr val="000000"/>
+                        <a:srgbClr val="000000">
+                          <a:alpha val="100000"/>
+                        </a:srgbClr>
                       </a:solidFill>
                       <a:prstDash val="solid"/>
                     </a:lnB>
                     <a:solidFill>
-                      <a:srgbClr val="C6EFCD"/>
+                      <a:srgbClr val="c6efcd">
+                        <a:alpha val="100000"/>
+                      </a:srgbClr>
                     </a:solidFill>
                   </a:tcPr>
                 </a:tc>
@@ -4429,7 +5648,7 @@
       </p:graphicFrame>
       <p:graphicFrame>
         <p:nvGraphicFramePr>
-          <p:cNvPr id="23" name="object 23" descr=""/>
+          <p:cNvPr id="79" name="object 23"/>
           <p:cNvGraphicFramePr>
             <a:graphicFrameLocks noGrp="1"/>
           </p:cNvGraphicFramePr>
@@ -4437,7 +5656,7 @@
         </p:nvGraphicFramePr>
         <p:xfrm>
           <a:off x="4589602" y="8642007"/>
-          <a:ext cx="2973705" cy="1065530"/>
+          <a:ext cx="2962275" cy="1065530"/>
         </p:xfrm>
         <a:graphic>
           <a:graphicData uri="http://schemas.openxmlformats.org/drawingml/2006/table">
@@ -4453,139 +5672,247 @@
               <a:tr h="1065530">
                 <a:tc>
                   <a:txBody>
-                    <a:bodyPr/>
-                    <a:lstStyle/>
+                    <a:bodyPr vert="horz" lIns="0" tIns="0" rIns="0" bIns="0" anchor="t" anchorCtr="0"/>
                     <a:p>
-                      <a:pPr>
+                      <a:pPr marL="0" marR="0" lvl="0" indent="0" defTabSz="914400" eaLnBrk="1" latinLnBrk="0" hangingPunct="1">
                         <a:lnSpc>
                           <a:spcPct val="100000"/>
                         </a:lnSpc>
+                        <a:spcBef>
+                          <a:spcPts val="0"/>
+                        </a:spcBef>
+                        <a:spcAft>
+                          <a:spcPts val="0"/>
+                        </a:spcAft>
+                        <a:buClrTx/>
+                        <a:buFontTx/>
+                        <a:buNone/>
+                        <a:defRPr/>
                       </a:pPr>
-                      <a:endParaRPr sz="1400">
+                      <a:r>
+                        <a:rPr xmlns:mc="http://schemas.openxmlformats.org/markup-compatibility/2006" xmlns:hp="http://schemas.haansoft.com/office/presentation/8.0" kumimoji="0" lang="ko-KR" altLang="en-US" sz="1100" b="0" i="0" u="none" strike="noStrike" kern="0" cap="none" normalizeH="0" baseline="0" mc:Ignorable="hp" hp:hslEmbossed="0">
+                          <a:solidFill>
+                            <a:srgbClr val="000000"/>
+                          </a:solidFill>
+                          <a:latin typeface="Calibri"/>
+                          <a:ea typeface="맑은 고딕"/>
+                        </a:rPr>
+                        <a:t>자동 단속 시스템을 통하여 단속을 보다 더 편리하게 할 수 있다</a:t>
+                      </a:r>
+                      <a:r>
+                        <a:rPr xmlns:mc="http://schemas.openxmlformats.org/markup-compatibility/2006" xmlns:hp="http://schemas.haansoft.com/office/presentation/8.0" kumimoji="0" lang="en-US" altLang="ko-KR" sz="1100" b="0" i="0" u="none" strike="noStrike" kern="0" cap="none" normalizeH="0" baseline="0" mc:Ignorable="hp" hp:hslEmbossed="0">
+                          <a:solidFill>
+                            <a:srgbClr val="000000"/>
+                          </a:solidFill>
+                        </a:rPr>
+                        <a:t>.</a:t>
+                      </a:r>
+                      <a:endParaRPr xmlns:mc="http://schemas.openxmlformats.org/markup-compatibility/2006" xmlns:hp="http://schemas.haansoft.com/office/presentation/8.0" kumimoji="0" lang="ko-KR" altLang="en-US" sz="1100" b="0" i="0" u="none" strike="noStrike" kern="0" cap="none" normalizeH="0" baseline="0" mc:Ignorable="hp" hp:hslEmbossed="0">
+                        <a:solidFill>
+                          <a:srgbClr val="000000"/>
+                        </a:solidFill>
+                        <a:latin typeface="맑은 고딕"/>
+                        <a:ea typeface="맑은 고딕"/>
+                      </a:endParaRPr>
+                    </a:p>
+                  </a:txBody>
+                  <a:tcPr marL="0" marR="0" marT="0" marB="0">
+                    <a:lnL w="12700">
+                      <a:solidFill>
+                        <a:srgbClr val="000000">
+                          <a:alpha val="100000"/>
+                        </a:srgbClr>
+                      </a:solidFill>
+                      <a:prstDash val="solid"/>
+                    </a:lnL>
+                    <a:lnR w="12700">
+                      <a:solidFill>
+                        <a:srgbClr val="000000">
+                          <a:alpha val="100000"/>
+                        </a:srgbClr>
+                      </a:solidFill>
+                      <a:prstDash val="solid"/>
+                    </a:lnR>
+                    <a:lnT w="12700">
+                      <a:solidFill>
+                        <a:srgbClr val="000000">
+                          <a:alpha val="100000"/>
+                        </a:srgbClr>
+                      </a:solidFill>
+                      <a:prstDash val="solid"/>
+                    </a:lnT>
+                    <a:lnB w="12700">
+                      <a:solidFill>
+                        <a:srgbClr val="000000">
+                          <a:alpha val="100000"/>
+                        </a:srgbClr>
+                      </a:solidFill>
+                      <a:prstDash val="solid"/>
+                    </a:lnB>
+                    <a:solidFill>
+                      <a:srgbClr val="c6efcd">
+                        <a:alpha val="100000"/>
+                      </a:srgbClr>
+                    </a:solidFill>
+                  </a:tcPr>
+                </a:tc>
+                <a:tc>
+                  <a:txBody>
+                    <a:bodyPr vert="horz" lIns="0" tIns="0" rIns="0" bIns="0" anchor="t" anchorCtr="0"/>
+                    <a:p>
+                      <a:pPr marL="0">
+                        <a:lnSpc>
+                          <a:spcPct val="100000"/>
+                        </a:lnSpc>
+                        <a:buNone/>
+                        <a:defRPr/>
+                      </a:pPr>
+                      <a:r>
+                        <a:rPr xmlns:mc="http://schemas.openxmlformats.org/markup-compatibility/2006" xmlns:hp="http://schemas.haansoft.com/office/presentation/8.0" kumimoji="0" lang="ko-KR" altLang="en-US" sz="1100" b="0" i="0" u="none" strike="noStrike" kern="0" cap="none" normalizeH="0" baseline="0" mc:Ignorable="hp" hp:hslEmbossed="0">
+                          <a:solidFill>
+                            <a:srgbClr val="000000"/>
+                          </a:solidFill>
+                          <a:latin typeface="Times New Roman"/>
+                          <a:cs typeface="Times New Roman"/>
+                        </a:rPr>
+                        <a:t>불법 투기를 언제</a:t>
+                      </a:r>
+                      <a:r>
+                        <a:rPr xmlns:mc="http://schemas.openxmlformats.org/markup-compatibility/2006" xmlns:hp="http://schemas.haansoft.com/office/presentation/8.0" kumimoji="0" lang="en-US" altLang="ko-KR" sz="1100" b="0" i="0" u="none" strike="noStrike" kern="0" cap="none" normalizeH="0" baseline="0" mc:Ignorable="hp" hp:hslEmbossed="0">
+                          <a:solidFill>
+                            <a:srgbClr val="000000"/>
+                          </a:solidFill>
+                          <a:latin typeface="Times New Roman"/>
+                          <a:cs typeface="Times New Roman"/>
+                        </a:rPr>
+                        <a:t>, </a:t>
+                      </a:r>
+                      <a:r>
+                        <a:rPr xmlns:mc="http://schemas.openxmlformats.org/markup-compatibility/2006" xmlns:hp="http://schemas.haansoft.com/office/presentation/8.0" kumimoji="0" lang="ko-KR" altLang="en-US" sz="1100" b="0" i="0" u="none" strike="noStrike" kern="0" cap="none" normalizeH="0" baseline="0" mc:Ignorable="hp" hp:hslEmbossed="0">
+                          <a:solidFill>
+                            <a:srgbClr val="000000"/>
+                          </a:solidFill>
+                          <a:latin typeface="Times New Roman"/>
+                          <a:cs typeface="Times New Roman"/>
+                        </a:rPr>
+                        <a:t>어디서 하였는지 훗날 기록을 언제든지 열람할 수 있다</a:t>
+                      </a:r>
+                      <a:r>
+                        <a:rPr xmlns:mc="http://schemas.openxmlformats.org/markup-compatibility/2006" xmlns:hp="http://schemas.haansoft.com/office/presentation/8.0" kumimoji="0" lang="en-US" altLang="ko-KR" sz="1100" b="0" i="0" u="none" strike="noStrike" kern="0" cap="none" normalizeH="0" baseline="0" mc:Ignorable="hp" hp:hslEmbossed="0">
+                          <a:solidFill>
+                            <a:srgbClr val="000000"/>
+                          </a:solidFill>
+                          <a:latin typeface="Times New Roman"/>
+                          <a:cs typeface="Times New Roman"/>
+                        </a:rPr>
+                        <a:t>.</a:t>
+                      </a:r>
+                      <a:endParaRPr xmlns:mc="http://schemas.openxmlformats.org/markup-compatibility/2006" xmlns:hp="http://schemas.haansoft.com/office/presentation/8.0" kumimoji="0" sz="1100" b="0" i="0" u="none" strike="noStrike" kern="0" cap="none" normalizeH="0" baseline="0" mc:Ignorable="hp" hp:hslEmbossed="0">
+                        <a:solidFill>
+                          <a:srgbClr val="000000"/>
+                        </a:solidFill>
                         <a:latin typeface="Times New Roman"/>
                         <a:cs typeface="Times New Roman"/>
                       </a:endParaRPr>
                     </a:p>
                   </a:txBody>
-                  <a:tcPr marL="0" marR="0" marB="0" marT="0">
+                  <a:tcPr marL="0" marR="0" marT="0" marB="0">
                     <a:lnL w="12700">
                       <a:solidFill>
-                        <a:srgbClr val="000000"/>
+                        <a:srgbClr val="000000">
+                          <a:alpha val="100000"/>
+                        </a:srgbClr>
                       </a:solidFill>
                       <a:prstDash val="solid"/>
                     </a:lnL>
                     <a:lnR w="12700">
                       <a:solidFill>
-                        <a:srgbClr val="000000"/>
+                        <a:srgbClr val="000000">
+                          <a:alpha val="100000"/>
+                        </a:srgbClr>
                       </a:solidFill>
                       <a:prstDash val="solid"/>
                     </a:lnR>
                     <a:lnT w="12700">
                       <a:solidFill>
-                        <a:srgbClr val="000000"/>
+                        <a:srgbClr val="000000">
+                          <a:alpha val="100000"/>
+                        </a:srgbClr>
                       </a:solidFill>
                       <a:prstDash val="solid"/>
                     </a:lnT>
                     <a:lnB w="12700">
                       <a:solidFill>
-                        <a:srgbClr val="000000"/>
+                        <a:srgbClr val="000000">
+                          <a:alpha val="100000"/>
+                        </a:srgbClr>
                       </a:solidFill>
                       <a:prstDash val="solid"/>
                     </a:lnB>
                     <a:solidFill>
-                      <a:srgbClr val="C6EFCD"/>
+                      <a:srgbClr val="c6efcd">
+                        <a:alpha val="100000"/>
+                      </a:srgbClr>
                     </a:solidFill>
                   </a:tcPr>
                 </a:tc>
                 <a:tc>
                   <a:txBody>
-                    <a:bodyPr/>
-                    <a:lstStyle/>
+                    <a:bodyPr vert="horz" lIns="0" tIns="0" rIns="0" bIns="0" anchor="t" anchorCtr="0"/>
                     <a:p>
-                      <a:pPr>
+                      <a:pPr marL="0">
                         <a:lnSpc>
                           <a:spcPct val="100000"/>
                         </a:lnSpc>
+                        <a:buNone/>
+                        <a:defRPr/>
                       </a:pPr>
-                      <a:endParaRPr sz="1400">
+                      <a:endParaRPr xmlns:mc="http://schemas.openxmlformats.org/markup-compatibility/2006" xmlns:hp="http://schemas.haansoft.com/office/presentation/8.0" kumimoji="0" sz="1400" b="0" i="0" u="none" strike="noStrike" kern="0" cap="none" normalizeH="0" baseline="0" mc:Ignorable="hp" hp:hslEmbossed="0">
+                        <a:solidFill>
+                          <a:srgbClr val="000000"/>
+                        </a:solidFill>
                         <a:latin typeface="Times New Roman"/>
                         <a:cs typeface="Times New Roman"/>
                       </a:endParaRPr>
                     </a:p>
                   </a:txBody>
-                  <a:tcPr marL="0" marR="0" marB="0" marT="0">
+                  <a:tcPr marL="0" marR="0" marT="0" marB="0">
                     <a:lnL w="12700">
                       <a:solidFill>
-                        <a:srgbClr val="000000"/>
+                        <a:srgbClr val="000000">
+                          <a:alpha val="100000"/>
+                        </a:srgbClr>
                       </a:solidFill>
                       <a:prstDash val="solid"/>
                     </a:lnL>
                     <a:lnR w="12700">
                       <a:solidFill>
-                        <a:srgbClr val="000000"/>
+                        <a:srgbClr val="000000">
+                          <a:alpha val="100000"/>
+                        </a:srgbClr>
                       </a:solidFill>
                       <a:prstDash val="solid"/>
                     </a:lnR>
                     <a:lnT w="12700">
                       <a:solidFill>
-                        <a:srgbClr val="000000"/>
+                        <a:srgbClr val="000000">
+                          <a:alpha val="100000"/>
+                        </a:srgbClr>
                       </a:solidFill>
                       <a:prstDash val="solid"/>
                     </a:lnT>
                     <a:lnB w="12700">
                       <a:solidFill>
-                        <a:srgbClr val="000000"/>
+                        <a:srgbClr val="000000">
+                          <a:alpha val="100000"/>
+                        </a:srgbClr>
                       </a:solidFill>
                       <a:prstDash val="solid"/>
                     </a:lnB>
                     <a:solidFill>
-                      <a:srgbClr val="C6EFCD"/>
-                    </a:solidFill>
-                  </a:tcPr>
-                </a:tc>
-                <a:tc>
-                  <a:txBody>
-                    <a:bodyPr/>
-                    <a:lstStyle/>
-                    <a:p>
-                      <a:pPr>
-                        <a:lnSpc>
-                          <a:spcPct val="100000"/>
-                        </a:lnSpc>
-                      </a:pPr>
-                      <a:endParaRPr sz="1400">
-                        <a:latin typeface="Times New Roman"/>
-                        <a:cs typeface="Times New Roman"/>
-                      </a:endParaRPr>
-                    </a:p>
-                  </a:txBody>
-                  <a:tcPr marL="0" marR="0" marB="0" marT="0">
-                    <a:lnL w="12700">
-                      <a:solidFill>
-                        <a:srgbClr val="000000"/>
-                      </a:solidFill>
-                      <a:prstDash val="solid"/>
-                    </a:lnL>
-                    <a:lnR w="12700">
-                      <a:solidFill>
-                        <a:srgbClr val="000000"/>
-                      </a:solidFill>
-                      <a:prstDash val="solid"/>
-                    </a:lnR>
-                    <a:lnT w="12700">
-                      <a:solidFill>
-                        <a:srgbClr val="000000"/>
-                      </a:solidFill>
-                      <a:prstDash val="solid"/>
-                    </a:lnT>
-                    <a:lnB w="12700">
-                      <a:solidFill>
-                        <a:srgbClr val="000000"/>
-                      </a:solidFill>
-                      <a:prstDash val="solid"/>
-                    </a:lnB>
-                    <a:solidFill>
-                      <a:srgbClr val="C6EFCD"/>
+                      <a:srgbClr val="c6efcd">
+                        <a:alpha val="100000"/>
+                      </a:srgbClr>
                     </a:solidFill>
                   </a:tcPr>
                 </a:tc>
@@ -4596,7 +5923,7 @@
       </p:graphicFrame>
       <p:graphicFrame>
         <p:nvGraphicFramePr>
-          <p:cNvPr id="24" name="object 24" descr=""/>
+          <p:cNvPr id="80" name="object 24"/>
           <p:cNvGraphicFramePr>
             <a:graphicFrameLocks noGrp="1"/>
           </p:cNvGraphicFramePr>
@@ -4604,7 +5931,7 @@
         </p:nvGraphicFramePr>
         <p:xfrm>
           <a:off x="8538082" y="8642007"/>
-          <a:ext cx="2973705" cy="1065530"/>
+          <a:ext cx="2962275" cy="1065530"/>
         </p:xfrm>
         <a:graphic>
           <a:graphicData uri="http://schemas.openxmlformats.org/drawingml/2006/table">
@@ -4620,139 +5947,211 @@
               <a:tr h="1065530">
                 <a:tc>
                   <a:txBody>
-                    <a:bodyPr/>
-                    <a:lstStyle/>
+                    <a:bodyPr vert="horz" lIns="0" tIns="0" rIns="0" bIns="0" anchor="t" anchorCtr="0"/>
                     <a:p>
-                      <a:pPr>
+                      <a:pPr marL="0">
                         <a:lnSpc>
                           <a:spcPct val="100000"/>
                         </a:lnSpc>
+                        <a:buNone/>
+                        <a:defRPr/>
                       </a:pPr>
-                      <a:endParaRPr sz="1400">
+                      <a:r>
+                        <a:rPr xmlns:mc="http://schemas.openxmlformats.org/markup-compatibility/2006" xmlns:hp="http://schemas.haansoft.com/office/presentation/8.0" kumimoji="0" lang="ko-KR" altLang="en-US" sz="1200" b="0" i="0" u="none" strike="noStrike" kern="0" cap="none" normalizeH="0" baseline="0" mc:Ignorable="hp" hp:hslEmbossed="0">
+                          <a:solidFill>
+                            <a:srgbClr val="000000"/>
+                          </a:solidFill>
+                          <a:latin typeface="Times New Roman"/>
+                          <a:cs typeface="Times New Roman"/>
+                        </a:rPr>
+                        <a:t>직접 정보를 찾아보는 것보다 시간 절약</a:t>
+                      </a:r>
+                      <a:endParaRPr xmlns:mc="http://schemas.openxmlformats.org/markup-compatibility/2006" xmlns:hp="http://schemas.haansoft.com/office/presentation/8.0" kumimoji="0" sz="1200" b="0" i="0" u="none" strike="noStrike" kern="0" cap="none" normalizeH="0" baseline="0" mc:Ignorable="hp" hp:hslEmbossed="0">
+                        <a:solidFill>
+                          <a:srgbClr val="000000"/>
+                        </a:solidFill>
                         <a:latin typeface="Times New Roman"/>
                         <a:cs typeface="Times New Roman"/>
                       </a:endParaRPr>
                     </a:p>
                   </a:txBody>
-                  <a:tcPr marL="0" marR="0" marB="0" marT="0">
+                  <a:tcPr marL="0" marR="0" marT="0" marB="0">
                     <a:lnL w="12700">
                       <a:solidFill>
-                        <a:srgbClr val="000000"/>
+                        <a:srgbClr val="000000">
+                          <a:alpha val="100000"/>
+                        </a:srgbClr>
                       </a:solidFill>
                       <a:prstDash val="solid"/>
                     </a:lnL>
                     <a:lnR w="12700">
                       <a:solidFill>
-                        <a:srgbClr val="000000"/>
+                        <a:srgbClr val="000000">
+                          <a:alpha val="100000"/>
+                        </a:srgbClr>
                       </a:solidFill>
                       <a:prstDash val="solid"/>
                     </a:lnR>
                     <a:lnT w="12700">
                       <a:solidFill>
-                        <a:srgbClr val="000000"/>
+                        <a:srgbClr val="000000">
+                          <a:alpha val="100000"/>
+                        </a:srgbClr>
                       </a:solidFill>
                       <a:prstDash val="solid"/>
                     </a:lnT>
                     <a:lnB w="12700">
                       <a:solidFill>
-                        <a:srgbClr val="000000"/>
+                        <a:srgbClr val="000000">
+                          <a:alpha val="100000"/>
+                        </a:srgbClr>
                       </a:solidFill>
                       <a:prstDash val="solid"/>
                     </a:lnB>
                     <a:solidFill>
-                      <a:srgbClr val="C6EFCD"/>
+                      <a:srgbClr val="c6efcd">
+                        <a:alpha val="100000"/>
+                      </a:srgbClr>
                     </a:solidFill>
                   </a:tcPr>
                 </a:tc>
                 <a:tc>
                   <a:txBody>
-                    <a:bodyPr/>
-                    <a:lstStyle/>
+                    <a:bodyPr vert="horz" lIns="0" tIns="0" rIns="0" bIns="0" anchor="t" anchorCtr="0"/>
                     <a:p>
-                      <a:pPr>
+                      <a:pPr marL="0">
                         <a:lnSpc>
                           <a:spcPct val="100000"/>
                         </a:lnSpc>
+                        <a:buNone/>
+                        <a:defRPr/>
                       </a:pPr>
-                      <a:endParaRPr sz="1400">
+                      <a:r>
+                        <a:rPr xmlns:mc="http://schemas.openxmlformats.org/markup-compatibility/2006" xmlns:hp="http://schemas.haansoft.com/office/presentation/8.0" kumimoji="0" lang="ko-KR" altLang="en-US" sz="1100" b="0" i="0" u="none" strike="noStrike" kern="0" cap="none" normalizeH="0" baseline="0" mc:Ignorable="hp" hp:hslEmbossed="0">
+                          <a:solidFill>
+                            <a:srgbClr val="000000"/>
+                          </a:solidFill>
+                          <a:latin typeface="Times New Roman"/>
+                          <a:cs typeface="Times New Roman"/>
+                        </a:rPr>
+                        <a:t>사전통지를 통해 기간을 공지하여 기간 내에 과태료를 지불할 수 있도록 한다</a:t>
+                      </a:r>
+                      <a:r>
+                        <a:rPr xmlns:mc="http://schemas.openxmlformats.org/markup-compatibility/2006" xmlns:hp="http://schemas.haansoft.com/office/presentation/8.0" kumimoji="0" lang="en-US" altLang="ko-KR" sz="1100" b="0" i="0" u="none" strike="noStrike" kern="0" cap="none" normalizeH="0" baseline="0" mc:Ignorable="hp" hp:hslEmbossed="0">
+                          <a:solidFill>
+                            <a:srgbClr val="000000"/>
+                          </a:solidFill>
+                          <a:latin typeface="Times New Roman"/>
+                          <a:cs typeface="Times New Roman"/>
+                        </a:rPr>
+                        <a:t>.</a:t>
+                      </a:r>
+                      <a:endParaRPr xmlns:mc="http://schemas.openxmlformats.org/markup-compatibility/2006" xmlns:hp="http://schemas.haansoft.com/office/presentation/8.0" kumimoji="0" sz="1100" b="0" i="0" u="none" strike="noStrike" kern="0" cap="none" normalizeH="0" baseline="0" mc:Ignorable="hp" hp:hslEmbossed="0">
+                        <a:solidFill>
+                          <a:srgbClr val="000000"/>
+                        </a:solidFill>
                         <a:latin typeface="Times New Roman"/>
                         <a:cs typeface="Times New Roman"/>
                       </a:endParaRPr>
                     </a:p>
                   </a:txBody>
-                  <a:tcPr marL="0" marR="0" marB="0" marT="0">
+                  <a:tcPr marL="0" marR="0" marT="0" marB="0">
                     <a:lnL w="12700">
                       <a:solidFill>
-                        <a:srgbClr val="000000"/>
+                        <a:srgbClr val="000000">
+                          <a:alpha val="100000"/>
+                        </a:srgbClr>
                       </a:solidFill>
                       <a:prstDash val="solid"/>
                     </a:lnL>
                     <a:lnR w="12700">
                       <a:solidFill>
-                        <a:srgbClr val="000000"/>
+                        <a:srgbClr val="000000">
+                          <a:alpha val="100000"/>
+                        </a:srgbClr>
                       </a:solidFill>
                       <a:prstDash val="solid"/>
                     </a:lnR>
                     <a:lnT w="12700">
                       <a:solidFill>
-                        <a:srgbClr val="000000"/>
+                        <a:srgbClr val="000000">
+                          <a:alpha val="100000"/>
+                        </a:srgbClr>
                       </a:solidFill>
                       <a:prstDash val="solid"/>
                     </a:lnT>
                     <a:lnB w="12700">
                       <a:solidFill>
-                        <a:srgbClr val="000000"/>
+                        <a:srgbClr val="000000">
+                          <a:alpha val="100000"/>
+                        </a:srgbClr>
                       </a:solidFill>
                       <a:prstDash val="solid"/>
                     </a:lnB>
                     <a:solidFill>
-                      <a:srgbClr val="C6EFCD"/>
+                      <a:srgbClr val="c6efcd">
+                        <a:alpha val="100000"/>
+                      </a:srgbClr>
                     </a:solidFill>
                   </a:tcPr>
                 </a:tc>
                 <a:tc>
                   <a:txBody>
-                    <a:bodyPr/>
-                    <a:lstStyle/>
+                    <a:bodyPr vert="horz" lIns="0" tIns="0" rIns="0" bIns="0" anchor="t" anchorCtr="0"/>
                     <a:p>
-                      <a:pPr>
+                      <a:pPr marL="0">
                         <a:lnSpc>
                           <a:spcPct val="100000"/>
                         </a:lnSpc>
+                        <a:buNone/>
+                        <a:defRPr/>
                       </a:pPr>
-                      <a:endParaRPr sz="1400">
+                      <a:endParaRPr xmlns:mc="http://schemas.openxmlformats.org/markup-compatibility/2006" xmlns:hp="http://schemas.haansoft.com/office/presentation/8.0" kumimoji="0" sz="1400" b="0" i="0" u="none" strike="noStrike" kern="0" cap="none" normalizeH="0" baseline="0" mc:Ignorable="hp" hp:hslEmbossed="0">
+                        <a:solidFill>
+                          <a:srgbClr val="000000"/>
+                        </a:solidFill>
                         <a:latin typeface="Times New Roman"/>
                         <a:cs typeface="Times New Roman"/>
                       </a:endParaRPr>
                     </a:p>
                   </a:txBody>
-                  <a:tcPr marL="0" marR="0" marB="0" marT="0">
+                  <a:tcPr marL="0" marR="0" marT="0" marB="0">
                     <a:lnL w="12700">
                       <a:solidFill>
-                        <a:srgbClr val="000000"/>
+                        <a:srgbClr val="000000">
+                          <a:alpha val="100000"/>
+                        </a:srgbClr>
                       </a:solidFill>
                       <a:prstDash val="solid"/>
                     </a:lnL>
                     <a:lnR w="12700">
                       <a:solidFill>
-                        <a:srgbClr val="000000"/>
+                        <a:srgbClr val="000000">
+                          <a:alpha val="100000"/>
+                        </a:srgbClr>
                       </a:solidFill>
                       <a:prstDash val="solid"/>
                     </a:lnR>
                     <a:lnT w="12700">
                       <a:solidFill>
-                        <a:srgbClr val="000000"/>
+                        <a:srgbClr val="000000">
+                          <a:alpha val="100000"/>
+                        </a:srgbClr>
                       </a:solidFill>
                       <a:prstDash val="solid"/>
                     </a:lnT>
                     <a:lnB w="12700">
                       <a:solidFill>
-                        <a:srgbClr val="000000"/>
+                        <a:srgbClr val="000000">
+                          <a:alpha val="100000"/>
+                        </a:srgbClr>
                       </a:solidFill>
                       <a:prstDash val="solid"/>
                     </a:lnB>
                     <a:solidFill>
-                      <a:srgbClr val="C6EFCD"/>
+                      <a:srgbClr val="c6efcd">
+                        <a:alpha val="100000"/>
+                      </a:srgbClr>
                     </a:solidFill>
                   </a:tcPr>
                 </a:tc>
@@ -4763,12 +6162,12 @@
       </p:graphicFrame>
       <p:grpSp>
         <p:nvGrpSpPr>
-          <p:cNvPr id="25" name="object 25" descr=""/>
+          <p:cNvPr id="81" name="object 25"/>
           <p:cNvGrpSpPr/>
           <p:nvPr/>
         </p:nvGrpSpPr>
         <p:grpSpPr>
-          <a:xfrm>
+          <a:xfrm rot="0">
             <a:off x="12486563" y="8642007"/>
             <a:ext cx="1986914" cy="1078230"/>
             <a:chOff x="12486563" y="8642007"/>
@@ -4777,7 +6176,7 @@
         </p:grpSpPr>
         <p:sp>
           <p:nvSpPr>
-            <p:cNvPr id="26" name="object 26" descr=""/>
+            <p:cNvPr id="82" name="object 26"/>
             <p:cNvSpPr/>
             <p:nvPr/>
           </p:nvSpPr>
@@ -4789,8 +6188,6 @@
             <a:custGeom>
               <a:avLst/>
               <a:gdLst/>
-              <a:ahLst/>
-              <a:cxnLst/>
               <a:rect l="l" t="t" r="r" b="b"/>
               <a:pathLst>
                 <a:path w="1976119" h="1067434">
@@ -4814,18 +6211,28 @@
               </a:pathLst>
             </a:custGeom>
             <a:solidFill>
-              <a:srgbClr val="C6EFCD"/>
+              <a:srgbClr val="c6efcd">
+                <a:alpha val="100000"/>
+              </a:srgbClr>
             </a:solidFill>
           </p:spPr>
           <p:txBody>
-            <a:bodyPr wrap="square" lIns="0" tIns="0" rIns="0" bIns="0" rtlCol="0"/>
-            <a:lstStyle/>
-            <a:p/>
+            <a:bodyPr wrap="square" lIns="0" tIns="0" rIns="0" bIns="0"/>
+            <a:p>
+              <a:pPr lvl="0">
+                <a:defRPr/>
+              </a:pPr>
+              <a:endParaRPr>
+                <a:solidFill>
+                  <a:srgbClr val="000000"/>
+                </a:solidFill>
+              </a:endParaRPr>
+            </a:p>
           </p:txBody>
         </p:sp>
         <p:sp>
           <p:nvSpPr>
-            <p:cNvPr id="27" name="object 27" descr=""/>
+            <p:cNvPr id="83" name="object 27"/>
             <p:cNvSpPr/>
             <p:nvPr/>
           </p:nvSpPr>
@@ -4837,8 +6244,6 @@
             <a:custGeom>
               <a:avLst/>
               <a:gdLst/>
-              <a:ahLst/>
-              <a:cxnLst/>
               <a:rect l="l" t="t" r="r" b="b"/>
               <a:pathLst>
                 <a:path w="1986915" h="1078229">
@@ -4898,19 +6303,29 @@
               </a:pathLst>
             </a:custGeom>
             <a:solidFill>
-              <a:srgbClr val="000000"/>
+              <a:srgbClr val="000000">
+                <a:alpha val="100000"/>
+              </a:srgbClr>
             </a:solidFill>
           </p:spPr>
           <p:txBody>
-            <a:bodyPr wrap="square" lIns="0" tIns="0" rIns="0" bIns="0" rtlCol="0"/>
-            <a:lstStyle/>
-            <a:p/>
+            <a:bodyPr wrap="square" lIns="0" tIns="0" rIns="0" bIns="0"/>
+            <a:p>
+              <a:pPr lvl="0">
+                <a:defRPr/>
+              </a:pPr>
+              <a:endParaRPr>
+                <a:solidFill>
+                  <a:srgbClr val="000000"/>
+                </a:solidFill>
+              </a:endParaRPr>
+            </a:p>
           </p:txBody>
         </p:sp>
       </p:grpSp>
       <p:sp>
         <p:nvSpPr>
-          <p:cNvPr id="28" name="object 28" descr=""/>
+          <p:cNvPr id="84" name="object 28"/>
           <p:cNvSpPr txBox="1"/>
           <p:nvPr/>
         </p:nvSpPr>
@@ -4924,10 +6339,9 @@
           </a:prstGeom>
         </p:spPr>
         <p:txBody>
-          <a:bodyPr wrap="square" lIns="0" tIns="12700" rIns="0" bIns="0" rtlCol="0" vert="horz">
+          <a:bodyPr vert="horz" wrap="square" lIns="0" tIns="12700" rIns="0" bIns="0">
             <a:spAutoFit/>
           </a:bodyPr>
-          <a:lstStyle/>
           <a:p>
             <a:pPr marL="12700">
               <a:lnSpc>
@@ -4936,43 +6350,62 @@
               <a:spcBef>
                 <a:spcPts val="100"/>
               </a:spcBef>
+              <a:defRPr/>
             </a:pPr>
             <a:r>
-              <a:rPr dirty="0" sz="1400">
+              <a:rPr sz="1400">
+                <a:solidFill>
+                  <a:srgbClr val="000000"/>
+                </a:solidFill>
                 <a:latin typeface="Arial"/>
                 <a:cs typeface="Arial"/>
               </a:rPr>
               <a:t>IDEAL</a:t>
             </a:r>
             <a:r>
-              <a:rPr dirty="0" sz="1400" spc="-15">
+              <a:rPr sz="1400" spc="-15">
+                <a:solidFill>
+                  <a:srgbClr val="000000"/>
+                </a:solidFill>
                 <a:latin typeface="Arial"/>
                 <a:cs typeface="Arial"/>
               </a:rPr>
               <a:t> </a:t>
             </a:r>
             <a:r>
-              <a:rPr dirty="0" sz="1400">
+              <a:rPr sz="1400">
+                <a:solidFill>
+                  <a:srgbClr val="000000"/>
+                </a:solidFill>
                 <a:latin typeface="Arial"/>
                 <a:cs typeface="Arial"/>
               </a:rPr>
               <a:t>USER</a:t>
             </a:r>
             <a:r>
-              <a:rPr dirty="0" sz="1400" spc="-15">
+              <a:rPr sz="1400" spc="-15">
+                <a:solidFill>
+                  <a:srgbClr val="000000"/>
+                </a:solidFill>
                 <a:latin typeface="Arial"/>
                 <a:cs typeface="Arial"/>
               </a:rPr>
               <a:t> </a:t>
             </a:r>
             <a:r>
-              <a:rPr dirty="0" sz="1400" spc="-50">
+              <a:rPr sz="1400" spc="-50">
+                <a:solidFill>
+                  <a:srgbClr val="000000"/>
+                </a:solidFill>
                 <a:latin typeface="Arial"/>
                 <a:cs typeface="Arial"/>
               </a:rPr>
               <a:t>:</a:t>
             </a:r>
             <a:endParaRPr sz="1400">
+              <a:solidFill>
+                <a:srgbClr val="000000"/>
+              </a:solidFill>
               <a:latin typeface="Arial"/>
               <a:cs typeface="Arial"/>
             </a:endParaRPr>
@@ -4981,7 +6414,7 @@
       </p:sp>
       <p:sp>
         <p:nvSpPr>
-          <p:cNvPr id="29" name="object 29" descr=""/>
+          <p:cNvPr id="85" name="object 29"/>
           <p:cNvSpPr txBox="1"/>
           <p:nvPr/>
         </p:nvSpPr>
@@ -4994,19 +6427,22 @@
             <a:avLst/>
           </a:prstGeom>
           <a:solidFill>
-            <a:srgbClr val="FFC7CD"/>
+            <a:srgbClr val="ffc7cd">
+              <a:alpha val="100000"/>
+            </a:srgbClr>
           </a:solidFill>
           <a:ln w="12192">
             <a:solidFill>
-              <a:srgbClr val="B1B1B1"/>
+              <a:srgbClr val="b1b1b1">
+                <a:alpha val="100000"/>
+              </a:srgbClr>
             </a:solidFill>
           </a:ln>
         </p:spPr>
         <p:txBody>
-          <a:bodyPr wrap="square" lIns="0" tIns="19685" rIns="0" bIns="0" rtlCol="0" vert="horz">
+          <a:bodyPr vert="horz" wrap="square" lIns="0" tIns="19685" rIns="0" bIns="0">
             <a:spAutoFit/>
           </a:bodyPr>
-          <a:lstStyle/>
           <a:p>
             <a:pPr marL="29845">
               <a:lnSpc>
@@ -5015,47 +6451,51 @@
               <a:spcBef>
                 <a:spcPts val="155"/>
               </a:spcBef>
+              <a:defRPr/>
             </a:pPr>
             <a:r>
-              <a:rPr dirty="0" sz="1400">
-                <a:solidFill>
-                  <a:srgbClr val="9C0005"/>
-                </a:solidFill>
-                <a:latin typeface="Malgun Gothic"/>
-                <a:cs typeface="Malgun Gothic"/>
+              <a:rPr sz="1400">
+                <a:solidFill>
+                  <a:srgbClr val="9c0005"/>
+                </a:solidFill>
+                <a:latin typeface="맑은 고딕"/>
+                <a:cs typeface="맑은 고딕"/>
               </a:rPr>
               <a:t>Activity</a:t>
             </a:r>
             <a:r>
-              <a:rPr dirty="0" sz="1400" spc="-25">
-                <a:solidFill>
-                  <a:srgbClr val="9C0005"/>
-                </a:solidFill>
-                <a:latin typeface="Malgun Gothic"/>
-                <a:cs typeface="Malgun Gothic"/>
+              <a:rPr sz="1400" spc="-25">
+                <a:solidFill>
+                  <a:srgbClr val="9c0005"/>
+                </a:solidFill>
+                <a:latin typeface="맑은 고딕"/>
+                <a:cs typeface="맑은 고딕"/>
               </a:rPr>
               <a:t> </a:t>
             </a:r>
             <a:r>
-              <a:rPr dirty="0" sz="1400" spc="-50">
-                <a:solidFill>
-                  <a:srgbClr val="9C0005"/>
-                </a:solidFill>
-                <a:latin typeface="Malgun Gothic"/>
-                <a:cs typeface="Malgun Gothic"/>
+              <a:rPr sz="1400" spc="-50">
+                <a:solidFill>
+                  <a:srgbClr val="9c0005"/>
+                </a:solidFill>
+                <a:latin typeface="맑은 고딕"/>
+                <a:cs typeface="맑은 고딕"/>
               </a:rPr>
               <a:t>1</a:t>
             </a:r>
             <a:endParaRPr sz="1400">
-              <a:latin typeface="Malgun Gothic"/>
-              <a:cs typeface="Malgun Gothic"/>
+              <a:solidFill>
+                <a:srgbClr val="000000"/>
+              </a:solidFill>
+              <a:latin typeface="맑은 고딕"/>
+              <a:cs typeface="맑은 고딕"/>
             </a:endParaRPr>
           </a:p>
         </p:txBody>
       </p:sp>
       <p:sp>
         <p:nvSpPr>
-          <p:cNvPr id="30" name="object 30" descr=""/>
+          <p:cNvPr id="86" name="object 30"/>
           <p:cNvSpPr txBox="1"/>
           <p:nvPr/>
         </p:nvSpPr>
@@ -5068,19 +6508,22 @@
             <a:avLst/>
           </a:prstGeom>
           <a:solidFill>
-            <a:srgbClr val="FFC7CD"/>
+            <a:srgbClr val="ffc7cd">
+              <a:alpha val="100000"/>
+            </a:srgbClr>
           </a:solidFill>
           <a:ln w="12191">
             <a:solidFill>
-              <a:srgbClr val="B1B1B1"/>
+              <a:srgbClr val="b1b1b1">
+                <a:alpha val="100000"/>
+              </a:srgbClr>
             </a:solidFill>
           </a:ln>
         </p:spPr>
         <p:txBody>
-          <a:bodyPr wrap="square" lIns="0" tIns="19685" rIns="0" bIns="0" rtlCol="0" vert="horz">
+          <a:bodyPr vert="horz" wrap="square" lIns="0" tIns="19685" rIns="0" bIns="0">
             <a:spAutoFit/>
           </a:bodyPr>
-          <a:lstStyle/>
           <a:p>
             <a:pPr marL="29845">
               <a:lnSpc>
@@ -5089,47 +6532,51 @@
               <a:spcBef>
                 <a:spcPts val="155"/>
               </a:spcBef>
+              <a:defRPr/>
             </a:pPr>
             <a:r>
-              <a:rPr dirty="0" sz="1400">
-                <a:solidFill>
-                  <a:srgbClr val="9C0005"/>
-                </a:solidFill>
-                <a:latin typeface="Malgun Gothic"/>
-                <a:cs typeface="Malgun Gothic"/>
+              <a:rPr sz="1400">
+                <a:solidFill>
+                  <a:srgbClr val="9c0005"/>
+                </a:solidFill>
+                <a:latin typeface="맑은 고딕"/>
+                <a:cs typeface="맑은 고딕"/>
               </a:rPr>
               <a:t>Activity</a:t>
             </a:r>
             <a:r>
-              <a:rPr dirty="0" sz="1400" spc="-25">
-                <a:solidFill>
-                  <a:srgbClr val="9C0005"/>
-                </a:solidFill>
-                <a:latin typeface="Malgun Gothic"/>
-                <a:cs typeface="Malgun Gothic"/>
+              <a:rPr sz="1400" spc="-25">
+                <a:solidFill>
+                  <a:srgbClr val="9c0005"/>
+                </a:solidFill>
+                <a:latin typeface="맑은 고딕"/>
+                <a:cs typeface="맑은 고딕"/>
               </a:rPr>
               <a:t> </a:t>
             </a:r>
             <a:r>
-              <a:rPr dirty="0" sz="1400" spc="-50">
-                <a:solidFill>
-                  <a:srgbClr val="9C0005"/>
-                </a:solidFill>
-                <a:latin typeface="Malgun Gothic"/>
-                <a:cs typeface="Malgun Gothic"/>
+              <a:rPr sz="1400" spc="-50">
+                <a:solidFill>
+                  <a:srgbClr val="9c0005"/>
+                </a:solidFill>
+                <a:latin typeface="맑은 고딕"/>
+                <a:cs typeface="맑은 고딕"/>
               </a:rPr>
               <a:t>2</a:t>
             </a:r>
             <a:endParaRPr sz="1400">
-              <a:latin typeface="Malgun Gothic"/>
-              <a:cs typeface="Malgun Gothic"/>
+              <a:solidFill>
+                <a:srgbClr val="000000"/>
+              </a:solidFill>
+              <a:latin typeface="맑은 고딕"/>
+              <a:cs typeface="맑은 고딕"/>
             </a:endParaRPr>
           </a:p>
         </p:txBody>
       </p:sp>
       <p:sp>
         <p:nvSpPr>
-          <p:cNvPr id="31" name="object 31" descr=""/>
+          <p:cNvPr id="87" name="object 31"/>
           <p:cNvSpPr txBox="1"/>
           <p:nvPr/>
         </p:nvSpPr>
@@ -5142,19 +6589,22 @@
             <a:avLst/>
           </a:prstGeom>
           <a:solidFill>
-            <a:srgbClr val="FFC7CD"/>
+            <a:srgbClr val="ffc7cd">
+              <a:alpha val="100000"/>
+            </a:srgbClr>
           </a:solidFill>
           <a:ln w="12192">
             <a:solidFill>
-              <a:srgbClr val="000000"/>
+              <a:srgbClr val="000000">
+                <a:alpha val="100000"/>
+              </a:srgbClr>
             </a:solidFill>
           </a:ln>
         </p:spPr>
         <p:txBody>
-          <a:bodyPr wrap="square" lIns="0" tIns="19685" rIns="0" bIns="0" rtlCol="0" vert="horz">
+          <a:bodyPr vert="horz" wrap="square" lIns="0" tIns="19685" rIns="0" bIns="0">
             <a:spAutoFit/>
           </a:bodyPr>
-          <a:lstStyle/>
           <a:p>
             <a:pPr marL="30480">
               <a:lnSpc>
@@ -5163,47 +6613,51 @@
               <a:spcBef>
                 <a:spcPts val="155"/>
               </a:spcBef>
+              <a:defRPr/>
             </a:pPr>
             <a:r>
-              <a:rPr dirty="0" sz="1400">
-                <a:solidFill>
-                  <a:srgbClr val="9C0005"/>
-                </a:solidFill>
-                <a:latin typeface="Malgun Gothic"/>
-                <a:cs typeface="Malgun Gothic"/>
+              <a:rPr sz="1400">
+                <a:solidFill>
+                  <a:srgbClr val="9c0005"/>
+                </a:solidFill>
+                <a:latin typeface="맑은 고딕"/>
+                <a:cs typeface="맑은 고딕"/>
               </a:rPr>
               <a:t>Activity</a:t>
             </a:r>
             <a:r>
-              <a:rPr dirty="0" sz="1400" spc="-25">
-                <a:solidFill>
-                  <a:srgbClr val="9C0005"/>
-                </a:solidFill>
-                <a:latin typeface="Malgun Gothic"/>
-                <a:cs typeface="Malgun Gothic"/>
+              <a:rPr sz="1400" spc="-25">
+                <a:solidFill>
+                  <a:srgbClr val="9c0005"/>
+                </a:solidFill>
+                <a:latin typeface="맑은 고딕"/>
+                <a:cs typeface="맑은 고딕"/>
               </a:rPr>
               <a:t> </a:t>
             </a:r>
             <a:r>
-              <a:rPr dirty="0" sz="1400" spc="-50">
-                <a:solidFill>
-                  <a:srgbClr val="9C0005"/>
-                </a:solidFill>
-                <a:latin typeface="Malgun Gothic"/>
-                <a:cs typeface="Malgun Gothic"/>
+              <a:rPr sz="1400" spc="-50">
+                <a:solidFill>
+                  <a:srgbClr val="9c0005"/>
+                </a:solidFill>
+                <a:latin typeface="맑은 고딕"/>
+                <a:cs typeface="맑은 고딕"/>
               </a:rPr>
               <a:t>3</a:t>
             </a:r>
             <a:endParaRPr sz="1400">
-              <a:latin typeface="Malgun Gothic"/>
-              <a:cs typeface="Malgun Gothic"/>
+              <a:solidFill>
+                <a:srgbClr val="000000"/>
+              </a:solidFill>
+              <a:latin typeface="맑은 고딕"/>
+              <a:cs typeface="맑은 고딕"/>
             </a:endParaRPr>
           </a:p>
         </p:txBody>
       </p:sp>
       <p:sp>
         <p:nvSpPr>
-          <p:cNvPr id="32" name="object 32" descr=""/>
+          <p:cNvPr id="88" name="object 32"/>
           <p:cNvSpPr txBox="1"/>
           <p:nvPr/>
         </p:nvSpPr>
@@ -5216,19 +6670,22 @@
             <a:avLst/>
           </a:prstGeom>
           <a:solidFill>
-            <a:srgbClr val="FFC7CD"/>
+            <a:srgbClr val="ffc7cd">
+              <a:alpha val="100000"/>
+            </a:srgbClr>
           </a:solidFill>
           <a:ln w="12192">
             <a:solidFill>
-              <a:srgbClr val="000000"/>
+              <a:srgbClr val="000000">
+                <a:alpha val="100000"/>
+              </a:srgbClr>
             </a:solidFill>
           </a:ln>
         </p:spPr>
         <p:txBody>
-          <a:bodyPr wrap="square" lIns="0" tIns="19685" rIns="0" bIns="0" rtlCol="0" vert="horz">
+          <a:bodyPr vert="horz" wrap="square" lIns="0" tIns="19685" rIns="0" bIns="0">
             <a:spAutoFit/>
           </a:bodyPr>
-          <a:lstStyle/>
           <a:p>
             <a:pPr marL="30480">
               <a:lnSpc>
@@ -5237,47 +6694,51 @@
               <a:spcBef>
                 <a:spcPts val="155"/>
               </a:spcBef>
+              <a:defRPr/>
             </a:pPr>
             <a:r>
-              <a:rPr dirty="0" sz="1400">
-                <a:solidFill>
-                  <a:srgbClr val="9C0005"/>
-                </a:solidFill>
-                <a:latin typeface="Malgun Gothic"/>
-                <a:cs typeface="Malgun Gothic"/>
+              <a:rPr sz="1400">
+                <a:solidFill>
+                  <a:srgbClr val="9c0005"/>
+                </a:solidFill>
+                <a:latin typeface="맑은 고딕"/>
+                <a:cs typeface="맑은 고딕"/>
               </a:rPr>
               <a:t>Activity</a:t>
             </a:r>
             <a:r>
-              <a:rPr dirty="0" sz="1400" spc="-25">
-                <a:solidFill>
-                  <a:srgbClr val="9C0005"/>
-                </a:solidFill>
-                <a:latin typeface="Malgun Gothic"/>
-                <a:cs typeface="Malgun Gothic"/>
+              <a:rPr sz="1400" spc="-25">
+                <a:solidFill>
+                  <a:srgbClr val="9c0005"/>
+                </a:solidFill>
+                <a:latin typeface="맑은 고딕"/>
+                <a:cs typeface="맑은 고딕"/>
               </a:rPr>
               <a:t> </a:t>
             </a:r>
             <a:r>
-              <a:rPr dirty="0" sz="1400" spc="-50">
-                <a:solidFill>
-                  <a:srgbClr val="9C0005"/>
-                </a:solidFill>
-                <a:latin typeface="Malgun Gothic"/>
-                <a:cs typeface="Malgun Gothic"/>
+              <a:rPr sz="1400" spc="-50">
+                <a:solidFill>
+                  <a:srgbClr val="9c0005"/>
+                </a:solidFill>
+                <a:latin typeface="맑은 고딕"/>
+                <a:cs typeface="맑은 고딕"/>
               </a:rPr>
               <a:t>n</a:t>
             </a:r>
             <a:endParaRPr sz="1400">
-              <a:latin typeface="Malgun Gothic"/>
-              <a:cs typeface="Malgun Gothic"/>
+              <a:solidFill>
+                <a:srgbClr val="000000"/>
+              </a:solidFill>
+              <a:latin typeface="맑은 고딕"/>
+              <a:cs typeface="맑은 고딕"/>
             </a:endParaRPr>
           </a:p>
         </p:txBody>
       </p:sp>
       <p:sp>
         <p:nvSpPr>
-          <p:cNvPr id="33" name="object 33" descr=""/>
+          <p:cNvPr id="89" name="object 33"/>
           <p:cNvSpPr txBox="1"/>
           <p:nvPr/>
         </p:nvSpPr>
@@ -5290,19 +6751,22 @@
             <a:avLst/>
           </a:prstGeom>
           <a:solidFill>
-            <a:srgbClr val="FFCC99"/>
+            <a:srgbClr val="ffcc99">
+              <a:alpha val="100000"/>
+            </a:srgbClr>
           </a:solidFill>
           <a:ln w="12192">
             <a:solidFill>
-              <a:srgbClr val="7E7E7E"/>
+              <a:srgbClr val="7e7e7e">
+                <a:alpha val="100000"/>
+              </a:srgbClr>
             </a:solidFill>
           </a:ln>
         </p:spPr>
         <p:txBody>
-          <a:bodyPr wrap="square" lIns="0" tIns="19685" rIns="0" bIns="0" rtlCol="0" vert="horz">
+          <a:bodyPr vert="horz" wrap="square" lIns="0" tIns="19685" rIns="0" bIns="0">
             <a:spAutoFit/>
           </a:bodyPr>
-          <a:lstStyle/>
           <a:p>
             <a:pPr marL="30480">
               <a:lnSpc>
@@ -5311,47 +6775,51 @@
               <a:spcBef>
                 <a:spcPts val="155"/>
               </a:spcBef>
+              <a:defRPr/>
             </a:pPr>
             <a:r>
-              <a:rPr dirty="0" sz="1400">
-                <a:solidFill>
-                  <a:srgbClr val="3F3F75"/>
-                </a:solidFill>
-                <a:latin typeface="Malgun Gothic"/>
-                <a:cs typeface="Malgun Gothic"/>
+              <a:rPr sz="1400">
+                <a:solidFill>
+                  <a:srgbClr val="3f3f75"/>
+                </a:solidFill>
+                <a:latin typeface="맑은 고딕"/>
+                <a:cs typeface="맑은 고딕"/>
               </a:rPr>
               <a:t>TASK</a:t>
             </a:r>
             <a:r>
-              <a:rPr dirty="0" sz="1400" spc="-15">
-                <a:solidFill>
-                  <a:srgbClr val="3F3F75"/>
-                </a:solidFill>
-                <a:latin typeface="Malgun Gothic"/>
-                <a:cs typeface="Malgun Gothic"/>
+              <a:rPr sz="1400" spc="-15">
+                <a:solidFill>
+                  <a:srgbClr val="3f3f75"/>
+                </a:solidFill>
+                <a:latin typeface="맑은 고딕"/>
+                <a:cs typeface="맑은 고딕"/>
               </a:rPr>
               <a:t> </a:t>
             </a:r>
             <a:r>
-              <a:rPr dirty="0" sz="1400" spc="-50">
-                <a:solidFill>
-                  <a:srgbClr val="3F3F75"/>
-                </a:solidFill>
-                <a:latin typeface="Malgun Gothic"/>
-                <a:cs typeface="Malgun Gothic"/>
+              <a:rPr sz="1400" spc="-50">
+                <a:solidFill>
+                  <a:srgbClr val="3f3f75"/>
+                </a:solidFill>
+                <a:latin typeface="맑은 고딕"/>
+                <a:cs typeface="맑은 고딕"/>
               </a:rPr>
               <a:t>1</a:t>
             </a:r>
             <a:endParaRPr sz="1400">
-              <a:latin typeface="Malgun Gothic"/>
-              <a:cs typeface="Malgun Gothic"/>
+              <a:solidFill>
+                <a:srgbClr val="000000"/>
+              </a:solidFill>
+              <a:latin typeface="맑은 고딕"/>
+              <a:cs typeface="맑은 고딕"/>
             </a:endParaRPr>
           </a:p>
         </p:txBody>
       </p:sp>
       <p:sp>
         <p:nvSpPr>
-          <p:cNvPr id="34" name="object 34" descr=""/>
+          <p:cNvPr id="90" name="object 34"/>
           <p:cNvSpPr txBox="1"/>
           <p:nvPr/>
         </p:nvSpPr>
@@ -5364,19 +6832,22 @@
             <a:avLst/>
           </a:prstGeom>
           <a:solidFill>
-            <a:srgbClr val="FFCC99"/>
+            <a:srgbClr val="ffcc99">
+              <a:alpha val="100000"/>
+            </a:srgbClr>
           </a:solidFill>
           <a:ln w="12192">
             <a:solidFill>
-              <a:srgbClr val="7E7E7E"/>
+              <a:srgbClr val="7e7e7e">
+                <a:alpha val="100000"/>
+              </a:srgbClr>
             </a:solidFill>
           </a:ln>
         </p:spPr>
         <p:txBody>
-          <a:bodyPr wrap="square" lIns="0" tIns="19685" rIns="0" bIns="0" rtlCol="0" vert="horz">
+          <a:bodyPr vert="horz" wrap="square" lIns="0" tIns="19685" rIns="0" bIns="0">
             <a:spAutoFit/>
           </a:bodyPr>
-          <a:lstStyle/>
           <a:p>
             <a:pPr marL="30480">
               <a:lnSpc>
@@ -5385,47 +6856,51 @@
               <a:spcBef>
                 <a:spcPts val="155"/>
               </a:spcBef>
+              <a:defRPr/>
             </a:pPr>
             <a:r>
-              <a:rPr dirty="0" sz="1400">
-                <a:solidFill>
-                  <a:srgbClr val="3F3F75"/>
-                </a:solidFill>
-                <a:latin typeface="Malgun Gothic"/>
-                <a:cs typeface="Malgun Gothic"/>
+              <a:rPr sz="1400">
+                <a:solidFill>
+                  <a:srgbClr val="3f3f75"/>
+                </a:solidFill>
+                <a:latin typeface="맑은 고딕"/>
+                <a:cs typeface="맑은 고딕"/>
               </a:rPr>
               <a:t>TASK</a:t>
             </a:r>
             <a:r>
-              <a:rPr dirty="0" sz="1400" spc="-15">
-                <a:solidFill>
-                  <a:srgbClr val="3F3F75"/>
-                </a:solidFill>
-                <a:latin typeface="Malgun Gothic"/>
-                <a:cs typeface="Malgun Gothic"/>
+              <a:rPr sz="1400" spc="-15">
+                <a:solidFill>
+                  <a:srgbClr val="3f3f75"/>
+                </a:solidFill>
+                <a:latin typeface="맑은 고딕"/>
+                <a:cs typeface="맑은 고딕"/>
               </a:rPr>
               <a:t> </a:t>
             </a:r>
             <a:r>
-              <a:rPr dirty="0" sz="1400" spc="-50">
-                <a:solidFill>
-                  <a:srgbClr val="3F3F75"/>
-                </a:solidFill>
-                <a:latin typeface="Malgun Gothic"/>
-                <a:cs typeface="Malgun Gothic"/>
+              <a:rPr sz="1400" spc="-50">
+                <a:solidFill>
+                  <a:srgbClr val="3f3f75"/>
+                </a:solidFill>
+                <a:latin typeface="맑은 고딕"/>
+                <a:cs typeface="맑은 고딕"/>
               </a:rPr>
               <a:t>n</a:t>
             </a:r>
             <a:endParaRPr sz="1400">
-              <a:latin typeface="Malgun Gothic"/>
-              <a:cs typeface="Malgun Gothic"/>
+              <a:solidFill>
+                <a:srgbClr val="000000"/>
+              </a:solidFill>
+              <a:latin typeface="맑은 고딕"/>
+              <a:cs typeface="맑은 고딕"/>
             </a:endParaRPr>
           </a:p>
         </p:txBody>
       </p:sp>
       <p:sp>
         <p:nvSpPr>
-          <p:cNvPr id="35" name="object 35" descr=""/>
+          <p:cNvPr id="91" name="object 35"/>
           <p:cNvSpPr txBox="1"/>
           <p:nvPr/>
         </p:nvSpPr>
@@ -5439,10 +6914,9 @@
           </a:prstGeom>
         </p:spPr>
         <p:txBody>
-          <a:bodyPr wrap="square" lIns="0" tIns="12700" rIns="0" bIns="0" rtlCol="0" vert="horz">
+          <a:bodyPr vert="horz" wrap="square" lIns="0" tIns="12700" rIns="0" bIns="0">
             <a:spAutoFit/>
           </a:bodyPr>
-          <a:lstStyle/>
           <a:p>
             <a:pPr marL="12700">
               <a:lnSpc>
@@ -5451,29 +6925,42 @@
               <a:spcBef>
                 <a:spcPts val="100"/>
               </a:spcBef>
+              <a:defRPr/>
             </a:pPr>
             <a:r>
-              <a:rPr dirty="0" sz="1400">
+              <a:rPr sz="1400">
+                <a:solidFill>
+                  <a:srgbClr val="000000"/>
+                </a:solidFill>
                 <a:latin typeface="Arial"/>
                 <a:cs typeface="Arial"/>
               </a:rPr>
               <a:t>voting</a:t>
             </a:r>
             <a:r>
-              <a:rPr dirty="0" sz="1400" spc="-20">
+              <a:rPr sz="1400" spc="-20">
+                <a:solidFill>
+                  <a:srgbClr val="000000"/>
+                </a:solidFill>
                 <a:latin typeface="Arial"/>
                 <a:cs typeface="Arial"/>
               </a:rPr>
               <a:t> </a:t>
             </a:r>
             <a:r>
-              <a:rPr dirty="0" sz="1400" spc="-50">
+              <a:rPr sz="1400" spc="-50">
+                <a:solidFill>
+                  <a:srgbClr val="000000"/>
+                </a:solidFill>
                 <a:latin typeface="Arial"/>
                 <a:cs typeface="Arial"/>
               </a:rPr>
               <a:t>1</a:t>
             </a:r>
             <a:endParaRPr sz="1400">
+              <a:solidFill>
+                <a:srgbClr val="000000"/>
+              </a:solidFill>
               <a:latin typeface="Arial"/>
               <a:cs typeface="Arial"/>
             </a:endParaRPr>
@@ -5482,7 +6969,7 @@
       </p:sp>
       <p:sp>
         <p:nvSpPr>
-          <p:cNvPr id="36" name="object 36" descr=""/>
+          <p:cNvPr id="92" name="object 36"/>
           <p:cNvSpPr txBox="1"/>
           <p:nvPr/>
         </p:nvSpPr>
@@ -5496,10 +6983,9 @@
           </a:prstGeom>
         </p:spPr>
         <p:txBody>
-          <a:bodyPr wrap="square" lIns="0" tIns="12700" rIns="0" bIns="0" rtlCol="0" vert="horz">
+          <a:bodyPr vert="horz" wrap="square" lIns="0" tIns="12700" rIns="0" bIns="0">
             <a:spAutoFit/>
           </a:bodyPr>
-          <a:lstStyle/>
           <a:p>
             <a:pPr marL="12700">
               <a:lnSpc>
@@ -5508,29 +6994,42 @@
               <a:spcBef>
                 <a:spcPts val="100"/>
               </a:spcBef>
+              <a:defRPr/>
             </a:pPr>
             <a:r>
-              <a:rPr dirty="0" sz="1400">
+              <a:rPr sz="1400">
+                <a:solidFill>
+                  <a:srgbClr val="000000"/>
+                </a:solidFill>
                 <a:latin typeface="Arial"/>
                 <a:cs typeface="Arial"/>
               </a:rPr>
               <a:t>voting</a:t>
             </a:r>
             <a:r>
-              <a:rPr dirty="0" sz="1400" spc="-20">
+              <a:rPr sz="1400" spc="-20">
+                <a:solidFill>
+                  <a:srgbClr val="000000"/>
+                </a:solidFill>
                 <a:latin typeface="Arial"/>
                 <a:cs typeface="Arial"/>
               </a:rPr>
               <a:t> </a:t>
             </a:r>
             <a:r>
-              <a:rPr dirty="0" sz="1400" spc="-50">
+              <a:rPr sz="1400" spc="-50">
+                <a:solidFill>
+                  <a:srgbClr val="000000"/>
+                </a:solidFill>
                 <a:latin typeface="Arial"/>
                 <a:cs typeface="Arial"/>
               </a:rPr>
               <a:t>3</a:t>
             </a:r>
             <a:endParaRPr sz="1400">
+              <a:solidFill>
+                <a:srgbClr val="000000"/>
+              </a:solidFill>
               <a:latin typeface="Arial"/>
               <a:cs typeface="Arial"/>
             </a:endParaRPr>
@@ -5539,7 +7038,7 @@
       </p:sp>
       <p:sp>
         <p:nvSpPr>
-          <p:cNvPr id="37" name="object 37" descr=""/>
+          <p:cNvPr id="93" name="object 37"/>
           <p:cNvSpPr txBox="1"/>
           <p:nvPr/>
         </p:nvSpPr>
@@ -5553,10 +7052,9 @@
           </a:prstGeom>
         </p:spPr>
         <p:txBody>
-          <a:bodyPr wrap="square" lIns="0" tIns="12700" rIns="0" bIns="0" rtlCol="0" vert="horz">
+          <a:bodyPr vert="horz" wrap="square" lIns="0" tIns="12700" rIns="0" bIns="0">
             <a:spAutoFit/>
           </a:bodyPr>
-          <a:lstStyle/>
           <a:p>
             <a:pPr marL="12700">
               <a:lnSpc>
@@ -5565,29 +7063,42 @@
               <a:spcBef>
                 <a:spcPts val="100"/>
               </a:spcBef>
+              <a:defRPr/>
             </a:pPr>
             <a:r>
-              <a:rPr dirty="0" sz="1400">
+              <a:rPr sz="1400">
+                <a:solidFill>
+                  <a:srgbClr val="000000"/>
+                </a:solidFill>
                 <a:latin typeface="Arial"/>
                 <a:cs typeface="Arial"/>
               </a:rPr>
               <a:t>voting</a:t>
             </a:r>
             <a:r>
-              <a:rPr dirty="0" sz="1400" spc="-20">
+              <a:rPr sz="1400" spc="-20">
+                <a:solidFill>
+                  <a:srgbClr val="000000"/>
+                </a:solidFill>
                 <a:latin typeface="Arial"/>
                 <a:cs typeface="Arial"/>
               </a:rPr>
               <a:t> </a:t>
             </a:r>
             <a:r>
-              <a:rPr dirty="0" sz="1400" spc="-50">
+              <a:rPr sz="1400" spc="-50">
+                <a:solidFill>
+                  <a:srgbClr val="000000"/>
+                </a:solidFill>
                 <a:latin typeface="Arial"/>
                 <a:cs typeface="Arial"/>
               </a:rPr>
               <a:t>5</a:t>
             </a:r>
             <a:endParaRPr sz="1400">
+              <a:solidFill>
+                <a:srgbClr val="000000"/>
+              </a:solidFill>
               <a:latin typeface="Arial"/>
               <a:cs typeface="Arial"/>
             </a:endParaRPr>
@@ -5596,7 +7107,7 @@
       </p:sp>
       <p:sp>
         <p:nvSpPr>
-          <p:cNvPr id="38" name="object 38" descr=""/>
+          <p:cNvPr id="94" name="object 38"/>
           <p:cNvSpPr txBox="1"/>
           <p:nvPr/>
         </p:nvSpPr>
@@ -5610,10 +7121,9 @@
           </a:prstGeom>
         </p:spPr>
         <p:txBody>
-          <a:bodyPr wrap="square" lIns="0" tIns="12700" rIns="0" bIns="0" rtlCol="0" vert="horz">
+          <a:bodyPr vert="horz" wrap="square" lIns="0" tIns="12700" rIns="0" bIns="0">
             <a:spAutoFit/>
           </a:bodyPr>
-          <a:lstStyle/>
           <a:p>
             <a:pPr marL="12700">
               <a:lnSpc>
@@ -5622,29 +7132,42 @@
               <a:spcBef>
                 <a:spcPts val="100"/>
               </a:spcBef>
+              <a:defRPr/>
             </a:pPr>
             <a:r>
-              <a:rPr dirty="0" sz="1400">
+              <a:rPr sz="1400">
+                <a:solidFill>
+                  <a:srgbClr val="000000"/>
+                </a:solidFill>
                 <a:latin typeface="Arial"/>
                 <a:cs typeface="Arial"/>
               </a:rPr>
               <a:t>voting</a:t>
             </a:r>
             <a:r>
-              <a:rPr dirty="0" sz="1400" spc="-20">
+              <a:rPr sz="1400" spc="-20">
+                <a:solidFill>
+                  <a:srgbClr val="000000"/>
+                </a:solidFill>
                 <a:latin typeface="Arial"/>
                 <a:cs typeface="Arial"/>
               </a:rPr>
               <a:t> </a:t>
             </a:r>
             <a:r>
-              <a:rPr dirty="0" sz="1400" spc="-50">
+              <a:rPr sz="1400" spc="-50">
+                <a:solidFill>
+                  <a:srgbClr val="000000"/>
+                </a:solidFill>
                 <a:latin typeface="Arial"/>
                 <a:cs typeface="Arial"/>
               </a:rPr>
               <a:t>4</a:t>
             </a:r>
             <a:endParaRPr sz="1400">
+              <a:solidFill>
+                <a:srgbClr val="000000"/>
+              </a:solidFill>
               <a:latin typeface="Arial"/>
               <a:cs typeface="Arial"/>
             </a:endParaRPr>
@@ -5653,7 +7176,7 @@
       </p:sp>
       <p:sp>
         <p:nvSpPr>
-          <p:cNvPr id="39" name="object 39" descr=""/>
+          <p:cNvPr id="95" name="object 39"/>
           <p:cNvSpPr txBox="1"/>
           <p:nvPr/>
         </p:nvSpPr>
@@ -5667,10 +7190,9 @@
           </a:prstGeom>
         </p:spPr>
         <p:txBody>
-          <a:bodyPr wrap="square" lIns="0" tIns="12700" rIns="0" bIns="0" rtlCol="0" vert="horz">
+          <a:bodyPr vert="horz" wrap="square" lIns="0" tIns="12700" rIns="0" bIns="0">
             <a:spAutoFit/>
           </a:bodyPr>
-          <a:lstStyle/>
           <a:p>
             <a:pPr marL="12700">
               <a:lnSpc>
@@ -5679,29 +7201,42 @@
               <a:spcBef>
                 <a:spcPts val="100"/>
               </a:spcBef>
+              <a:defRPr/>
             </a:pPr>
             <a:r>
-              <a:rPr dirty="0" sz="1400">
+              <a:rPr sz="1400">
+                <a:solidFill>
+                  <a:srgbClr val="000000"/>
+                </a:solidFill>
                 <a:latin typeface="Arial"/>
                 <a:cs typeface="Arial"/>
               </a:rPr>
               <a:t>voting</a:t>
             </a:r>
             <a:r>
-              <a:rPr dirty="0" sz="1400" spc="-20">
+              <a:rPr sz="1400" spc="-20">
+                <a:solidFill>
+                  <a:srgbClr val="000000"/>
+                </a:solidFill>
                 <a:latin typeface="Arial"/>
                 <a:cs typeface="Arial"/>
               </a:rPr>
               <a:t> </a:t>
             </a:r>
             <a:r>
-              <a:rPr dirty="0" sz="1400" spc="-50">
+              <a:rPr sz="1400" spc="-50">
+                <a:solidFill>
+                  <a:srgbClr val="000000"/>
+                </a:solidFill>
                 <a:latin typeface="Arial"/>
                 <a:cs typeface="Arial"/>
               </a:rPr>
               <a:t>2</a:t>
             </a:r>
             <a:endParaRPr sz="1400">
+              <a:solidFill>
+                <a:srgbClr val="000000"/>
+              </a:solidFill>
               <a:latin typeface="Arial"/>
               <a:cs typeface="Arial"/>
             </a:endParaRPr>
@@ -5710,7 +7245,7 @@
       </p:sp>
       <p:sp>
         <p:nvSpPr>
-          <p:cNvPr id="40" name="object 40" descr=""/>
+          <p:cNvPr id="96" name="object 40"/>
           <p:cNvSpPr txBox="1"/>
           <p:nvPr/>
         </p:nvSpPr>
@@ -5723,19 +7258,22 @@
             <a:avLst/>
           </a:prstGeom>
           <a:solidFill>
-            <a:srgbClr val="FFEB9C"/>
+            <a:srgbClr val="ffeb9c">
+              <a:alpha val="100000"/>
+            </a:srgbClr>
           </a:solidFill>
           <a:ln w="12192">
             <a:solidFill>
-              <a:srgbClr val="000000"/>
+              <a:srgbClr val="000000">
+                <a:alpha val="100000"/>
+              </a:srgbClr>
             </a:solidFill>
           </a:ln>
         </p:spPr>
         <p:txBody>
-          <a:bodyPr wrap="square" lIns="0" tIns="19685" rIns="0" bIns="0" rtlCol="0" vert="horz">
+          <a:bodyPr vert="horz" wrap="square" lIns="0" tIns="19685" rIns="0" bIns="0">
             <a:spAutoFit/>
           </a:bodyPr>
-          <a:lstStyle/>
           <a:p>
             <a:pPr marL="29845">
               <a:lnSpc>
@@ -5744,47 +7282,51 @@
               <a:spcBef>
                 <a:spcPts val="155"/>
               </a:spcBef>
+              <a:defRPr/>
             </a:pPr>
             <a:r>
-              <a:rPr dirty="0" sz="1400">
-                <a:solidFill>
-                  <a:srgbClr val="9C5700"/>
-                </a:solidFill>
-                <a:latin typeface="Malgun Gothic"/>
-                <a:cs typeface="Malgun Gothic"/>
+              <a:rPr sz="1400">
+                <a:solidFill>
+                  <a:srgbClr val="9c5700"/>
+                </a:solidFill>
+                <a:latin typeface="맑은 고딕"/>
+                <a:cs typeface="맑은 고딕"/>
               </a:rPr>
               <a:t>Release</a:t>
             </a:r>
             <a:r>
-              <a:rPr dirty="0" sz="1400" spc="-5">
-                <a:solidFill>
-                  <a:srgbClr val="9C5700"/>
-                </a:solidFill>
-                <a:latin typeface="Malgun Gothic"/>
-                <a:cs typeface="Malgun Gothic"/>
+              <a:rPr sz="1400" spc="-5">
+                <a:solidFill>
+                  <a:srgbClr val="9c5700"/>
+                </a:solidFill>
+                <a:latin typeface="맑은 고딕"/>
+                <a:cs typeface="맑은 고딕"/>
               </a:rPr>
               <a:t> </a:t>
             </a:r>
             <a:r>
-              <a:rPr dirty="0" sz="1400" spc="-50">
-                <a:solidFill>
-                  <a:srgbClr val="9C5700"/>
-                </a:solidFill>
-                <a:latin typeface="Malgun Gothic"/>
-                <a:cs typeface="Malgun Gothic"/>
+              <a:rPr sz="1400" spc="-50">
+                <a:solidFill>
+                  <a:srgbClr val="9c5700"/>
+                </a:solidFill>
+                <a:latin typeface="맑은 고딕"/>
+                <a:cs typeface="맑은 고딕"/>
               </a:rPr>
               <a:t>3</a:t>
             </a:r>
             <a:endParaRPr sz="1400">
-              <a:latin typeface="Malgun Gothic"/>
-              <a:cs typeface="Malgun Gothic"/>
+              <a:solidFill>
+                <a:srgbClr val="000000"/>
+              </a:solidFill>
+              <a:latin typeface="맑은 고딕"/>
+              <a:cs typeface="맑은 고딕"/>
             </a:endParaRPr>
           </a:p>
         </p:txBody>
       </p:sp>
       <p:sp>
         <p:nvSpPr>
-          <p:cNvPr id="41" name="object 41" descr=""/>
+          <p:cNvPr id="97" name="object 41"/>
           <p:cNvSpPr/>
           <p:nvPr/>
         </p:nvSpPr>
@@ -5796,8 +7338,6 @@
           <a:custGeom>
             <a:avLst/>
             <a:gdLst/>
-            <a:ahLst/>
-            <a:cxnLst/>
             <a:rect l="l" t="t" r="r" b="b"/>
             <a:pathLst>
               <a:path w="2980054" h="912495">
@@ -5923,18 +7463,28 @@
             </a:pathLst>
           </a:custGeom>
           <a:solidFill>
-            <a:srgbClr val="000000"/>
+            <a:srgbClr val="000000">
+              <a:alpha val="100000"/>
+            </a:srgbClr>
           </a:solidFill>
         </p:spPr>
         <p:txBody>
-          <a:bodyPr wrap="square" lIns="0" tIns="0" rIns="0" bIns="0" rtlCol="0"/>
-          <a:lstStyle/>
-          <a:p/>
-        </p:txBody>
-      </p:sp>
-      <p:sp>
-        <p:nvSpPr>
-          <p:cNvPr id="42" name="object 42" descr=""/>
+          <a:bodyPr wrap="square" lIns="0" tIns="0" rIns="0" bIns="0"/>
+          <a:p>
+            <a:pPr lvl="0">
+              <a:defRPr/>
+            </a:pPr>
+            <a:endParaRPr>
+              <a:solidFill>
+                <a:srgbClr val="000000"/>
+              </a:solidFill>
+            </a:endParaRPr>
+          </a:p>
+        </p:txBody>
+      </p:sp>
+      <p:sp>
+        <p:nvSpPr>
+          <p:cNvPr id="98" name="object 42"/>
           <p:cNvSpPr/>
           <p:nvPr/>
         </p:nvSpPr>
@@ -5946,8 +7496,6 @@
           <a:custGeom>
             <a:avLst/>
             <a:gdLst/>
-            <a:ahLst/>
-            <a:cxnLst/>
             <a:rect l="l" t="t" r="r" b="b"/>
             <a:pathLst>
               <a:path w="2973704" h="912495">
@@ -6085,18 +7633,28 @@
             </a:pathLst>
           </a:custGeom>
           <a:solidFill>
-            <a:srgbClr val="000000"/>
+            <a:srgbClr val="000000">
+              <a:alpha val="100000"/>
+            </a:srgbClr>
           </a:solidFill>
         </p:spPr>
         <p:txBody>
-          <a:bodyPr wrap="square" lIns="0" tIns="0" rIns="0" bIns="0" rtlCol="0"/>
-          <a:lstStyle/>
-          <a:p/>
-        </p:txBody>
-      </p:sp>
-      <p:sp>
-        <p:nvSpPr>
-          <p:cNvPr id="43" name="object 43" descr=""/>
+          <a:bodyPr wrap="square" lIns="0" tIns="0" rIns="0" bIns="0"/>
+          <a:p>
+            <a:pPr lvl="0">
+              <a:defRPr/>
+            </a:pPr>
+            <a:endParaRPr>
+              <a:solidFill>
+                <a:srgbClr val="000000"/>
+              </a:solidFill>
+            </a:endParaRPr>
+          </a:p>
+        </p:txBody>
+      </p:sp>
+      <p:sp>
+        <p:nvSpPr>
+          <p:cNvPr id="99" name="object 43"/>
           <p:cNvSpPr/>
           <p:nvPr/>
         </p:nvSpPr>
@@ -6108,8 +7666,6 @@
           <a:custGeom>
             <a:avLst/>
             <a:gdLst/>
-            <a:ahLst/>
-            <a:cxnLst/>
             <a:rect l="l" t="t" r="r" b="b"/>
             <a:pathLst>
               <a:path w="1986915" h="899795">
@@ -6184,18 +7740,28 @@
             </a:pathLst>
           </a:custGeom>
           <a:solidFill>
-            <a:srgbClr val="000000"/>
+            <a:srgbClr val="000000">
+              <a:alpha val="100000"/>
+            </a:srgbClr>
           </a:solidFill>
         </p:spPr>
         <p:txBody>
-          <a:bodyPr wrap="square" lIns="0" tIns="0" rIns="0" bIns="0" rtlCol="0"/>
-          <a:lstStyle/>
-          <a:p/>
-        </p:txBody>
-      </p:sp>
-      <p:sp>
-        <p:nvSpPr>
-          <p:cNvPr id="44" name="object 44" descr=""/>
+          <a:bodyPr wrap="square" lIns="0" tIns="0" rIns="0" bIns="0"/>
+          <a:p>
+            <a:pPr lvl="0">
+              <a:defRPr/>
+            </a:pPr>
+            <a:endParaRPr>
+              <a:solidFill>
+                <a:srgbClr val="000000"/>
+              </a:solidFill>
+            </a:endParaRPr>
+          </a:p>
+        </p:txBody>
+      </p:sp>
+      <p:sp>
+        <p:nvSpPr>
+          <p:cNvPr id="100" name="object 44"/>
           <p:cNvSpPr/>
           <p:nvPr/>
         </p:nvSpPr>
@@ -6207,8 +7773,6 @@
           <a:custGeom>
             <a:avLst/>
             <a:gdLst/>
-            <a:ahLst/>
-            <a:cxnLst/>
             <a:rect l="l" t="t" r="r" b="b"/>
             <a:pathLst>
               <a:path w="1992630" h="912495">
@@ -6307,18 +7871,28 @@
             </a:pathLst>
           </a:custGeom>
           <a:solidFill>
-            <a:srgbClr val="000000"/>
+            <a:srgbClr val="000000">
+              <a:alpha val="100000"/>
+            </a:srgbClr>
           </a:solidFill>
         </p:spPr>
         <p:txBody>
-          <a:bodyPr wrap="square" lIns="0" tIns="0" rIns="0" bIns="0" rtlCol="0"/>
-          <a:lstStyle/>
-          <a:p/>
-        </p:txBody>
-      </p:sp>
-      <p:sp>
-        <p:nvSpPr>
-          <p:cNvPr id="45" name="object 45" descr=""/>
+          <a:bodyPr wrap="square" lIns="0" tIns="0" rIns="0" bIns="0"/>
+          <a:p>
+            <a:pPr lvl="0">
+              <a:defRPr/>
+            </a:pPr>
+            <a:endParaRPr>
+              <a:solidFill>
+                <a:srgbClr val="000000"/>
+              </a:solidFill>
+            </a:endParaRPr>
+          </a:p>
+        </p:txBody>
+      </p:sp>
+      <p:sp>
+        <p:nvSpPr>
+          <p:cNvPr id="101" name="object 45"/>
           <p:cNvSpPr/>
           <p:nvPr/>
         </p:nvSpPr>
@@ -6330,8 +7904,6 @@
           <a:custGeom>
             <a:avLst/>
             <a:gdLst/>
-            <a:ahLst/>
-            <a:cxnLst/>
             <a:rect l="l" t="t" r="r" b="b"/>
             <a:pathLst>
               <a:path w="1992629" h="912495">
@@ -6427,18 +7999,28 @@
             </a:pathLst>
           </a:custGeom>
           <a:solidFill>
-            <a:srgbClr val="000000"/>
+            <a:srgbClr val="000000">
+              <a:alpha val="100000"/>
+            </a:srgbClr>
           </a:solidFill>
         </p:spPr>
         <p:txBody>
-          <a:bodyPr wrap="square" lIns="0" tIns="0" rIns="0" bIns="0" rtlCol="0"/>
-          <a:lstStyle/>
-          <a:p/>
-        </p:txBody>
-      </p:sp>
-      <p:sp>
-        <p:nvSpPr>
-          <p:cNvPr id="46" name="object 46" descr=""/>
+          <a:bodyPr wrap="square" lIns="0" tIns="0" rIns="0" bIns="0"/>
+          <a:p>
+            <a:pPr lvl="0">
+              <a:defRPr/>
+            </a:pPr>
+            <a:endParaRPr>
+              <a:solidFill>
+                <a:srgbClr val="000000"/>
+              </a:solidFill>
+            </a:endParaRPr>
+          </a:p>
+        </p:txBody>
+      </p:sp>
+      <p:sp>
+        <p:nvSpPr>
+          <p:cNvPr id="102" name="object 46"/>
           <p:cNvSpPr/>
           <p:nvPr/>
         </p:nvSpPr>
@@ -6450,8 +8032,6 @@
           <a:custGeom>
             <a:avLst/>
             <a:gdLst/>
-            <a:ahLst/>
-            <a:cxnLst/>
             <a:rect l="l" t="t" r="r" b="b"/>
             <a:pathLst>
               <a:path w="999489" h="899795">
@@ -6502,18 +8082,28 @@
             </a:pathLst>
           </a:custGeom>
           <a:solidFill>
-            <a:srgbClr val="000000"/>
+            <a:srgbClr val="000000">
+              <a:alpha val="100000"/>
+            </a:srgbClr>
           </a:solidFill>
         </p:spPr>
         <p:txBody>
-          <a:bodyPr wrap="square" lIns="0" tIns="0" rIns="0" bIns="0" rtlCol="0"/>
-          <a:lstStyle/>
-          <a:p/>
-        </p:txBody>
-      </p:sp>
-      <p:sp>
-        <p:nvSpPr>
-          <p:cNvPr id="47" name="object 47" descr=""/>
+          <a:bodyPr wrap="square" lIns="0" tIns="0" rIns="0" bIns="0"/>
+          <a:p>
+            <a:pPr lvl="0">
+              <a:defRPr/>
+            </a:pPr>
+            <a:endParaRPr>
+              <a:solidFill>
+                <a:srgbClr val="000000"/>
+              </a:solidFill>
+            </a:endParaRPr>
+          </a:p>
+        </p:txBody>
+      </p:sp>
+      <p:sp>
+        <p:nvSpPr>
+          <p:cNvPr id="103" name="object 47"/>
           <p:cNvSpPr/>
           <p:nvPr/>
         </p:nvSpPr>
@@ -6525,8 +8115,6 @@
           <a:custGeom>
             <a:avLst/>
             <a:gdLst/>
-            <a:ahLst/>
-            <a:cxnLst/>
             <a:rect l="l" t="t" r="r" b="b"/>
             <a:pathLst>
               <a:path w="1986915" h="899795">
@@ -6598,18 +8186,28 @@
             </a:pathLst>
           </a:custGeom>
           <a:solidFill>
-            <a:srgbClr val="000000"/>
+            <a:srgbClr val="000000">
+              <a:alpha val="100000"/>
+            </a:srgbClr>
           </a:solidFill>
         </p:spPr>
         <p:txBody>
-          <a:bodyPr wrap="square" lIns="0" tIns="0" rIns="0" bIns="0" rtlCol="0"/>
-          <a:lstStyle/>
-          <a:p/>
-        </p:txBody>
-      </p:sp>
-      <p:sp>
-        <p:nvSpPr>
-          <p:cNvPr id="48" name="object 48" descr=""/>
+          <a:bodyPr wrap="square" lIns="0" tIns="0" rIns="0" bIns="0"/>
+          <a:p>
+            <a:pPr lvl="0">
+              <a:defRPr/>
+            </a:pPr>
+            <a:endParaRPr>
+              <a:solidFill>
+                <a:srgbClr val="000000"/>
+              </a:solidFill>
+            </a:endParaRPr>
+          </a:p>
+        </p:txBody>
+      </p:sp>
+      <p:sp>
+        <p:nvSpPr>
+          <p:cNvPr id="104" name="object 48"/>
           <p:cNvSpPr/>
           <p:nvPr/>
         </p:nvSpPr>
@@ -6621,8 +8219,6 @@
           <a:custGeom>
             <a:avLst/>
             <a:gdLst/>
-            <a:ahLst/>
-            <a:cxnLst/>
             <a:rect l="l" t="t" r="r" b="b"/>
             <a:pathLst>
               <a:path w="999490" h="899795">
@@ -6673,18 +8269,28 @@
             </a:pathLst>
           </a:custGeom>
           <a:solidFill>
-            <a:srgbClr val="000000"/>
+            <a:srgbClr val="000000">
+              <a:alpha val="100000"/>
+            </a:srgbClr>
           </a:solidFill>
         </p:spPr>
         <p:txBody>
-          <a:bodyPr wrap="square" lIns="0" tIns="0" rIns="0" bIns="0" rtlCol="0"/>
-          <a:lstStyle/>
-          <a:p/>
-        </p:txBody>
-      </p:sp>
-      <p:sp>
-        <p:nvSpPr>
-          <p:cNvPr id="49" name="object 49" descr=""/>
+          <a:bodyPr wrap="square" lIns="0" tIns="0" rIns="0" bIns="0"/>
+          <a:p>
+            <a:pPr lvl="0">
+              <a:defRPr/>
+            </a:pPr>
+            <a:endParaRPr>
+              <a:solidFill>
+                <a:srgbClr val="000000"/>
+              </a:solidFill>
+            </a:endParaRPr>
+          </a:p>
+        </p:txBody>
+      </p:sp>
+      <p:sp>
+        <p:nvSpPr>
+          <p:cNvPr id="105" name="object 49"/>
           <p:cNvSpPr/>
           <p:nvPr/>
         </p:nvSpPr>
@@ -6696,8 +8302,6 @@
           <a:custGeom>
             <a:avLst/>
             <a:gdLst/>
-            <a:ahLst/>
-            <a:cxnLst/>
             <a:rect l="l" t="t" r="r" b="b"/>
             <a:pathLst>
               <a:path w="1986915" h="899795">
@@ -6772,18 +8376,28 @@
             </a:pathLst>
           </a:custGeom>
           <a:solidFill>
-            <a:srgbClr val="000000"/>
+            <a:srgbClr val="000000">
+              <a:alpha val="100000"/>
+            </a:srgbClr>
           </a:solidFill>
         </p:spPr>
         <p:txBody>
-          <a:bodyPr wrap="square" lIns="0" tIns="0" rIns="0" bIns="0" rtlCol="0"/>
-          <a:lstStyle/>
-          <a:p/>
-        </p:txBody>
-      </p:sp>
-      <p:sp>
-        <p:nvSpPr>
-          <p:cNvPr id="50" name="object 50" descr=""/>
+          <a:bodyPr wrap="square" lIns="0" tIns="0" rIns="0" bIns="0"/>
+          <a:p>
+            <a:pPr lvl="0">
+              <a:defRPr/>
+            </a:pPr>
+            <a:endParaRPr>
+              <a:solidFill>
+                <a:srgbClr val="000000"/>
+              </a:solidFill>
+            </a:endParaRPr>
+          </a:p>
+        </p:txBody>
+      </p:sp>
+      <p:sp>
+        <p:nvSpPr>
+          <p:cNvPr id="106" name="object 50"/>
           <p:cNvSpPr/>
           <p:nvPr/>
         </p:nvSpPr>
@@ -6795,8 +8409,6 @@
           <a:custGeom>
             <a:avLst/>
             <a:gdLst/>
-            <a:ahLst/>
-            <a:cxnLst/>
             <a:rect l="l" t="t" r="r" b="b"/>
             <a:pathLst>
               <a:path w="1986915" h="899795">
@@ -6871,18 +8483,28 @@
             </a:pathLst>
           </a:custGeom>
           <a:solidFill>
-            <a:srgbClr val="000000"/>
+            <a:srgbClr val="000000">
+              <a:alpha val="100000"/>
+            </a:srgbClr>
           </a:solidFill>
         </p:spPr>
         <p:txBody>
-          <a:bodyPr wrap="square" lIns="0" tIns="0" rIns="0" bIns="0" rtlCol="0"/>
-          <a:lstStyle/>
-          <a:p/>
-        </p:txBody>
-      </p:sp>
-      <p:sp>
-        <p:nvSpPr>
-          <p:cNvPr id="51" name="object 51" descr=""/>
+          <a:bodyPr wrap="square" lIns="0" tIns="0" rIns="0" bIns="0"/>
+          <a:p>
+            <a:pPr lvl="0">
+              <a:defRPr/>
+            </a:pPr>
+            <a:endParaRPr>
+              <a:solidFill>
+                <a:srgbClr val="000000"/>
+              </a:solidFill>
+            </a:endParaRPr>
+          </a:p>
+        </p:txBody>
+      </p:sp>
+      <p:sp>
+        <p:nvSpPr>
+          <p:cNvPr id="107" name="object 51"/>
           <p:cNvSpPr/>
           <p:nvPr/>
         </p:nvSpPr>
@@ -6894,8 +8516,6 @@
           <a:custGeom>
             <a:avLst/>
             <a:gdLst/>
-            <a:ahLst/>
-            <a:cxnLst/>
             <a:rect l="l" t="t" r="r" b="b"/>
             <a:pathLst>
               <a:path w="13821410" h="36829">
@@ -6937,18 +8557,28 @@
             </a:pathLst>
           </a:custGeom>
           <a:solidFill>
-            <a:srgbClr val="000000"/>
+            <a:srgbClr val="000000">
+              <a:alpha val="100000"/>
+            </a:srgbClr>
           </a:solidFill>
         </p:spPr>
         <p:txBody>
-          <a:bodyPr wrap="square" lIns="0" tIns="0" rIns="0" bIns="0" rtlCol="0"/>
-          <a:lstStyle/>
-          <a:p/>
-        </p:txBody>
-      </p:sp>
-      <p:sp>
-        <p:nvSpPr>
-          <p:cNvPr id="52" name="object 52" descr=""/>
+          <a:bodyPr wrap="square" lIns="0" tIns="0" rIns="0" bIns="0"/>
+          <a:p>
+            <a:pPr lvl="0">
+              <a:defRPr/>
+            </a:pPr>
+            <a:endParaRPr>
+              <a:solidFill>
+                <a:srgbClr val="000000"/>
+              </a:solidFill>
+            </a:endParaRPr>
+          </a:p>
+        </p:txBody>
+      </p:sp>
+      <p:sp>
+        <p:nvSpPr>
+          <p:cNvPr id="108" name="object 52"/>
           <p:cNvSpPr/>
           <p:nvPr/>
         </p:nvSpPr>
@@ -6960,8 +8590,6 @@
           <a:custGeom>
             <a:avLst/>
             <a:gdLst/>
-            <a:ahLst/>
-            <a:cxnLst/>
             <a:rect l="l" t="t" r="r" b="b"/>
             <a:pathLst>
               <a:path w="13821410" h="36829">
@@ -7003,23 +8631,33 @@
             </a:pathLst>
           </a:custGeom>
           <a:solidFill>
-            <a:srgbClr val="000000"/>
+            <a:srgbClr val="000000">
+              <a:alpha val="100000"/>
+            </a:srgbClr>
           </a:solidFill>
         </p:spPr>
         <p:txBody>
-          <a:bodyPr wrap="square" lIns="0" tIns="0" rIns="0" bIns="0" rtlCol="0"/>
-          <a:lstStyle/>
-          <a:p/>
+          <a:bodyPr wrap="square" lIns="0" tIns="0" rIns="0" bIns="0"/>
+          <a:p>
+            <a:pPr lvl="0">
+              <a:defRPr/>
+            </a:pPr>
+            <a:endParaRPr>
+              <a:solidFill>
+                <a:srgbClr val="000000"/>
+              </a:solidFill>
+            </a:endParaRPr>
+          </a:p>
         </p:txBody>
       </p:sp>
       <p:grpSp>
         <p:nvGrpSpPr>
-          <p:cNvPr id="53" name="object 53" descr=""/>
+          <p:cNvPr id="109" name="object 53"/>
           <p:cNvGrpSpPr/>
           <p:nvPr/>
         </p:nvGrpSpPr>
         <p:grpSpPr>
-          <a:xfrm>
+          <a:xfrm rot="0">
             <a:off x="1028255" y="2237828"/>
             <a:ext cx="13004800" cy="545465"/>
             <a:chOff x="1028255" y="2237828"/>
@@ -7028,7 +8666,7 @@
         </p:grpSpPr>
         <p:sp>
           <p:nvSpPr>
-            <p:cNvPr id="54" name="object 54" descr=""/>
+            <p:cNvPr id="110" name="object 54"/>
             <p:cNvSpPr/>
             <p:nvPr/>
           </p:nvSpPr>
@@ -7040,8 +8678,6 @@
             <a:custGeom>
               <a:avLst/>
               <a:gdLst/>
-              <a:ahLst/>
-              <a:cxnLst/>
               <a:rect l="l" t="t" r="r" b="b"/>
               <a:pathLst>
                 <a:path w="13004800" h="545464">
@@ -7074,23 +8710,33 @@
               </a:pathLst>
             </a:custGeom>
             <a:solidFill>
-              <a:srgbClr val="5B9AD5"/>
+              <a:srgbClr val="5b9ad5">
+                <a:alpha val="100000"/>
+              </a:srgbClr>
             </a:solidFill>
           </p:spPr>
           <p:txBody>
-            <a:bodyPr wrap="square" lIns="0" tIns="0" rIns="0" bIns="0" rtlCol="0"/>
-            <a:lstStyle/>
-            <a:p/>
+            <a:bodyPr wrap="square" lIns="0" tIns="0" rIns="0" bIns="0"/>
+            <a:p>
+              <a:pPr lvl="0">
+                <a:defRPr/>
+              </a:pPr>
+              <a:endParaRPr>
+                <a:solidFill>
+                  <a:srgbClr val="000000"/>
+                </a:solidFill>
+              </a:endParaRPr>
+            </a:p>
           </p:txBody>
         </p:sp>
         <p:pic>
           <p:nvPicPr>
-            <p:cNvPr id="55" name="object 55" descr=""/>
+            <p:cNvPr id="111" name="object 55"/>
             <p:cNvPicPr/>
             <p:nvPr/>
           </p:nvPicPr>
-          <p:blipFill>
-            <a:blip r:embed="rId2" cstate="print"/>
+          <p:blipFill rotWithShape="1">
+            <a:blip r:embed="rId2"/>
             <a:stretch>
               <a:fillRect/>
             </a:stretch>
@@ -7108,7 +8754,7 @@
       </p:grpSp>
       <p:sp>
         <p:nvSpPr>
-          <p:cNvPr id="56" name="object 56" descr=""/>
+          <p:cNvPr id="112" name="object 56"/>
           <p:cNvSpPr txBox="1"/>
           <p:nvPr/>
         </p:nvSpPr>
@@ -7122,10 +8768,9 @@
           </a:prstGeom>
         </p:spPr>
         <p:txBody>
-          <a:bodyPr wrap="square" lIns="0" tIns="12065" rIns="0" bIns="0" rtlCol="0" vert="horz">
+          <a:bodyPr vert="horz" wrap="square" lIns="0" tIns="12065" rIns="0" bIns="0">
             <a:spAutoFit/>
           </a:bodyPr>
-          <a:lstStyle/>
           <a:p>
             <a:pPr marL="12700">
               <a:lnSpc>
@@ -7134,31 +8779,1414 @@
               <a:spcBef>
                 <a:spcPts val="95"/>
               </a:spcBef>
+              <a:defRPr/>
             </a:pPr>
             <a:r>
-              <a:rPr dirty="0" sz="1600">
+              <a:rPr sz="1600">
+                <a:solidFill>
+                  <a:srgbClr val="000000"/>
+                </a:solidFill>
                 <a:latin typeface="Calibri"/>
                 <a:cs typeface="Calibri"/>
               </a:rPr>
               <a:t>Narrative</a:t>
             </a:r>
             <a:r>
-              <a:rPr dirty="0" sz="1600" spc="-65">
+              <a:rPr sz="1600" spc="-65">
+                <a:solidFill>
+                  <a:srgbClr val="000000"/>
+                </a:solidFill>
                 <a:latin typeface="Calibri"/>
                 <a:cs typeface="Calibri"/>
               </a:rPr>
               <a:t> </a:t>
             </a:r>
             <a:r>
-              <a:rPr dirty="0" sz="1600" spc="-20">
+              <a:rPr sz="1600" spc="-20">
+                <a:solidFill>
+                  <a:srgbClr val="000000"/>
+                </a:solidFill>
                 <a:latin typeface="Calibri"/>
                 <a:cs typeface="Calibri"/>
               </a:rPr>
               <a:t>Flow</a:t>
             </a:r>
             <a:endParaRPr sz="1600">
+              <a:solidFill>
+                <a:srgbClr val="000000"/>
+              </a:solidFill>
               <a:latin typeface="Calibri"/>
               <a:cs typeface="Calibri"/>
+            </a:endParaRPr>
+          </a:p>
+        </p:txBody>
+      </p:sp>
+      <p:sp>
+        <p:nvSpPr>
+          <p:cNvPr id="113" name="TextBox 56"/>
+          <p:cNvSpPr txBox="1"/>
+          <p:nvPr/>
+        </p:nvSpPr>
+        <p:spPr>
+          <a:xfrm>
+            <a:off x="622300" y="1377950"/>
+            <a:ext cx="1014505" cy="769441"/>
+          </a:xfrm>
+          <a:prstGeom prst="rect">
+            <a:avLst/>
+          </a:prstGeom>
+          <a:noFill/>
+        </p:spPr>
+        <p:txBody>
+          <a:bodyPr wrap="square">
+            <a:spAutoFit/>
+          </a:bodyPr>
+          <a:p>
+            <a:pPr lvl="0">
+              <a:defRPr/>
+            </a:pPr>
+            <a:r>
+              <a:rPr lang="ko-KR" altLang="en-US" sz="1100">
+                <a:solidFill>
+                  <a:srgbClr val="000000"/>
+                </a:solidFill>
+                <a:latin typeface="Calibri"/>
+                <a:ea typeface="맑은 고딕"/>
+              </a:rPr>
+              <a:t>쓰레기 불법 투기하는 행위자가 있는지 감시</a:t>
+            </a:r>
+            <a:endParaRPr lang="en-US" altLang="ko-KR" sz="1100">
+              <a:solidFill>
+                <a:srgbClr val="000000"/>
+              </a:solidFill>
+              <a:latin typeface="맑은 고딕"/>
+              <a:ea typeface="맑은 고딕"/>
+            </a:endParaRPr>
+          </a:p>
+        </p:txBody>
+      </p:sp>
+      <p:sp>
+        <p:nvSpPr>
+          <p:cNvPr id="114" name="TextBox 57"/>
+          <p:cNvSpPr txBox="1"/>
+          <p:nvPr/>
+        </p:nvSpPr>
+        <p:spPr>
+          <a:xfrm>
+            <a:off x="4614996" y="1404263"/>
+            <a:ext cx="938710" cy="430887"/>
+          </a:xfrm>
+          <a:prstGeom prst="rect">
+            <a:avLst/>
+          </a:prstGeom>
+          <a:noFill/>
+        </p:spPr>
+        <p:txBody>
+          <a:bodyPr wrap="square">
+            <a:spAutoFit/>
+          </a:bodyPr>
+          <a:p>
+            <a:pPr lvl="0">
+              <a:defRPr/>
+            </a:pPr>
+            <a:r>
+              <a:rPr lang="ko-KR" altLang="en-US" sz="1100">
+                <a:solidFill>
+                  <a:srgbClr val="000000"/>
+                </a:solidFill>
+                <a:latin typeface="Calibri"/>
+                <a:ea typeface="맑은 고딕"/>
+              </a:rPr>
+              <a:t>쓰레기 불법 투기자 단속</a:t>
+            </a:r>
+            <a:endParaRPr lang="en-US" altLang="ko-KR" sz="1100">
+              <a:solidFill>
+                <a:srgbClr val="000000"/>
+              </a:solidFill>
+              <a:latin typeface="맑은 고딕"/>
+              <a:ea typeface="맑은 고딕"/>
+            </a:endParaRPr>
+          </a:p>
+        </p:txBody>
+      </p:sp>
+      <p:sp>
+        <p:nvSpPr>
+          <p:cNvPr id="115" name="TextBox 58"/>
+          <p:cNvSpPr txBox="1"/>
+          <p:nvPr/>
+        </p:nvSpPr>
+        <p:spPr>
+          <a:xfrm>
+            <a:off x="8544178" y="1502593"/>
+            <a:ext cx="1032787" cy="600164"/>
+          </a:xfrm>
+          <a:prstGeom prst="rect">
+            <a:avLst/>
+          </a:prstGeom>
+          <a:noFill/>
+        </p:spPr>
+        <p:txBody>
+          <a:bodyPr wrap="square">
+            <a:spAutoFit/>
+          </a:bodyPr>
+          <a:p>
+            <a:pPr lvl="0">
+              <a:defRPr/>
+            </a:pPr>
+            <a:r>
+              <a:rPr lang="ko-KR" altLang="en-US" sz="1100">
+                <a:solidFill>
+                  <a:srgbClr val="000000"/>
+                </a:solidFill>
+                <a:latin typeface="Calibri"/>
+                <a:ea typeface="맑은 고딕"/>
+              </a:rPr>
+              <a:t>쓰레기 불법 투기자 과태료 부과</a:t>
+            </a:r>
+            <a:endParaRPr lang="en-US" altLang="ko-KR" sz="1100">
+              <a:solidFill>
+                <a:srgbClr val="000000"/>
+              </a:solidFill>
+              <a:latin typeface="맑은 고딕"/>
+              <a:ea typeface="맑은 고딕"/>
+            </a:endParaRPr>
+          </a:p>
+        </p:txBody>
+      </p:sp>
+      <p:sp>
+        <p:nvSpPr>
+          <p:cNvPr id="116" name="TextBox 64"/>
+          <p:cNvSpPr txBox="1"/>
+          <p:nvPr/>
+        </p:nvSpPr>
+        <p:spPr>
+          <a:xfrm>
+            <a:off x="1665195" y="3087641"/>
+            <a:ext cx="1014505" cy="430887"/>
+          </a:xfrm>
+          <a:prstGeom prst="rect">
+            <a:avLst/>
+          </a:prstGeom>
+          <a:noFill/>
+        </p:spPr>
+        <p:txBody>
+          <a:bodyPr wrap="square">
+            <a:spAutoFit/>
+          </a:bodyPr>
+          <a:p>
+            <a:pPr lvl="0">
+              <a:defRPr/>
+            </a:pPr>
+            <a:r>
+              <a:rPr lang="ko-KR" altLang="en-US" sz="1100">
+                <a:solidFill>
+                  <a:srgbClr val="000000"/>
+                </a:solidFill>
+                <a:latin typeface="Calibri"/>
+                <a:ea typeface="맑은 고딕"/>
+              </a:rPr>
+              <a:t>쓰레기 불법 투기 감시</a:t>
+            </a:r>
+            <a:endParaRPr lang="en-US" altLang="ko-KR" sz="1100">
+              <a:solidFill>
+                <a:srgbClr val="000000"/>
+              </a:solidFill>
+              <a:latin typeface="맑은 고딕"/>
+              <a:ea typeface="맑은 고딕"/>
+            </a:endParaRPr>
+          </a:p>
+        </p:txBody>
+      </p:sp>
+      <p:sp>
+        <p:nvSpPr>
+          <p:cNvPr id="117" name="TextBox 67"/>
+          <p:cNvSpPr txBox="1"/>
+          <p:nvPr/>
+        </p:nvSpPr>
+        <p:spPr>
+          <a:xfrm>
+            <a:off x="5551395" y="3054350"/>
+            <a:ext cx="1014505" cy="769441"/>
+          </a:xfrm>
+          <a:prstGeom prst="rect">
+            <a:avLst/>
+          </a:prstGeom>
+          <a:noFill/>
+        </p:spPr>
+        <p:txBody>
+          <a:bodyPr wrap="square">
+            <a:spAutoFit/>
+          </a:bodyPr>
+          <a:p>
+            <a:pPr lvl="0">
+              <a:defRPr/>
+            </a:pPr>
+            <a:r>
+              <a:rPr lang="ko-KR" altLang="en-US" sz="1100">
+                <a:solidFill>
+                  <a:srgbClr val="000000"/>
+                </a:solidFill>
+                <a:latin typeface="Calibri"/>
+                <a:ea typeface="맑은 고딕"/>
+              </a:rPr>
+              <a:t>불법 투기한  시간</a:t>
+            </a:r>
+            <a:r>
+              <a:rPr lang="en-US" altLang="ko-KR" sz="1100">
+                <a:solidFill>
+                  <a:srgbClr val="000000"/>
+                </a:solidFill>
+                <a:latin typeface="맑은 고딕"/>
+                <a:ea typeface="맑은 고딕"/>
+              </a:rPr>
+              <a:t>, </a:t>
+            </a:r>
+            <a:r>
+              <a:rPr lang="ko-KR" altLang="en-US" sz="1100">
+                <a:solidFill>
+                  <a:srgbClr val="000000"/>
+                </a:solidFill>
+                <a:latin typeface="Calibri"/>
+                <a:ea typeface="맑은 고딕"/>
+              </a:rPr>
+              <a:t>장소 등의 정보 저장</a:t>
+            </a:r>
+            <a:endParaRPr lang="en-US" altLang="ko-KR" sz="1100">
+              <a:solidFill>
+                <a:srgbClr val="000000"/>
+              </a:solidFill>
+              <a:latin typeface="맑은 고딕"/>
+              <a:ea typeface="맑은 고딕"/>
+            </a:endParaRPr>
+          </a:p>
+        </p:txBody>
+      </p:sp>
+      <p:sp>
+        <p:nvSpPr>
+          <p:cNvPr id="118" name="TextBox 68"/>
+          <p:cNvSpPr txBox="1"/>
+          <p:nvPr/>
+        </p:nvSpPr>
+        <p:spPr>
+          <a:xfrm>
+            <a:off x="4568554" y="3169104"/>
+            <a:ext cx="1014505" cy="430887"/>
+          </a:xfrm>
+          <a:prstGeom prst="rect">
+            <a:avLst/>
+          </a:prstGeom>
+          <a:noFill/>
+        </p:spPr>
+        <p:txBody>
+          <a:bodyPr wrap="square">
+            <a:spAutoFit/>
+          </a:bodyPr>
+          <a:p>
+            <a:pPr lvl="0">
+              <a:defRPr/>
+            </a:pPr>
+            <a:r>
+              <a:rPr lang="ko-KR" altLang="en-US" sz="1100">
+                <a:solidFill>
+                  <a:srgbClr val="000000"/>
+                </a:solidFill>
+                <a:latin typeface="Calibri"/>
+                <a:ea typeface="맑은 고딕"/>
+              </a:rPr>
+              <a:t>쓰레기 불법 투기자 발견</a:t>
+            </a:r>
+            <a:endParaRPr lang="en-US" altLang="ko-KR" sz="1100">
+              <a:solidFill>
+                <a:srgbClr val="000000"/>
+              </a:solidFill>
+              <a:latin typeface="맑은 고딕"/>
+              <a:ea typeface="맑은 고딕"/>
+            </a:endParaRPr>
+          </a:p>
+        </p:txBody>
+      </p:sp>
+      <p:sp>
+        <p:nvSpPr>
+          <p:cNvPr id="119" name="TextBox 69"/>
+          <p:cNvSpPr txBox="1"/>
+          <p:nvPr/>
+        </p:nvSpPr>
+        <p:spPr>
+          <a:xfrm>
+            <a:off x="8547100" y="4037509"/>
+            <a:ext cx="1014505" cy="769441"/>
+          </a:xfrm>
+          <a:prstGeom prst="rect">
+            <a:avLst/>
+          </a:prstGeom>
+          <a:noFill/>
+        </p:spPr>
+        <p:txBody>
+          <a:bodyPr wrap="square">
+            <a:spAutoFit/>
+          </a:bodyPr>
+          <a:p>
+            <a:pPr lvl="0">
+              <a:defRPr/>
+            </a:pPr>
+            <a:r>
+              <a:rPr lang="ko-KR" altLang="en-US" sz="1100">
+                <a:solidFill>
+                  <a:srgbClr val="000000"/>
+                </a:solidFill>
+                <a:latin typeface="Calibri"/>
+                <a:ea typeface="맑은 고딕"/>
+              </a:rPr>
+              <a:t>쓰레기불법투기에 관한  정보를 살펴본다</a:t>
+            </a:r>
+            <a:endParaRPr lang="en-US" altLang="ko-KR" sz="1100">
+              <a:solidFill>
+                <a:srgbClr val="000000"/>
+              </a:solidFill>
+              <a:latin typeface="맑은 고딕"/>
+              <a:ea typeface="맑은 고딕"/>
+            </a:endParaRPr>
+          </a:p>
+        </p:txBody>
+      </p:sp>
+      <p:sp>
+        <p:nvSpPr>
+          <p:cNvPr id="120" name="TextBox 70"/>
+          <p:cNvSpPr txBox="1"/>
+          <p:nvPr/>
+        </p:nvSpPr>
+        <p:spPr>
+          <a:xfrm>
+            <a:off x="1631979" y="4155606"/>
+            <a:ext cx="1014505" cy="600164"/>
+          </a:xfrm>
+          <a:prstGeom prst="rect">
+            <a:avLst/>
+          </a:prstGeom>
+          <a:noFill/>
+        </p:spPr>
+        <p:txBody>
+          <a:bodyPr wrap="square">
+            <a:spAutoFit/>
+          </a:bodyPr>
+          <a:p>
+            <a:pPr lvl="0">
+              <a:defRPr/>
+            </a:pPr>
+            <a:r>
+              <a:rPr lang="ko-KR" altLang="en-US" sz="1100">
+                <a:solidFill>
+                  <a:srgbClr val="000000"/>
+                </a:solidFill>
+                <a:latin typeface="Calibri"/>
+                <a:ea typeface="맑은 고딕"/>
+              </a:rPr>
+              <a:t>쓰레기를 불법 투기 감시</a:t>
+            </a:r>
+            <a:endParaRPr lang="en-US" altLang="ko-KR" sz="1100">
+              <a:solidFill>
+                <a:srgbClr val="000000"/>
+              </a:solidFill>
+              <a:latin typeface="맑은 고딕"/>
+              <a:ea typeface="맑은 고딕"/>
+            </a:endParaRPr>
+          </a:p>
+        </p:txBody>
+      </p:sp>
+      <p:sp>
+        <p:nvSpPr>
+          <p:cNvPr id="121" name="TextBox 72"/>
+          <p:cNvSpPr txBox="1"/>
+          <p:nvPr/>
+        </p:nvSpPr>
+        <p:spPr>
+          <a:xfrm>
+            <a:off x="1601850" y="5372666"/>
+            <a:ext cx="1014505" cy="430887"/>
+          </a:xfrm>
+          <a:prstGeom prst="rect">
+            <a:avLst/>
+          </a:prstGeom>
+          <a:noFill/>
+        </p:spPr>
+        <p:txBody>
+          <a:bodyPr wrap="square">
+            <a:spAutoFit/>
+          </a:bodyPr>
+          <a:p>
+            <a:pPr lvl="0">
+              <a:defRPr/>
+            </a:pPr>
+            <a:r>
+              <a:rPr lang="ko-KR" altLang="en-US" sz="1100">
+                <a:solidFill>
+                  <a:srgbClr val="000000"/>
+                </a:solidFill>
+                <a:latin typeface="Calibri"/>
+                <a:ea typeface="맑은 고딕"/>
+              </a:rPr>
+              <a:t>자동 단속 시스템</a:t>
+            </a:r>
+            <a:endParaRPr lang="en-US" altLang="ko-KR" sz="1100">
+              <a:solidFill>
+                <a:srgbClr val="000000"/>
+              </a:solidFill>
+              <a:latin typeface="맑은 고딕"/>
+              <a:ea typeface="맑은 고딕"/>
+            </a:endParaRPr>
+          </a:p>
+        </p:txBody>
+      </p:sp>
+      <p:sp>
+        <p:nvSpPr>
+          <p:cNvPr id="122" name="TextBox 59"/>
+          <p:cNvSpPr txBox="1"/>
+          <p:nvPr/>
+        </p:nvSpPr>
+        <p:spPr>
+          <a:xfrm>
+            <a:off x="1631979" y="6467716"/>
+            <a:ext cx="1014505" cy="430887"/>
+          </a:xfrm>
+          <a:prstGeom prst="rect">
+            <a:avLst/>
+          </a:prstGeom>
+          <a:noFill/>
+        </p:spPr>
+        <p:txBody>
+          <a:bodyPr wrap="square">
+            <a:spAutoFit/>
+          </a:bodyPr>
+          <a:p>
+            <a:pPr lvl="0">
+              <a:defRPr/>
+            </a:pPr>
+            <a:r>
+              <a:rPr lang="en-US" altLang="ko-KR" sz="1100">
+                <a:solidFill>
+                  <a:srgbClr val="000000"/>
+                </a:solidFill>
+                <a:latin typeface="맑은 고딕"/>
+                <a:ea typeface="맑은 고딕"/>
+              </a:rPr>
+              <a:t>CCTV</a:t>
+            </a:r>
+            <a:r>
+              <a:rPr lang="ko-KR" altLang="en-US" sz="1100">
+                <a:solidFill>
+                  <a:srgbClr val="000000"/>
+                </a:solidFill>
+                <a:latin typeface="Calibri"/>
+                <a:ea typeface="맑은 고딕"/>
+              </a:rPr>
+              <a:t>를 통한 직접 감시</a:t>
+            </a:r>
+            <a:endParaRPr lang="en-US" altLang="ko-KR" sz="1100">
+              <a:solidFill>
+                <a:srgbClr val="000000"/>
+              </a:solidFill>
+              <a:latin typeface="맑은 고딕"/>
+              <a:ea typeface="맑은 고딕"/>
+            </a:endParaRPr>
+          </a:p>
+        </p:txBody>
+      </p:sp>
+      <p:sp>
+        <p:nvSpPr>
+          <p:cNvPr id="123" name="TextBox 61"/>
+          <p:cNvSpPr txBox="1"/>
+          <p:nvPr/>
+        </p:nvSpPr>
+        <p:spPr>
+          <a:xfrm>
+            <a:off x="4536890" y="4123700"/>
+            <a:ext cx="1014505" cy="600164"/>
+          </a:xfrm>
+          <a:prstGeom prst="rect">
+            <a:avLst/>
+          </a:prstGeom>
+          <a:noFill/>
+        </p:spPr>
+        <p:txBody>
+          <a:bodyPr wrap="square">
+            <a:spAutoFit/>
+          </a:bodyPr>
+          <a:p>
+            <a:pPr lvl="0">
+              <a:defRPr/>
+            </a:pPr>
+            <a:r>
+              <a:rPr lang="ko-KR" altLang="en-US" sz="1100">
+                <a:solidFill>
+                  <a:srgbClr val="000000"/>
+                </a:solidFill>
+                <a:latin typeface="Calibri"/>
+                <a:ea typeface="맑은 고딕"/>
+              </a:rPr>
+              <a:t>쓰레기 불법 투기한 사람 적발</a:t>
+            </a:r>
+            <a:endParaRPr lang="en-US" altLang="ko-KR" sz="1100">
+              <a:solidFill>
+                <a:srgbClr val="000000"/>
+              </a:solidFill>
+              <a:latin typeface="맑은 고딕"/>
+              <a:ea typeface="맑은 고딕"/>
+            </a:endParaRPr>
+          </a:p>
+        </p:txBody>
+      </p:sp>
+      <p:sp>
+        <p:nvSpPr>
+          <p:cNvPr id="124" name="TextBox 62"/>
+          <p:cNvSpPr txBox="1"/>
+          <p:nvPr/>
+        </p:nvSpPr>
+        <p:spPr>
+          <a:xfrm>
+            <a:off x="5551394" y="4037509"/>
+            <a:ext cx="1014505" cy="769441"/>
+          </a:xfrm>
+          <a:prstGeom prst="rect">
+            <a:avLst/>
+          </a:prstGeom>
+          <a:noFill/>
+        </p:spPr>
+        <p:txBody>
+          <a:bodyPr wrap="square">
+            <a:spAutoFit/>
+          </a:bodyPr>
+          <a:p>
+            <a:pPr lvl="0">
+              <a:defRPr/>
+            </a:pPr>
+            <a:r>
+              <a:rPr lang="ko-KR" altLang="en-US" sz="1100">
+                <a:solidFill>
+                  <a:srgbClr val="000000"/>
+                </a:solidFill>
+                <a:latin typeface="Calibri"/>
+                <a:ea typeface="맑은 고딕"/>
+              </a:rPr>
+              <a:t>쓰레기 불법 투기에 관련된 정보 저장</a:t>
+            </a:r>
+            <a:endParaRPr lang="en-US" altLang="ko-KR" sz="1100">
+              <a:solidFill>
+                <a:srgbClr val="000000"/>
+              </a:solidFill>
+              <a:latin typeface="맑은 고딕"/>
+              <a:ea typeface="맑은 고딕"/>
+            </a:endParaRPr>
+          </a:p>
+        </p:txBody>
+      </p:sp>
+      <p:sp>
+        <p:nvSpPr>
+          <p:cNvPr id="125" name="TextBox 63"/>
+          <p:cNvSpPr txBox="1"/>
+          <p:nvPr/>
+        </p:nvSpPr>
+        <p:spPr>
+          <a:xfrm>
+            <a:off x="4565974" y="5163631"/>
+            <a:ext cx="1014505" cy="938719"/>
+          </a:xfrm>
+          <a:prstGeom prst="rect">
+            <a:avLst/>
+          </a:prstGeom>
+          <a:noFill/>
+        </p:spPr>
+        <p:txBody>
+          <a:bodyPr wrap="square">
+            <a:spAutoFit/>
+          </a:bodyPr>
+          <a:p>
+            <a:pPr lvl="0">
+              <a:defRPr/>
+            </a:pPr>
+            <a:r>
+              <a:rPr lang="ko-KR" altLang="en-US" sz="1100">
+                <a:solidFill>
+                  <a:srgbClr val="000000"/>
+                </a:solidFill>
+                <a:latin typeface="Calibri"/>
+                <a:ea typeface="맑은 고딕"/>
+              </a:rPr>
+              <a:t>자동 단속 시스템을 통해 자동으로 단속</a:t>
+            </a:r>
+            <a:endParaRPr lang="en-US" altLang="ko-KR" sz="1100">
+              <a:solidFill>
+                <a:srgbClr val="000000"/>
+              </a:solidFill>
+              <a:latin typeface="맑은 고딕"/>
+              <a:ea typeface="맑은 고딕"/>
+            </a:endParaRPr>
+          </a:p>
+        </p:txBody>
+      </p:sp>
+      <p:sp>
+        <p:nvSpPr>
+          <p:cNvPr id="126" name="TextBox 66"/>
+          <p:cNvSpPr txBox="1"/>
+          <p:nvPr/>
+        </p:nvSpPr>
+        <p:spPr>
+          <a:xfrm>
+            <a:off x="5605490" y="5178692"/>
+            <a:ext cx="1014505" cy="430887"/>
+          </a:xfrm>
+          <a:prstGeom prst="rect">
+            <a:avLst/>
+          </a:prstGeom>
+          <a:noFill/>
+        </p:spPr>
+        <p:txBody>
+          <a:bodyPr wrap="square">
+            <a:spAutoFit/>
+          </a:bodyPr>
+          <a:p>
+            <a:pPr lvl="0">
+              <a:defRPr/>
+            </a:pPr>
+            <a:r>
+              <a:rPr lang="ko-KR" altLang="en-US" sz="1100">
+                <a:solidFill>
+                  <a:srgbClr val="000000"/>
+                </a:solidFill>
+                <a:latin typeface="Calibri"/>
+                <a:ea typeface="맑은 고딕"/>
+              </a:rPr>
+              <a:t>데이터베이스에 저장</a:t>
+            </a:r>
+            <a:endParaRPr lang="en-US" altLang="ko-KR" sz="1100">
+              <a:solidFill>
+                <a:srgbClr val="000000"/>
+              </a:solidFill>
+              <a:latin typeface="맑은 고딕"/>
+              <a:ea typeface="맑은 고딕"/>
+            </a:endParaRPr>
+          </a:p>
+        </p:txBody>
+      </p:sp>
+      <p:sp>
+        <p:nvSpPr>
+          <p:cNvPr id="127" name="TextBox 74"/>
+          <p:cNvSpPr txBox="1"/>
+          <p:nvPr/>
+        </p:nvSpPr>
+        <p:spPr>
+          <a:xfrm>
+            <a:off x="5566280" y="6330950"/>
+            <a:ext cx="1014505" cy="769441"/>
+          </a:xfrm>
+          <a:prstGeom prst="rect">
+            <a:avLst/>
+          </a:prstGeom>
+          <a:noFill/>
+        </p:spPr>
+        <p:txBody>
+          <a:bodyPr wrap="square">
+            <a:spAutoFit/>
+          </a:bodyPr>
+          <a:p>
+            <a:pPr lvl="0">
+              <a:defRPr/>
+            </a:pPr>
+            <a:r>
+              <a:rPr lang="ko-KR" altLang="en-US" sz="1100">
+                <a:solidFill>
+                  <a:srgbClr val="000000"/>
+                </a:solidFill>
+                <a:latin typeface="Calibri"/>
+                <a:ea typeface="맑은 고딕"/>
+              </a:rPr>
+              <a:t>텍스트 파일이나 엑셀 등의 파일로 저장</a:t>
+            </a:r>
+            <a:endParaRPr lang="en-US" altLang="ko-KR" sz="1100">
+              <a:solidFill>
+                <a:srgbClr val="000000"/>
+              </a:solidFill>
+              <a:latin typeface="맑은 고딕"/>
+              <a:ea typeface="맑은 고딕"/>
+            </a:endParaRPr>
+          </a:p>
+        </p:txBody>
+      </p:sp>
+      <p:sp>
+        <p:nvSpPr>
+          <p:cNvPr id="128" name="TextBox 75"/>
+          <p:cNvSpPr txBox="1"/>
+          <p:nvPr/>
+        </p:nvSpPr>
+        <p:spPr>
+          <a:xfrm>
+            <a:off x="5575300" y="7473950"/>
+            <a:ext cx="1014505" cy="769441"/>
+          </a:xfrm>
+          <a:prstGeom prst="rect">
+            <a:avLst/>
+          </a:prstGeom>
+          <a:noFill/>
+        </p:spPr>
+        <p:txBody>
+          <a:bodyPr wrap="square">
+            <a:spAutoFit/>
+          </a:bodyPr>
+          <a:p>
+            <a:pPr lvl="0">
+              <a:defRPr/>
+            </a:pPr>
+            <a:r>
+              <a:rPr lang="ko-KR" altLang="en-US" sz="1100">
+                <a:solidFill>
+                  <a:srgbClr val="000000"/>
+                </a:solidFill>
+                <a:latin typeface="Calibri"/>
+                <a:ea typeface="맑은 고딕"/>
+              </a:rPr>
+              <a:t>서류 등의 수기 파일등으로 저장</a:t>
+            </a:r>
+            <a:endParaRPr lang="en-US" altLang="ko-KR" sz="1100">
+              <a:solidFill>
+                <a:srgbClr val="000000"/>
+              </a:solidFill>
+              <a:latin typeface="맑은 고딕"/>
+              <a:ea typeface="맑은 고딕"/>
+            </a:endParaRPr>
+          </a:p>
+        </p:txBody>
+      </p:sp>
+      <p:sp>
+        <p:nvSpPr>
+          <p:cNvPr id="129" name="TextBox 76"/>
+          <p:cNvSpPr txBox="1"/>
+          <p:nvPr/>
+        </p:nvSpPr>
+        <p:spPr>
+          <a:xfrm>
+            <a:off x="4594238" y="6341243"/>
+            <a:ext cx="1014505" cy="600164"/>
+          </a:xfrm>
+          <a:prstGeom prst="rect">
+            <a:avLst/>
+          </a:prstGeom>
+          <a:noFill/>
+        </p:spPr>
+        <p:txBody>
+          <a:bodyPr wrap="square">
+            <a:spAutoFit/>
+          </a:bodyPr>
+          <a:p>
+            <a:pPr lvl="0">
+              <a:defRPr/>
+            </a:pPr>
+            <a:r>
+              <a:rPr lang="ko-KR" altLang="en-US" sz="1100">
+                <a:solidFill>
+                  <a:srgbClr val="000000"/>
+                </a:solidFill>
+                <a:latin typeface="Calibri"/>
+                <a:ea typeface="맑은 고딕"/>
+              </a:rPr>
+              <a:t>불법 단속 기기를 통한 단속</a:t>
+            </a:r>
+            <a:endParaRPr lang="en-US" altLang="ko-KR" sz="1100">
+              <a:solidFill>
+                <a:srgbClr val="000000"/>
+              </a:solidFill>
+              <a:latin typeface="맑은 고딕"/>
+              <a:ea typeface="맑은 고딕"/>
+            </a:endParaRPr>
+          </a:p>
+        </p:txBody>
+      </p:sp>
+      <p:sp>
+        <p:nvSpPr>
+          <p:cNvPr id="130" name="TextBox 77"/>
+          <p:cNvSpPr txBox="1"/>
+          <p:nvPr/>
+        </p:nvSpPr>
+        <p:spPr>
+          <a:xfrm>
+            <a:off x="4568554" y="7541833"/>
+            <a:ext cx="1014505" cy="430887"/>
+          </a:xfrm>
+          <a:prstGeom prst="rect">
+            <a:avLst/>
+          </a:prstGeom>
+          <a:noFill/>
+        </p:spPr>
+        <p:txBody>
+          <a:bodyPr wrap="square">
+            <a:spAutoFit/>
+          </a:bodyPr>
+          <a:p>
+            <a:pPr lvl="0">
+              <a:defRPr/>
+            </a:pPr>
+            <a:r>
+              <a:rPr lang="ko-KR" altLang="en-US" sz="1100">
+                <a:solidFill>
+                  <a:srgbClr val="000000"/>
+                </a:solidFill>
+                <a:latin typeface="Calibri"/>
+                <a:ea typeface="맑은 고딕"/>
+              </a:rPr>
+              <a:t>직접 순찰 후 단속</a:t>
+            </a:r>
+            <a:endParaRPr lang="en-US" altLang="ko-KR" sz="1100">
+              <a:solidFill>
+                <a:srgbClr val="000000"/>
+              </a:solidFill>
+              <a:latin typeface="맑은 고딕"/>
+              <a:ea typeface="맑은 고딕"/>
+            </a:endParaRPr>
+          </a:p>
+        </p:txBody>
+      </p:sp>
+      <p:sp>
+        <p:nvSpPr>
+          <p:cNvPr id="131" name="TextBox 79"/>
+          <p:cNvSpPr txBox="1"/>
+          <p:nvPr/>
+        </p:nvSpPr>
+        <p:spPr>
+          <a:xfrm>
+            <a:off x="8560221" y="3104625"/>
+            <a:ext cx="1014505" cy="600164"/>
+          </a:xfrm>
+          <a:prstGeom prst="rect">
+            <a:avLst/>
+          </a:prstGeom>
+          <a:noFill/>
+        </p:spPr>
+        <p:txBody>
+          <a:bodyPr wrap="square">
+            <a:spAutoFit/>
+          </a:bodyPr>
+          <a:p>
+            <a:pPr lvl="0">
+              <a:defRPr/>
+            </a:pPr>
+            <a:r>
+              <a:rPr lang="ko-KR" altLang="en-US" sz="1100">
+                <a:solidFill>
+                  <a:srgbClr val="000000"/>
+                </a:solidFill>
+                <a:latin typeface="Calibri"/>
+                <a:ea typeface="맑은 고딕"/>
+              </a:rPr>
+              <a:t>쓰레기불법투기 자료 열람</a:t>
+            </a:r>
+            <a:endParaRPr lang="en-US" altLang="ko-KR" sz="1100">
+              <a:solidFill>
+                <a:srgbClr val="000000"/>
+              </a:solidFill>
+              <a:latin typeface="맑은 고딕"/>
+              <a:ea typeface="맑은 고딕"/>
+            </a:endParaRPr>
+          </a:p>
+        </p:txBody>
+      </p:sp>
+      <p:sp>
+        <p:nvSpPr>
+          <p:cNvPr id="132" name="TextBox 81"/>
+          <p:cNvSpPr txBox="1"/>
+          <p:nvPr/>
+        </p:nvSpPr>
+        <p:spPr>
+          <a:xfrm>
+            <a:off x="8589720" y="5245503"/>
+            <a:ext cx="1014505" cy="769441"/>
+          </a:xfrm>
+          <a:prstGeom prst="rect">
+            <a:avLst/>
+          </a:prstGeom>
+          <a:noFill/>
+        </p:spPr>
+        <p:txBody>
+          <a:bodyPr wrap="square">
+            <a:spAutoFit/>
+          </a:bodyPr>
+          <a:p>
+            <a:pPr lvl="0">
+              <a:defRPr/>
+            </a:pPr>
+            <a:r>
+              <a:rPr lang="ko-KR" altLang="en-US" sz="1100">
+                <a:solidFill>
+                  <a:srgbClr val="000000"/>
+                </a:solidFill>
+                <a:latin typeface="Calibri"/>
+                <a:ea typeface="맑은 고딕"/>
+              </a:rPr>
+              <a:t>클라이언트에서 서버로 관련 정보 요청</a:t>
+            </a:r>
+            <a:endParaRPr lang="en-US" altLang="ko-KR" sz="1100">
+              <a:solidFill>
+                <a:srgbClr val="000000"/>
+              </a:solidFill>
+              <a:latin typeface="맑은 고딕"/>
+              <a:ea typeface="맑은 고딕"/>
+            </a:endParaRPr>
+          </a:p>
+        </p:txBody>
+      </p:sp>
+      <p:sp>
+        <p:nvSpPr>
+          <p:cNvPr id="133" name="TextBox 82"/>
+          <p:cNvSpPr txBox="1"/>
+          <p:nvPr/>
+        </p:nvSpPr>
+        <p:spPr>
+          <a:xfrm>
+            <a:off x="8547100" y="6433463"/>
+            <a:ext cx="933909" cy="430887"/>
+          </a:xfrm>
+          <a:prstGeom prst="rect">
+            <a:avLst/>
+          </a:prstGeom>
+          <a:noFill/>
+        </p:spPr>
+        <p:txBody>
+          <a:bodyPr wrap="square">
+            <a:spAutoFit/>
+          </a:bodyPr>
+          <a:p>
+            <a:pPr lvl="0">
+              <a:defRPr/>
+            </a:pPr>
+            <a:r>
+              <a:rPr lang="ko-KR" altLang="en-US" sz="1100">
+                <a:solidFill>
+                  <a:srgbClr val="000000"/>
+                </a:solidFill>
+                <a:latin typeface="Calibri"/>
+                <a:ea typeface="맑은 고딕"/>
+              </a:rPr>
+              <a:t>직접 정보를 찾아본다</a:t>
+            </a:r>
+            <a:endParaRPr lang="en-US" altLang="ko-KR" sz="1100">
+              <a:solidFill>
+                <a:srgbClr val="000000"/>
+              </a:solidFill>
+              <a:latin typeface="맑은 고딕"/>
+              <a:ea typeface="맑은 고딕"/>
+            </a:endParaRPr>
+          </a:p>
+        </p:txBody>
+      </p:sp>
+      <p:sp>
+        <p:nvSpPr>
+          <p:cNvPr id="134" name="TextBox 84"/>
+          <p:cNvSpPr txBox="1"/>
+          <p:nvPr/>
+        </p:nvSpPr>
+        <p:spPr>
+          <a:xfrm>
+            <a:off x="9544117" y="3148690"/>
+            <a:ext cx="957685" cy="430887"/>
+          </a:xfrm>
+          <a:prstGeom prst="rect">
+            <a:avLst/>
+          </a:prstGeom>
+          <a:noFill/>
+        </p:spPr>
+        <p:txBody>
+          <a:bodyPr wrap="square">
+            <a:spAutoFit/>
+          </a:bodyPr>
+          <a:p>
+            <a:pPr lvl="0">
+              <a:defRPr/>
+            </a:pPr>
+            <a:r>
+              <a:rPr lang="ko-KR" altLang="en-US" sz="1100">
+                <a:solidFill>
+                  <a:srgbClr val="000000"/>
+                </a:solidFill>
+                <a:latin typeface="Calibri"/>
+                <a:ea typeface="맑은 고딕"/>
+              </a:rPr>
+              <a:t>사전 통지서 발급</a:t>
+            </a:r>
+            <a:endParaRPr lang="en-US" altLang="ko-KR" sz="1100">
+              <a:solidFill>
+                <a:srgbClr val="000000"/>
+              </a:solidFill>
+              <a:latin typeface="맑은 고딕"/>
+              <a:ea typeface="맑은 고딕"/>
+            </a:endParaRPr>
+          </a:p>
+        </p:txBody>
+      </p:sp>
+      <p:sp>
+        <p:nvSpPr>
+          <p:cNvPr id="135" name="TextBox 85"/>
+          <p:cNvSpPr txBox="1"/>
+          <p:nvPr/>
+        </p:nvSpPr>
+        <p:spPr>
+          <a:xfrm>
+            <a:off x="9503305" y="3892550"/>
+            <a:ext cx="957685" cy="938719"/>
+          </a:xfrm>
+          <a:prstGeom prst="rect">
+            <a:avLst/>
+          </a:prstGeom>
+          <a:noFill/>
+        </p:spPr>
+        <p:txBody>
+          <a:bodyPr wrap="square">
+            <a:spAutoFit/>
+          </a:bodyPr>
+          <a:p>
+            <a:pPr lvl="0">
+              <a:defRPr/>
+            </a:pPr>
+            <a:r>
+              <a:rPr lang="ko-KR" altLang="en-US" sz="1100">
+                <a:solidFill>
+                  <a:srgbClr val="000000"/>
+                </a:solidFill>
+                <a:latin typeface="Calibri"/>
+                <a:ea typeface="맑은 고딕"/>
+              </a:rPr>
+              <a:t>열람한 자료를 토대로 사전 통지서 발급한다</a:t>
+            </a:r>
+            <a:r>
+              <a:rPr lang="en-US" altLang="ko-KR" sz="1100">
+                <a:solidFill>
+                  <a:srgbClr val="000000"/>
+                </a:solidFill>
+                <a:latin typeface="맑은 고딕"/>
+                <a:ea typeface="맑은 고딕"/>
+              </a:rPr>
+              <a:t>.</a:t>
+            </a:r>
+            <a:endParaRPr lang="en-US" altLang="ko-KR" sz="1100">
+              <a:solidFill>
+                <a:srgbClr val="000000"/>
+              </a:solidFill>
+              <a:latin typeface="맑은 고딕"/>
+              <a:ea typeface="맑은 고딕"/>
+            </a:endParaRPr>
+          </a:p>
+        </p:txBody>
+      </p:sp>
+      <p:sp>
+        <p:nvSpPr>
+          <p:cNvPr id="136" name="TextBox 87"/>
+          <p:cNvSpPr txBox="1"/>
+          <p:nvPr/>
+        </p:nvSpPr>
+        <p:spPr>
+          <a:xfrm>
+            <a:off x="9561605" y="5324656"/>
+            <a:ext cx="957685" cy="430887"/>
+          </a:xfrm>
+          <a:prstGeom prst="rect">
+            <a:avLst/>
+          </a:prstGeom>
+          <a:noFill/>
+        </p:spPr>
+        <p:txBody>
+          <a:bodyPr wrap="square">
+            <a:spAutoFit/>
+          </a:bodyPr>
+          <a:p>
+            <a:pPr lvl="0">
+              <a:defRPr/>
+            </a:pPr>
+            <a:r>
+              <a:rPr lang="ko-KR" altLang="en-US" sz="1100">
+                <a:solidFill>
+                  <a:srgbClr val="000000"/>
+                </a:solidFill>
+                <a:latin typeface="Calibri"/>
+                <a:ea typeface="맑은 고딕"/>
+              </a:rPr>
+              <a:t>서류를 통한 발급</a:t>
+            </a:r>
+            <a:endParaRPr lang="en-US" altLang="ko-KR" sz="1100">
+              <a:solidFill>
+                <a:srgbClr val="000000"/>
+              </a:solidFill>
+              <a:latin typeface="맑은 고딕"/>
+              <a:ea typeface="맑은 고딕"/>
+            </a:endParaRPr>
+          </a:p>
+        </p:txBody>
+      </p:sp>
+      <p:sp>
+        <p:nvSpPr>
+          <p:cNvPr id="137" name="TextBox 90"/>
+          <p:cNvSpPr txBox="1"/>
+          <p:nvPr/>
+        </p:nvSpPr>
+        <p:spPr>
+          <a:xfrm>
+            <a:off x="1631357" y="7547237"/>
+            <a:ext cx="1014505" cy="600164"/>
+          </a:xfrm>
+          <a:prstGeom prst="rect">
+            <a:avLst/>
+          </a:prstGeom>
+          <a:noFill/>
+        </p:spPr>
+        <p:txBody>
+          <a:bodyPr wrap="square">
+            <a:spAutoFit/>
+          </a:bodyPr>
+          <a:p>
+            <a:pPr lvl="0">
+              <a:defRPr/>
+            </a:pPr>
+            <a:r>
+              <a:rPr lang="ko-KR" altLang="en-US" sz="1100">
+                <a:solidFill>
+                  <a:srgbClr val="000000"/>
+                </a:solidFill>
+                <a:latin typeface="Calibri"/>
+                <a:ea typeface="맑은 고딕"/>
+              </a:rPr>
+              <a:t>직접 돌아다니며 감시한다</a:t>
+            </a:r>
+            <a:endParaRPr lang="en-US" altLang="ko-KR" sz="1100">
+              <a:solidFill>
+                <a:srgbClr val="000000"/>
+              </a:solidFill>
+              <a:latin typeface="맑은 고딕"/>
+              <a:ea typeface="맑은 고딕"/>
+            </a:endParaRPr>
+          </a:p>
+        </p:txBody>
+      </p:sp>
+      <p:sp>
+        <p:nvSpPr>
+          <p:cNvPr id="138" name="TextBox 92"/>
+          <p:cNvSpPr txBox="1"/>
+          <p:nvPr/>
+        </p:nvSpPr>
+        <p:spPr>
+          <a:xfrm>
+            <a:off x="616852" y="3118464"/>
+            <a:ext cx="1014505" cy="430887"/>
+          </a:xfrm>
+          <a:prstGeom prst="rect">
+            <a:avLst/>
+          </a:prstGeom>
+          <a:noFill/>
+        </p:spPr>
+        <p:txBody>
+          <a:bodyPr wrap="square">
+            <a:spAutoFit/>
+          </a:bodyPr>
+          <a:p>
+            <a:pPr lvl="0">
+              <a:defRPr/>
+            </a:pPr>
+            <a:r>
+              <a:rPr lang="ko-KR" altLang="en-US" sz="1100">
+                <a:solidFill>
+                  <a:srgbClr val="000000"/>
+                </a:solidFill>
+                <a:latin typeface="Calibri"/>
+                <a:ea typeface="맑은 고딕"/>
+              </a:rPr>
+              <a:t>쓰레기 불법 투기 경고</a:t>
+            </a:r>
+            <a:endParaRPr lang="en-US" altLang="ko-KR" sz="1100">
+              <a:solidFill>
+                <a:srgbClr val="000000"/>
+              </a:solidFill>
+              <a:latin typeface="맑은 고딕"/>
+              <a:ea typeface="맑은 고딕"/>
+            </a:endParaRPr>
+          </a:p>
+        </p:txBody>
+      </p:sp>
+      <p:sp>
+        <p:nvSpPr>
+          <p:cNvPr id="139" name="TextBox 93"/>
+          <p:cNvSpPr txBox="1"/>
+          <p:nvPr/>
+        </p:nvSpPr>
+        <p:spPr>
+          <a:xfrm>
+            <a:off x="605211" y="4209805"/>
+            <a:ext cx="1014505" cy="600164"/>
+          </a:xfrm>
+          <a:prstGeom prst="rect">
+            <a:avLst/>
+          </a:prstGeom>
+          <a:noFill/>
+        </p:spPr>
+        <p:txBody>
+          <a:bodyPr wrap="square">
+            <a:spAutoFit/>
+          </a:bodyPr>
+          <a:p>
+            <a:pPr lvl="0">
+              <a:defRPr/>
+            </a:pPr>
+            <a:r>
+              <a:rPr lang="ko-KR" altLang="en-US" sz="1100">
+                <a:solidFill>
+                  <a:srgbClr val="000000"/>
+                </a:solidFill>
+                <a:latin typeface="Calibri"/>
+                <a:ea typeface="맑은 고딕"/>
+              </a:rPr>
+              <a:t>소리나 그림 등으로 경고한다</a:t>
+            </a:r>
+            <a:r>
+              <a:rPr lang="en-US" altLang="ko-KR" sz="1100">
+                <a:solidFill>
+                  <a:srgbClr val="000000"/>
+                </a:solidFill>
+                <a:latin typeface="맑은 고딕"/>
+                <a:ea typeface="맑은 고딕"/>
+              </a:rPr>
+              <a:t>.</a:t>
+            </a:r>
+            <a:endParaRPr lang="en-US" altLang="ko-KR" sz="1100">
+              <a:solidFill>
+                <a:srgbClr val="000000"/>
+              </a:solidFill>
+              <a:latin typeface="맑은 고딕"/>
+              <a:ea typeface="맑은 고딕"/>
+            </a:endParaRPr>
+          </a:p>
+        </p:txBody>
+      </p:sp>
+      <p:sp>
+        <p:nvSpPr>
+          <p:cNvPr id="140" name="TextBox 94"/>
+          <p:cNvSpPr txBox="1"/>
+          <p:nvPr/>
+        </p:nvSpPr>
+        <p:spPr>
+          <a:xfrm>
+            <a:off x="605379" y="5348000"/>
+            <a:ext cx="1014505" cy="769441"/>
+          </a:xfrm>
+          <a:prstGeom prst="rect">
+            <a:avLst/>
+          </a:prstGeom>
+          <a:noFill/>
+        </p:spPr>
+        <p:txBody>
+          <a:bodyPr wrap="square">
+            <a:spAutoFit/>
+          </a:bodyPr>
+          <a:p>
+            <a:pPr lvl="0">
+              <a:defRPr/>
+            </a:pPr>
+            <a:r>
+              <a:rPr lang="ko-KR" altLang="en-US" sz="1100">
+                <a:solidFill>
+                  <a:srgbClr val="000000"/>
+                </a:solidFill>
+                <a:latin typeface="Calibri"/>
+                <a:ea typeface="맑은 고딕"/>
+              </a:rPr>
+              <a:t>불법 투기 행위를 포착하여 경고</a:t>
+            </a:r>
+            <a:endParaRPr lang="en-US" altLang="ko-KR" sz="1100">
+              <a:solidFill>
+                <a:srgbClr val="000000"/>
+              </a:solidFill>
+              <a:latin typeface="맑은 고딕"/>
+              <a:ea typeface="맑은 고딕"/>
+            </a:endParaRPr>
+          </a:p>
+        </p:txBody>
+      </p:sp>
+      <p:sp>
+        <p:nvSpPr>
+          <p:cNvPr id="141" name="TextBox 95"/>
+          <p:cNvSpPr txBox="1"/>
+          <p:nvPr/>
+        </p:nvSpPr>
+        <p:spPr>
+          <a:xfrm>
+            <a:off x="605211" y="6455478"/>
+            <a:ext cx="1014505" cy="769441"/>
+          </a:xfrm>
+          <a:prstGeom prst="rect">
+            <a:avLst/>
+          </a:prstGeom>
+          <a:noFill/>
+        </p:spPr>
+        <p:txBody>
+          <a:bodyPr wrap="square">
+            <a:spAutoFit/>
+          </a:bodyPr>
+          <a:p>
+            <a:pPr lvl="0">
+              <a:defRPr/>
+            </a:pPr>
+            <a:r>
+              <a:rPr lang="ko-KR" altLang="en-US" sz="1100">
+                <a:solidFill>
+                  <a:srgbClr val="000000"/>
+                </a:solidFill>
+                <a:latin typeface="Calibri"/>
+                <a:ea typeface="맑은 고딕"/>
+              </a:rPr>
+              <a:t>그 장소에 다가가기만 하면 경고 메세지</a:t>
+            </a:r>
+            <a:endParaRPr lang="en-US" altLang="ko-KR" sz="1100">
+              <a:solidFill>
+                <a:srgbClr val="000000"/>
+              </a:solidFill>
+              <a:latin typeface="맑은 고딕"/>
+              <a:ea typeface="맑은 고딕"/>
+            </a:endParaRPr>
+          </a:p>
+        </p:txBody>
+      </p:sp>
+      <p:sp>
+        <p:nvSpPr>
+          <p:cNvPr id="142" name="TextBox 96"/>
+          <p:cNvSpPr txBox="1"/>
+          <p:nvPr/>
+        </p:nvSpPr>
+        <p:spPr>
+          <a:xfrm>
+            <a:off x="600247" y="7605452"/>
+            <a:ext cx="1014505" cy="261610"/>
+          </a:xfrm>
+          <a:prstGeom prst="rect">
+            <a:avLst/>
+          </a:prstGeom>
+          <a:noFill/>
+        </p:spPr>
+        <p:txBody>
+          <a:bodyPr wrap="square">
+            <a:spAutoFit/>
+          </a:bodyPr>
+          <a:p>
+            <a:pPr lvl="0">
+              <a:defRPr/>
+            </a:pPr>
+            <a:r>
+              <a:rPr lang="ko-KR" altLang="en-US" sz="1100">
+                <a:solidFill>
+                  <a:srgbClr val="000000"/>
+                </a:solidFill>
+                <a:latin typeface="Calibri"/>
+                <a:ea typeface="맑은 고딕"/>
+              </a:rPr>
+              <a:t>직접 경고</a:t>
+            </a:r>
+            <a:endParaRPr lang="en-US" altLang="ko-KR" sz="1100">
+              <a:solidFill>
+                <a:srgbClr val="000000"/>
+              </a:solidFill>
+              <a:latin typeface="맑은 고딕"/>
+              <a:ea typeface="맑은 고딕"/>
             </a:endParaRPr>
           </a:p>
         </p:txBody>
@@ -7168,45 +10196,53 @@
   <p:clrMapOvr>
     <a:masterClrMapping/>
   </p:clrMapOvr>
+  <mc:AlternateContent xmlns:mc="http://schemas.openxmlformats.org/markup-compatibility/2006">
+    <mc:Choice xmlns:p14="http://schemas.microsoft.com/office/powerpoint/2010/main" Requires="p14">
+      <p:transition xmlns:mc="http://schemas.openxmlformats.org/markup-compatibility/2006" xmlns:p14="http://schemas.microsoft.com/office/powerpoint/2010/main" mc:Ignorable="p14" p14:dur="500"/>
+    </mc:Choice>
+    <mc:Fallback>
+      <p:transition/>
+    </mc:Fallback>
+  </mc:AlternateContent>
 </p:sld>
 </file>
 
 <file path=ppt/theme/theme1.xml><?xml version="1.0" encoding="utf-8"?>
-<a:theme xmlns:a="http://schemas.openxmlformats.org/drawingml/2006/main" name="Office Theme">
+<a:theme xmlns:r="http://schemas.openxmlformats.org/officeDocument/2006/relationships" xmlns:c="http://schemas.openxmlformats.org/drawingml/2006/chart" xmlns:dgm="http://schemas.openxmlformats.org/drawingml/2006/diagram" xmlns:dsp="http://schemas.microsoft.com/office/drawing/2008/diagram" xmlns:a="http://schemas.openxmlformats.org/drawingml/2006/main" xmlns:pic="http://schemas.openxmlformats.org/drawingml/2006/picture" xmlns:wp="http://schemas.openxmlformats.org/drawingml/2006/wordprocessingDrawing" xmlns:xdr="http://schemas.openxmlformats.org/drawingml/2006/spreadsheetDrawing" xmlns:lc="http://schemas.openxmlformats.org/drawingml/2006/lockedCanvas" xmlns:p="http://schemas.openxmlformats.org/presentationml/2006/main" name="Office Theme">
   <a:themeElements>
     <a:clrScheme name="Office">
       <a:dk1>
         <a:sysClr val="windowText" lastClr="000000"/>
       </a:dk1>
       <a:lt1>
-        <a:sysClr val="window" lastClr="FFFFFF"/>
+        <a:sysClr val="window" lastClr="ffffff"/>
       </a:lt1>
       <a:dk2>
-        <a:srgbClr val="1F497D"/>
+        <a:srgbClr val="1f497d"/>
       </a:dk2>
       <a:lt2>
-        <a:srgbClr val="EEECE1"/>
+        <a:srgbClr val="eeece1"/>
       </a:lt2>
       <a:accent1>
-        <a:srgbClr val="4F81BD"/>
+        <a:srgbClr val="4f81bd"/>
       </a:accent1>
       <a:accent2>
-        <a:srgbClr val="C0504D"/>
+        <a:srgbClr val="c0504d"/>
       </a:accent2>
       <a:accent3>
-        <a:srgbClr val="9BBB59"/>
+        <a:srgbClr val="9bbb59"/>
       </a:accent3>
       <a:accent4>
-        <a:srgbClr val="8064A2"/>
+        <a:srgbClr val="8064a2"/>
       </a:accent4>
       <a:accent5>
-        <a:srgbClr val="4BACC6"/>
+        <a:srgbClr val="4bacc6"/>
       </a:accent5>
       <a:accent6>
-        <a:srgbClr val="F79646"/>
+        <a:srgbClr val="f79646"/>
       </a:accent6>
       <a:hlink>
-        <a:srgbClr val="0000FF"/>
+        <a:srgbClr val="0000ff"/>
       </a:hlink>
       <a:folHlink>
         <a:srgbClr val="800080"/>
@@ -7217,9 +10253,9 @@
         <a:latin typeface="Calibri"/>
         <a:ea typeface=""/>
         <a:cs typeface=""/>
-        <a:font script="Jpan" typeface="ＭＳ Ｐゴシック"/>
+        <a:font script="Jpan" typeface="MS PGothic"/>
         <a:font script="Hang" typeface="맑은 고딕"/>
-        <a:font script="Hans" typeface="宋体"/>
+        <a:font script="Hans" typeface="SimSun"/>
         <a:font script="Hant" typeface="新細明體"/>
         <a:font script="Arab" typeface="Times New Roman"/>
         <a:font script="Hebr" typeface="Times New Roman"/>
@@ -7251,9 +10287,9 @@
         <a:latin typeface="Calibri"/>
         <a:ea typeface=""/>
         <a:cs typeface=""/>
-        <a:font script="Jpan" typeface="ＭＳ Ｐゴシック"/>
+        <a:font script="Jpan" typeface="MS PGothic"/>
         <a:font script="Hang" typeface="맑은 고딕"/>
-        <a:font script="Hans" typeface="宋体"/>
+        <a:font script="Hans" typeface="SimSun"/>
         <a:font script="Hant" typeface="新細明體"/>
         <a:font script="Arab" typeface="Arial"/>
         <a:font script="Hebr" typeface="Arial"/>
@@ -7449,7 +10485,5 @@
       </a:bgFillStyleLst>
     </a:fmtScheme>
   </a:themeElements>
-  <a:objectDefaults/>
-  <a:extraClrSchemeLst/>
 </a:theme>
 </file>